--- a/2019-05-15/MockiatoPPT.pptx
+++ b/2019-05-15/MockiatoPPT.pptx
@@ -2,32 +2,29 @@
 <file path=ppt/presentation.xml><?xml version="1.0" encoding="utf-8"?>
 <p:presentation xmlns:a="http://schemas.openxmlformats.org/drawingml/2006/main" xmlns:r="http://schemas.openxmlformats.org/officeDocument/2006/relationships" xmlns:p="http://schemas.openxmlformats.org/presentationml/2006/main" saveSubsetFonts="1">
   <p:sldMasterIdLst>
-    <p:sldMasterId id="2147483648" r:id="rId6"/>
-    <p:sldMasterId id="2147483702" r:id="rId7"/>
-    <p:sldMasterId id="2147483714" r:id="rId8"/>
+    <p:sldMasterId id="2147483702" r:id="rId6"/>
+    <p:sldMasterId id="2147483714" r:id="rId7"/>
   </p:sldMasterIdLst>
   <p:notesMasterIdLst>
-    <p:notesMasterId r:id="rId24"/>
+    <p:notesMasterId r:id="rId21"/>
   </p:notesMasterIdLst>
   <p:handoutMasterIdLst>
-    <p:handoutMasterId r:id="rId25"/>
+    <p:handoutMasterId r:id="rId22"/>
   </p:handoutMasterIdLst>
   <p:sldIdLst>
-    <p:sldId id="327" r:id="rId9"/>
-    <p:sldId id="316" r:id="rId10"/>
-    <p:sldId id="333" r:id="rId11"/>
-    <p:sldId id="329" r:id="rId12"/>
-    <p:sldId id="347" r:id="rId13"/>
-    <p:sldId id="334" r:id="rId14"/>
-    <p:sldId id="330" r:id="rId15"/>
-    <p:sldId id="340" r:id="rId16"/>
-    <p:sldId id="335" r:id="rId17"/>
-    <p:sldId id="338" r:id="rId18"/>
-    <p:sldId id="341" r:id="rId19"/>
-    <p:sldId id="345" r:id="rId20"/>
-    <p:sldId id="349" r:id="rId21"/>
-    <p:sldId id="343" r:id="rId22"/>
-    <p:sldId id="344" r:id="rId23"/>
+    <p:sldId id="327" r:id="rId8"/>
+    <p:sldId id="316" r:id="rId9"/>
+    <p:sldId id="333" r:id="rId10"/>
+    <p:sldId id="329" r:id="rId11"/>
+    <p:sldId id="347" r:id="rId12"/>
+    <p:sldId id="334" r:id="rId13"/>
+    <p:sldId id="330" r:id="rId14"/>
+    <p:sldId id="340" r:id="rId15"/>
+    <p:sldId id="335" r:id="rId16"/>
+    <p:sldId id="338" r:id="rId17"/>
+    <p:sldId id="341" r:id="rId18"/>
+    <p:sldId id="349" r:id="rId19"/>
+    <p:sldId id="344" r:id="rId20"/>
   </p:sldIdLst>
   <p:sldSz cx="9144000" cy="6858000" type="screen4x3"/>
   <p:notesSz cx="7010400" cy="9296400"/>
@@ -146,51 +143,51 @@
 </file>
 
 <file path=ppt/activeX/activeX1.xml><?xml version="1.0" encoding="utf-8"?>
-<ax:ocx xmlns:ax="http://schemas.microsoft.com/office/2006/activeX" xmlns:r="http://schemas.openxmlformats.org/officeDocument/2006/relationships" ax:classid="{5512D116-5CC6-11CF-8D67-00AA00BDCE1D}" r:id="rId1"/>
+<ax:ocx xmlns:ax="http://schemas.microsoft.com/office/2006/activeX" xmlns:r="http://schemas.openxmlformats.org/officeDocument/2006/relationships" ax:classid="{5512D116-5CC6-11CF-8D67-00AA00BDCE1D}"/>
 </file>
 
 <file path=ppt/activeX/activeX10.xml><?xml version="1.0" encoding="utf-8"?>
-<ax:ocx xmlns:ax="http://schemas.microsoft.com/office/2006/activeX" xmlns:r="http://schemas.openxmlformats.org/officeDocument/2006/relationships" ax:classid="{5512D116-5CC6-11CF-8D67-00AA00BDCE1D}" r:id="rId1"/>
+<ax:ocx xmlns:ax="http://schemas.microsoft.com/office/2006/activeX" xmlns:r="http://schemas.openxmlformats.org/officeDocument/2006/relationships" ax:classid="{5512D116-5CC6-11CF-8D67-00AA00BDCE1D}"/>
 </file>
 
 <file path=ppt/activeX/activeX11.xml><?xml version="1.0" encoding="utf-8"?>
-<ax:ocx xmlns:ax="http://schemas.microsoft.com/office/2006/activeX" xmlns:r="http://schemas.openxmlformats.org/officeDocument/2006/relationships" ax:classid="{5512D116-5CC6-11CF-8D67-00AA00BDCE1D}" r:id="rId1"/>
+<ax:ocx xmlns:ax="http://schemas.microsoft.com/office/2006/activeX" xmlns:r="http://schemas.openxmlformats.org/officeDocument/2006/relationships" ax:classid="{5512D116-5CC6-11CF-8D67-00AA00BDCE1D}"/>
 </file>
 
 <file path=ppt/activeX/activeX12.xml><?xml version="1.0" encoding="utf-8"?>
-<ax:ocx xmlns:ax="http://schemas.microsoft.com/office/2006/activeX" xmlns:r="http://schemas.openxmlformats.org/officeDocument/2006/relationships" ax:classid="{5512D116-5CC6-11CF-8D67-00AA00BDCE1D}" r:id="rId1"/>
+<ax:ocx xmlns:ax="http://schemas.microsoft.com/office/2006/activeX" xmlns:r="http://schemas.openxmlformats.org/officeDocument/2006/relationships" ax:classid="{5512D116-5CC6-11CF-8D67-00AA00BDCE1D}"/>
 </file>
 
 <file path=ppt/activeX/activeX2.xml><?xml version="1.0" encoding="utf-8"?>
-<ax:ocx xmlns:ax="http://schemas.microsoft.com/office/2006/activeX" xmlns:r="http://schemas.openxmlformats.org/officeDocument/2006/relationships" ax:classid="{5512D116-5CC6-11CF-8D67-00AA00BDCE1D}" r:id="rId1"/>
+<ax:ocx xmlns:ax="http://schemas.microsoft.com/office/2006/activeX" xmlns:r="http://schemas.openxmlformats.org/officeDocument/2006/relationships" ax:classid="{5512D116-5CC6-11CF-8D67-00AA00BDCE1D}"/>
 </file>
 
 <file path=ppt/activeX/activeX3.xml><?xml version="1.0" encoding="utf-8"?>
-<ax:ocx xmlns:ax="http://schemas.microsoft.com/office/2006/activeX" xmlns:r="http://schemas.openxmlformats.org/officeDocument/2006/relationships" ax:classid="{5512D116-5CC6-11CF-8D67-00AA00BDCE1D}" r:id="rId1"/>
+<ax:ocx xmlns:ax="http://schemas.microsoft.com/office/2006/activeX" xmlns:r="http://schemas.openxmlformats.org/officeDocument/2006/relationships" ax:classid="{5512D116-5CC6-11CF-8D67-00AA00BDCE1D}"/>
 </file>
 
 <file path=ppt/activeX/activeX4.xml><?xml version="1.0" encoding="utf-8"?>
-<ax:ocx xmlns:ax="http://schemas.microsoft.com/office/2006/activeX" xmlns:r="http://schemas.openxmlformats.org/officeDocument/2006/relationships" ax:classid="{5512D116-5CC6-11CF-8D67-00AA00BDCE1D}" r:id="rId1"/>
+<ax:ocx xmlns:ax="http://schemas.microsoft.com/office/2006/activeX" xmlns:r="http://schemas.openxmlformats.org/officeDocument/2006/relationships" ax:classid="{5512D116-5CC6-11CF-8D67-00AA00BDCE1D}"/>
 </file>
 
 <file path=ppt/activeX/activeX5.xml><?xml version="1.0" encoding="utf-8"?>
-<ax:ocx xmlns:ax="http://schemas.microsoft.com/office/2006/activeX" xmlns:r="http://schemas.openxmlformats.org/officeDocument/2006/relationships" ax:classid="{5512D116-5CC6-11CF-8D67-00AA00BDCE1D}" r:id="rId1"/>
+<ax:ocx xmlns:ax="http://schemas.microsoft.com/office/2006/activeX" xmlns:r="http://schemas.openxmlformats.org/officeDocument/2006/relationships" ax:classid="{5512D116-5CC6-11CF-8D67-00AA00BDCE1D}"/>
 </file>
 
 <file path=ppt/activeX/activeX6.xml><?xml version="1.0" encoding="utf-8"?>
-<ax:ocx xmlns:ax="http://schemas.microsoft.com/office/2006/activeX" xmlns:r="http://schemas.openxmlformats.org/officeDocument/2006/relationships" ax:classid="{5512D116-5CC6-11CF-8D67-00AA00BDCE1D}" r:id="rId1"/>
+<ax:ocx xmlns:ax="http://schemas.microsoft.com/office/2006/activeX" xmlns:r="http://schemas.openxmlformats.org/officeDocument/2006/relationships" ax:classid="{5512D116-5CC6-11CF-8D67-00AA00BDCE1D}"/>
 </file>
 
 <file path=ppt/activeX/activeX7.xml><?xml version="1.0" encoding="utf-8"?>
-<ax:ocx xmlns:ax="http://schemas.microsoft.com/office/2006/activeX" xmlns:r="http://schemas.openxmlformats.org/officeDocument/2006/relationships" ax:classid="{5512D116-5CC6-11CF-8D67-00AA00BDCE1D}" r:id="rId1"/>
+<ax:ocx xmlns:ax="http://schemas.microsoft.com/office/2006/activeX" xmlns:r="http://schemas.openxmlformats.org/officeDocument/2006/relationships" ax:classid="{5512D116-5CC6-11CF-8D67-00AA00BDCE1D}"/>
 </file>
 
 <file path=ppt/activeX/activeX8.xml><?xml version="1.0" encoding="utf-8"?>
-<ax:ocx xmlns:ax="http://schemas.microsoft.com/office/2006/activeX" xmlns:r="http://schemas.openxmlformats.org/officeDocument/2006/relationships" ax:classid="{5512D116-5CC6-11CF-8D67-00AA00BDCE1D}" r:id="rId1"/>
+<ax:ocx xmlns:ax="http://schemas.microsoft.com/office/2006/activeX" xmlns:r="http://schemas.openxmlformats.org/officeDocument/2006/relationships" ax:classid="{5512D116-5CC6-11CF-8D67-00AA00BDCE1D}"/>
 </file>
 
 <file path=ppt/activeX/activeX9.xml><?xml version="1.0" encoding="utf-8"?>
-<ax:ocx xmlns:ax="http://schemas.microsoft.com/office/2006/activeX" xmlns:r="http://schemas.openxmlformats.org/officeDocument/2006/relationships" ax:classid="{5512D116-5CC6-11CF-8D67-00AA00BDCE1D}" r:id="rId1"/>
+<ax:ocx xmlns:ax="http://schemas.microsoft.com/office/2006/activeX" xmlns:r="http://schemas.openxmlformats.org/officeDocument/2006/relationships" ax:classid="{5512D116-5CC6-11CF-8D67-00AA00BDCE1D}"/>
 </file>
 
 <file path=ppt/handoutMasters/handoutMaster1.xml><?xml version="1.0" encoding="utf-8"?>
@@ -751,6 +748,90 @@
           <a:bodyPr/>
           <a:lstStyle/>
           <a:p>
+            <a:endParaRPr lang="en-US"/>
+          </a:p>
+        </p:txBody>
+      </p:sp>
+      <p:sp>
+        <p:nvSpPr>
+          <p:cNvPr id="4" name="Slide Number Placeholder 3"/>
+          <p:cNvSpPr>
+            <a:spLocks noGrp="1"/>
+          </p:cNvSpPr>
+          <p:nvPr>
+            <p:ph type="sldNum" sz="quarter" idx="5"/>
+          </p:nvPr>
+        </p:nvSpPr>
+        <p:spPr/>
+        <p:txBody>
+          <a:bodyPr/>
+          <a:lstStyle/>
+          <a:p>
+            <a:fld id="{0339AFBA-2AB6-4123-96EF-FFD24D748E6D}" type="slidenum">
+              <a:rPr lang="en-US" smtClean="0"/>
+              <a:t>1</a:t>
+            </a:fld>
+            <a:endParaRPr lang="en-US" dirty="0"/>
+          </a:p>
+        </p:txBody>
+      </p:sp>
+    </p:spTree>
+    <p:extLst>
+      <p:ext uri="{BB962C8B-B14F-4D97-AF65-F5344CB8AC3E}">
+        <p14:creationId xmlns:p14="http://schemas.microsoft.com/office/powerpoint/2010/main" val="3331667477"/>
+      </p:ext>
+    </p:extLst>
+  </p:cSld>
+  <p:clrMapOvr>
+    <a:masterClrMapping/>
+  </p:clrMapOvr>
+</p:notes>
+</file>
+
+<file path=ppt/notesSlides/notesSlide2.xml><?xml version="1.0" encoding="utf-8"?>
+<p:notes xmlns:a="http://schemas.openxmlformats.org/drawingml/2006/main" xmlns:r="http://schemas.openxmlformats.org/officeDocument/2006/relationships" xmlns:p="http://schemas.openxmlformats.org/presentationml/2006/main">
+  <p:cSld>
+    <p:spTree>
+      <p:nvGrpSpPr>
+        <p:cNvPr id="1" name=""/>
+        <p:cNvGrpSpPr/>
+        <p:nvPr/>
+      </p:nvGrpSpPr>
+      <p:grpSpPr>
+        <a:xfrm>
+          <a:off x="0" y="0"/>
+          <a:ext cx="0" cy="0"/>
+          <a:chOff x="0" y="0"/>
+          <a:chExt cx="0" cy="0"/>
+        </a:xfrm>
+      </p:grpSpPr>
+      <p:sp>
+        <p:nvSpPr>
+          <p:cNvPr id="2" name="Slide Image Placeholder 1"/>
+          <p:cNvSpPr>
+            <a:spLocks noGrp="1" noRot="1" noChangeAspect="1"/>
+          </p:cNvSpPr>
+          <p:nvPr>
+            <p:ph type="sldImg"/>
+          </p:nvPr>
+        </p:nvSpPr>
+        <p:spPr/>
+      </p:sp>
+      <p:sp>
+        <p:nvSpPr>
+          <p:cNvPr id="3" name="Notes Placeholder 2"/>
+          <p:cNvSpPr>
+            <a:spLocks noGrp="1"/>
+          </p:cNvSpPr>
+          <p:nvPr>
+            <p:ph type="body" idx="1"/>
+          </p:nvPr>
+        </p:nvSpPr>
+        <p:spPr/>
+        <p:txBody>
+          <a:bodyPr/>
+          <a:lstStyle/>
+          <a:p>
             <a:endParaRPr lang="en-US" dirty="0"/>
           </a:p>
         </p:txBody>
@@ -791,7 +872,7 @@
 </p:notes>
 </file>
 
-<file path=ppt/notesSlides/notesSlide2.xml><?xml version="1.0" encoding="utf-8"?>
+<file path=ppt/notesSlides/notesSlide3.xml><?xml version="1.0" encoding="utf-8"?>
 <p:notes xmlns:a="http://schemas.openxmlformats.org/drawingml/2006/main" xmlns:r="http://schemas.openxmlformats.org/officeDocument/2006/relationships" xmlns:p="http://schemas.openxmlformats.org/presentationml/2006/main">
   <p:cSld>
     <p:spTree>
@@ -1027,7 +1108,7 @@
 </file>
 
 <file path=ppt/slideLayouts/slideLayout1.xml><?xml version="1.0" encoding="utf-8"?>
-<p:sldLayout xmlns:a="http://schemas.openxmlformats.org/drawingml/2006/main" xmlns:r="http://schemas.openxmlformats.org/officeDocument/2006/relationships" xmlns:p="http://schemas.openxmlformats.org/presentationml/2006/main" preserve="1" userDrawn="1">
+<p:sldLayout xmlns:a="http://schemas.openxmlformats.org/drawingml/2006/main" xmlns:r="http://schemas.openxmlformats.org/officeDocument/2006/relationships" xmlns:p="http://schemas.openxmlformats.org/presentationml/2006/main" showMasterSp="0" type="title" preserve="1">
   <p:cSld name="Title Slide">
     <p:spTree>
       <p:nvGrpSpPr>
@@ -1043,50 +1124,257 @@
           <a:chExt cx="0" cy="0"/>
         </a:xfrm>
       </p:grpSpPr>
-    </p:spTree>
-    <p:extLst>
-      <p:ext uri="{BB962C8B-B14F-4D97-AF65-F5344CB8AC3E}">
-        <p14:creationId xmlns:p14="http://schemas.microsoft.com/office/powerpoint/2010/main" val="3757308253"/>
-      </p:ext>
-    </p:extLst>
-  </p:cSld>
-  <p:clrMapOvr>
-    <a:masterClrMapping/>
-  </p:clrMapOvr>
-</p:sldLayout>
-</file>
-
-<file path=ppt/slideLayouts/slideLayout10.xml><?xml version="1.0" encoding="utf-8"?>
-<p:sldLayout xmlns:a="http://schemas.openxmlformats.org/drawingml/2006/main" xmlns:r="http://schemas.openxmlformats.org/officeDocument/2006/relationships" xmlns:p="http://schemas.openxmlformats.org/presentationml/2006/main" type="titleOnly" preserve="1">
-  <p:cSld name="Title Only">
-    <p:spTree>
-      <p:nvGrpSpPr>
-        <p:cNvPr id="1" name=""/>
-        <p:cNvGrpSpPr/>
-        <p:nvPr/>
-      </p:nvGrpSpPr>
-      <p:grpSpPr>
-        <a:xfrm>
-          <a:off x="0" y="0"/>
-          <a:ext cx="0" cy="0"/>
-          <a:chOff x="0" y="0"/>
-          <a:chExt cx="0" cy="0"/>
-        </a:xfrm>
-      </p:grpSpPr>
+      <p:pic>
+        <p:nvPicPr>
+          <p:cNvPr id="4" name="Picture 13" descr="Optum_RGB_PPT"/>
+          <p:cNvPicPr>
+            <a:picLocks noChangeAspect="1" noChangeArrowheads="1"/>
+          </p:cNvPicPr>
+          <p:nvPr userDrawn="1"/>
+        </p:nvPicPr>
+        <p:blipFill>
+          <a:blip r:embed="rId2" cstate="print">
+            <a:extLst>
+              <a:ext uri="{28A0092B-C50C-407E-A947-70E740481C1C}">
+                <a14:useLocalDpi xmlns:a14="http://schemas.microsoft.com/office/drawing/2010/main" val="0"/>
+              </a:ext>
+            </a:extLst>
+          </a:blip>
+          <a:srcRect/>
+          <a:stretch>
+            <a:fillRect/>
+          </a:stretch>
+        </p:blipFill>
+        <p:spPr bwMode="auto">
+          <a:xfrm>
+            <a:off x="381002" y="228600"/>
+            <a:ext cx="2157413" cy="679450"/>
+          </a:xfrm>
+          <a:prstGeom prst="rect">
+            <a:avLst/>
+          </a:prstGeom>
+          <a:noFill/>
+          <a:ln>
+            <a:noFill/>
+          </a:ln>
+          <a:extLst>
+            <a:ext uri="{909E8E84-426E-40DD-AFC4-6F175D3DCCD1}">
+              <a14:hiddenFill xmlns:a14="http://schemas.microsoft.com/office/drawing/2010/main">
+                <a:solidFill>
+                  <a:srgbClr val="FFFFFF"/>
+                </a:solidFill>
+              </a14:hiddenFill>
+            </a:ext>
+            <a:ext uri="{91240B29-F687-4F45-9708-019B960494DF}">
+              <a14:hiddenLine xmlns:a14="http://schemas.microsoft.com/office/drawing/2010/main" w="9525">
+                <a:solidFill>
+                  <a:srgbClr val="000000"/>
+                </a:solidFill>
+                <a:miter lim="800000"/>
+                <a:headEnd/>
+                <a:tailEnd/>
+              </a14:hiddenLine>
+            </a:ext>
+          </a:extLst>
+        </p:spPr>
+      </p:pic>
+      <p:pic>
+        <p:nvPicPr>
+          <p:cNvPr id="5" name="Picture 11" descr="Optum_ColorBand-02"/>
+          <p:cNvPicPr preferRelativeResize="0">
+            <a:picLocks noChangeArrowheads="1"/>
+          </p:cNvPicPr>
+          <p:nvPr userDrawn="1"/>
+        </p:nvPicPr>
+        <p:blipFill>
+          <a:blip r:embed="rId3" cstate="print">
+            <a:extLst>
+              <a:ext uri="{28A0092B-C50C-407E-A947-70E740481C1C}">
+                <a14:useLocalDpi xmlns:a14="http://schemas.microsoft.com/office/drawing/2010/main" val="0"/>
+              </a:ext>
+            </a:extLst>
+          </a:blip>
+          <a:srcRect/>
+          <a:stretch>
+            <a:fillRect/>
+          </a:stretch>
+        </p:blipFill>
+        <p:spPr bwMode="auto">
+          <a:xfrm>
+            <a:off x="0" y="5008564"/>
+            <a:ext cx="9144000" cy="109537"/>
+          </a:xfrm>
+          <a:prstGeom prst="rect">
+            <a:avLst/>
+          </a:prstGeom>
+          <a:noFill/>
+          <a:ln>
+            <a:noFill/>
+          </a:ln>
+          <a:extLst>
+            <a:ext uri="{909E8E84-426E-40DD-AFC4-6F175D3DCCD1}">
+              <a14:hiddenFill xmlns:a14="http://schemas.microsoft.com/office/drawing/2010/main">
+                <a:solidFill>
+                  <a:srgbClr val="FFFFFF"/>
+                </a:solidFill>
+              </a14:hiddenFill>
+            </a:ext>
+            <a:ext uri="{91240B29-F687-4F45-9708-019B960494DF}">
+              <a14:hiddenLine xmlns:a14="http://schemas.microsoft.com/office/drawing/2010/main" w="9525">
+                <a:solidFill>
+                  <a:srgbClr val="000000"/>
+                </a:solidFill>
+                <a:miter lim="800000"/>
+                <a:headEnd/>
+                <a:tailEnd/>
+              </a14:hiddenLine>
+            </a:ext>
+          </a:extLst>
+        </p:spPr>
+      </p:pic>
       <p:sp>
         <p:nvSpPr>
-          <p:cNvPr id="2" name="Title 1"/>
+          <p:cNvPr id="6" name="Rectangle 15"/>
           <p:cNvSpPr>
-            <a:spLocks noGrp="1"/>
+            <a:spLocks noChangeArrowheads="1"/>
+          </p:cNvSpPr>
+          <p:nvPr userDrawn="1"/>
+        </p:nvSpPr>
+        <p:spPr bwMode="auto">
+          <a:xfrm>
+            <a:off x="2362202" y="6307138"/>
+            <a:ext cx="2741613" cy="144462"/>
+          </a:xfrm>
+          <a:prstGeom prst="rect">
+            <a:avLst/>
+          </a:prstGeom>
+          <a:noFill/>
+          <a:ln>
+            <a:noFill/>
+          </a:ln>
+          <a:extLst>
+            <a:ext uri="{909E8E84-426E-40DD-AFC4-6F175D3DCCD1}">
+              <a14:hiddenFill xmlns:a14="http://schemas.microsoft.com/office/drawing/2010/main">
+                <a:solidFill>
+                  <a:srgbClr val="FFFFFF"/>
+                </a:solidFill>
+              </a14:hiddenFill>
+            </a:ext>
+            <a:ext uri="{91240B29-F687-4F45-9708-019B960494DF}">
+              <a14:hiddenLine xmlns:a14="http://schemas.microsoft.com/office/drawing/2010/main" w="9525">
+                <a:solidFill>
+                  <a:srgbClr val="000000"/>
+                </a:solidFill>
+                <a:miter lim="800000"/>
+                <a:headEnd/>
+                <a:tailEnd/>
+              </a14:hiddenLine>
+            </a:ext>
+          </a:extLst>
+        </p:spPr>
+        <p:txBody>
+          <a:bodyPr wrap="none" lIns="0" tIns="0" rIns="0" bIns="0"/>
+          <a:lstStyle/>
+          <a:p>
+            <a:pPr fontAlgn="base">
+              <a:lnSpc>
+                <a:spcPct val="95000"/>
+              </a:lnSpc>
+              <a:spcBef>
+                <a:spcPct val="0"/>
+              </a:spcBef>
+              <a:spcAft>
+                <a:spcPct val="0"/>
+              </a:spcAft>
+              <a:buClr>
+                <a:srgbClr val="D45D00"/>
+              </a:buClr>
+            </a:pPr>
+            <a:endParaRPr lang="en-US" sz="1000">
+              <a:solidFill>
+                <a:srgbClr val="63666A"/>
+              </a:solidFill>
+            </a:endParaRPr>
+          </a:p>
+        </p:txBody>
+      </p:sp>
+      <p:pic>
+        <p:nvPicPr>
+          <p:cNvPr id="7" name="Picture 12"/>
+          <p:cNvPicPr>
+            <a:picLocks noChangeAspect="1"/>
+          </p:cNvPicPr>
+          <p:nvPr userDrawn="1"/>
+        </p:nvPicPr>
+        <p:blipFill>
+          <a:blip r:embed="rId4">
+            <a:extLst>
+              <a:ext uri="{28A0092B-C50C-407E-A947-70E740481C1C}">
+                <a14:useLocalDpi xmlns:a14="http://schemas.microsoft.com/office/drawing/2010/main" val="0"/>
+              </a:ext>
+            </a:extLst>
+          </a:blip>
+          <a:srcRect/>
+          <a:stretch>
+            <a:fillRect/>
+          </a:stretch>
+        </p:blipFill>
+        <p:spPr bwMode="auto">
+          <a:xfrm>
+            <a:off x="5619752" y="657251"/>
+            <a:ext cx="3086100" cy="295275"/>
+          </a:xfrm>
+          <a:prstGeom prst="rect">
+            <a:avLst/>
+          </a:prstGeom>
+          <a:noFill/>
+          <a:ln>
+            <a:noFill/>
+          </a:ln>
+          <a:extLst>
+            <a:ext uri="{909E8E84-426E-40DD-AFC4-6F175D3DCCD1}">
+              <a14:hiddenFill xmlns:a14="http://schemas.microsoft.com/office/drawing/2010/main">
+                <a:solidFill>
+                  <a:srgbClr val="FFFFFF"/>
+                </a:solidFill>
+              </a14:hiddenFill>
+            </a:ext>
+            <a:ext uri="{91240B29-F687-4F45-9708-019B960494DF}">
+              <a14:hiddenLine xmlns:a14="http://schemas.microsoft.com/office/drawing/2010/main" w="9525">
+                <a:solidFill>
+                  <a:srgbClr val="000000"/>
+                </a:solidFill>
+                <a:miter lim="800000"/>
+                <a:headEnd/>
+                <a:tailEnd/>
+              </a14:hiddenLine>
+            </a:ext>
+          </a:extLst>
+        </p:spPr>
+      </p:pic>
+      <p:sp>
+        <p:nvSpPr>
+          <p:cNvPr id="10242" name="Rectangle 2"/>
+          <p:cNvSpPr>
+            <a:spLocks noGrp="1" noChangeArrowheads="1"/>
           </p:cNvSpPr>
           <p:nvPr>
-            <p:ph type="title"/>
+            <p:ph type="ctrTitle"/>
           </p:nvPr>
         </p:nvSpPr>
-        <p:spPr/>
+        <p:spPr>
+          <a:xfrm>
+            <a:off x="2362200" y="5448300"/>
+            <a:ext cx="6096000" cy="342900"/>
+          </a:xfrm>
+        </p:spPr>
         <p:txBody>
-          <a:bodyPr/>
-          <a:lstStyle/>
+          <a:bodyPr anchor="t"/>
+          <a:lstStyle>
+            <a:lvl1pPr>
+              <a:defRPr sz="2000"/>
+            </a:lvl1pPr>
+          </a:lstStyle>
           <a:p>
             <a:r>
               <a:rPr lang="en-US"/>
@@ -1097,51 +1385,42 @@
       </p:sp>
       <p:sp>
         <p:nvSpPr>
-          <p:cNvPr id="3" name="Rectangle 6"/>
+          <p:cNvPr id="10243" name="Rectangle 3"/>
           <p:cNvSpPr>
             <a:spLocks noGrp="1" noChangeArrowheads="1"/>
           </p:cNvSpPr>
           <p:nvPr>
-            <p:ph type="sldNum" sz="quarter" idx="10"/>
+            <p:ph type="subTitle" idx="1"/>
           </p:nvPr>
         </p:nvSpPr>
         <p:spPr>
-          <a:ln/>
+          <a:xfrm>
+            <a:off x="2362200" y="5791200"/>
+            <a:ext cx="4800600" cy="547688"/>
+          </a:xfrm>
         </p:spPr>
         <p:txBody>
           <a:bodyPr/>
           <a:lstStyle>
             <a:lvl1pPr>
-              <a:defRPr/>
+              <a:spcAft>
+                <a:spcPct val="0"/>
+              </a:spcAft>
+              <a:defRPr sz="1200"/>
             </a:lvl1pPr>
           </a:lstStyle>
           <a:p>
-            <a:pPr>
-              <a:defRPr/>
-            </a:pPr>
-            <a:fld id="{C48EDA4A-E315-4B57-9283-EF0A09B3B355}" type="slidenum">
-              <a:rPr lang="en-US">
-                <a:solidFill>
-                  <a:srgbClr val="63666A"/>
-                </a:solidFill>
-              </a:rPr>
-              <a:pPr>
-                <a:defRPr/>
-              </a:pPr>
-              <a:t>‹#›</a:t>
-            </a:fld>
-            <a:endParaRPr lang="en-US">
-              <a:solidFill>
-                <a:srgbClr val="63666A"/>
-              </a:solidFill>
-            </a:endParaRPr>
+            <a:r>
+              <a:rPr lang="en-US"/>
+              <a:t>Click to edit Master subtitle style</a:t>
+            </a:r>
           </a:p>
         </p:txBody>
       </p:sp>
     </p:spTree>
     <p:extLst>
       <p:ext uri="{BB962C8B-B14F-4D97-AF65-F5344CB8AC3E}">
-        <p14:creationId xmlns:p14="http://schemas.microsoft.com/office/powerpoint/2010/main" val="579468850"/>
+        <p14:creationId xmlns:p14="http://schemas.microsoft.com/office/powerpoint/2010/main" val="591229803"/>
       </p:ext>
     </p:extLst>
   </p:cSld>
@@ -1154,573 +1433,7 @@
 </p:sldLayout>
 </file>
 
-<file path=ppt/slideLayouts/slideLayout11.xml><?xml version="1.0" encoding="utf-8"?>
-<p:sldLayout xmlns:a="http://schemas.openxmlformats.org/drawingml/2006/main" xmlns:r="http://schemas.openxmlformats.org/officeDocument/2006/relationships" xmlns:p="http://schemas.openxmlformats.org/presentationml/2006/main" type="blank" preserve="1">
-  <p:cSld name="Blank">
-    <p:spTree>
-      <p:nvGrpSpPr>
-        <p:cNvPr id="1" name=""/>
-        <p:cNvGrpSpPr/>
-        <p:nvPr/>
-      </p:nvGrpSpPr>
-      <p:grpSpPr>
-        <a:xfrm>
-          <a:off x="0" y="0"/>
-          <a:ext cx="0" cy="0"/>
-          <a:chOff x="0" y="0"/>
-          <a:chExt cx="0" cy="0"/>
-        </a:xfrm>
-      </p:grpSpPr>
-      <p:sp>
-        <p:nvSpPr>
-          <p:cNvPr id="2" name="Rectangle 6"/>
-          <p:cNvSpPr>
-            <a:spLocks noGrp="1" noChangeArrowheads="1"/>
-          </p:cNvSpPr>
-          <p:nvPr>
-            <p:ph type="sldNum" sz="quarter" idx="10"/>
-          </p:nvPr>
-        </p:nvSpPr>
-        <p:spPr>
-          <a:ln/>
-        </p:spPr>
-        <p:txBody>
-          <a:bodyPr/>
-          <a:lstStyle>
-            <a:lvl1pPr>
-              <a:defRPr/>
-            </a:lvl1pPr>
-          </a:lstStyle>
-          <a:p>
-            <a:pPr>
-              <a:defRPr/>
-            </a:pPr>
-            <a:fld id="{79D80ADF-62D7-4F9E-96AF-56EBA3A115DD}" type="slidenum">
-              <a:rPr lang="en-US">
-                <a:solidFill>
-                  <a:srgbClr val="63666A"/>
-                </a:solidFill>
-              </a:rPr>
-              <a:pPr>
-                <a:defRPr/>
-              </a:pPr>
-              <a:t>‹#›</a:t>
-            </a:fld>
-            <a:endParaRPr lang="en-US">
-              <a:solidFill>
-                <a:srgbClr val="63666A"/>
-              </a:solidFill>
-            </a:endParaRPr>
-          </a:p>
-        </p:txBody>
-      </p:sp>
-    </p:spTree>
-    <p:extLst>
-      <p:ext uri="{BB962C8B-B14F-4D97-AF65-F5344CB8AC3E}">
-        <p14:creationId xmlns:p14="http://schemas.microsoft.com/office/powerpoint/2010/main" val="1482301696"/>
-      </p:ext>
-    </p:extLst>
-  </p:cSld>
-  <p:clrMapOvr>
-    <a:masterClrMapping/>
-  </p:clrMapOvr>
-  <p:transition>
-    <p:fade/>
-  </p:transition>
-</p:sldLayout>
-</file>
-
-<file path=ppt/slideLayouts/slideLayout12.xml><?xml version="1.0" encoding="utf-8"?>
-<p:sldLayout xmlns:a="http://schemas.openxmlformats.org/drawingml/2006/main" xmlns:r="http://schemas.openxmlformats.org/officeDocument/2006/relationships" xmlns:p="http://schemas.openxmlformats.org/presentationml/2006/main" type="objTx" preserve="1">
-  <p:cSld name="Content with Caption">
-    <p:spTree>
-      <p:nvGrpSpPr>
-        <p:cNvPr id="1" name=""/>
-        <p:cNvGrpSpPr/>
-        <p:nvPr/>
-      </p:nvGrpSpPr>
-      <p:grpSpPr>
-        <a:xfrm>
-          <a:off x="0" y="0"/>
-          <a:ext cx="0" cy="0"/>
-          <a:chOff x="0" y="0"/>
-          <a:chExt cx="0" cy="0"/>
-        </a:xfrm>
-      </p:grpSpPr>
-      <p:sp>
-        <p:nvSpPr>
-          <p:cNvPr id="2" name="Title 1"/>
-          <p:cNvSpPr>
-            <a:spLocks noGrp="1"/>
-          </p:cNvSpPr>
-          <p:nvPr>
-            <p:ph type="title"/>
-          </p:nvPr>
-        </p:nvSpPr>
-        <p:spPr>
-          <a:xfrm>
-            <a:off x="457216" y="273050"/>
-            <a:ext cx="3008313" cy="1162050"/>
-          </a:xfrm>
-        </p:spPr>
-        <p:txBody>
-          <a:bodyPr/>
-          <a:lstStyle>
-            <a:lvl1pPr algn="l">
-              <a:defRPr sz="2000" b="1"/>
-            </a:lvl1pPr>
-          </a:lstStyle>
-          <a:p>
-            <a:r>
-              <a:rPr lang="en-US"/>
-              <a:t>Click to edit Master title style</a:t>
-            </a:r>
-          </a:p>
-        </p:txBody>
-      </p:sp>
-      <p:sp>
-        <p:nvSpPr>
-          <p:cNvPr id="3" name="Content Placeholder 2"/>
-          <p:cNvSpPr>
-            <a:spLocks noGrp="1"/>
-          </p:cNvSpPr>
-          <p:nvPr>
-            <p:ph idx="1"/>
-          </p:nvPr>
-        </p:nvSpPr>
-        <p:spPr>
-          <a:xfrm>
-            <a:off x="3575050" y="273050"/>
-            <a:ext cx="5111750" cy="5853113"/>
-          </a:xfrm>
-        </p:spPr>
-        <p:txBody>
-          <a:bodyPr/>
-          <a:lstStyle>
-            <a:lvl1pPr>
-              <a:defRPr sz="3200"/>
-            </a:lvl1pPr>
-            <a:lvl2pPr>
-              <a:defRPr sz="2800"/>
-            </a:lvl2pPr>
-            <a:lvl3pPr>
-              <a:defRPr sz="2400"/>
-            </a:lvl3pPr>
-            <a:lvl4pPr>
-              <a:defRPr sz="2000"/>
-            </a:lvl4pPr>
-            <a:lvl5pPr>
-              <a:defRPr sz="2000"/>
-            </a:lvl5pPr>
-            <a:lvl6pPr>
-              <a:defRPr sz="2000"/>
-            </a:lvl6pPr>
-            <a:lvl7pPr>
-              <a:defRPr sz="2000"/>
-            </a:lvl7pPr>
-            <a:lvl8pPr>
-              <a:defRPr sz="2000"/>
-            </a:lvl8pPr>
-            <a:lvl9pPr>
-              <a:defRPr sz="2000"/>
-            </a:lvl9pPr>
-          </a:lstStyle>
-          <a:p>
-            <a:pPr lvl="0"/>
-            <a:r>
-              <a:rPr lang="en-US"/>
-              <a:t>Click to edit Master text styles</a:t>
-            </a:r>
-          </a:p>
-          <a:p>
-            <a:pPr lvl="1"/>
-            <a:r>
-              <a:rPr lang="en-US"/>
-              <a:t>Second level</a:t>
-            </a:r>
-          </a:p>
-          <a:p>
-            <a:pPr lvl="2"/>
-            <a:r>
-              <a:rPr lang="en-US"/>
-              <a:t>Third level</a:t>
-            </a:r>
-          </a:p>
-          <a:p>
-            <a:pPr lvl="3"/>
-            <a:r>
-              <a:rPr lang="en-US"/>
-              <a:t>Fourth level</a:t>
-            </a:r>
-          </a:p>
-          <a:p>
-            <a:pPr lvl="4"/>
-            <a:r>
-              <a:rPr lang="en-US"/>
-              <a:t>Fifth level</a:t>
-            </a:r>
-          </a:p>
-        </p:txBody>
-      </p:sp>
-      <p:sp>
-        <p:nvSpPr>
-          <p:cNvPr id="4" name="Text Placeholder 3"/>
-          <p:cNvSpPr>
-            <a:spLocks noGrp="1"/>
-          </p:cNvSpPr>
-          <p:nvPr>
-            <p:ph type="body" sz="half" idx="2"/>
-          </p:nvPr>
-        </p:nvSpPr>
-        <p:spPr>
-          <a:xfrm>
-            <a:off x="457216" y="1435100"/>
-            <a:ext cx="3008313" cy="4691063"/>
-          </a:xfrm>
-        </p:spPr>
-        <p:txBody>
-          <a:bodyPr/>
-          <a:lstStyle>
-            <a:lvl1pPr marL="0" indent="0">
-              <a:buNone/>
-              <a:defRPr sz="1400"/>
-            </a:lvl1pPr>
-            <a:lvl2pPr marL="456723" indent="0">
-              <a:buNone/>
-              <a:defRPr sz="1200"/>
-            </a:lvl2pPr>
-            <a:lvl3pPr marL="913447" indent="0">
-              <a:buNone/>
-              <a:defRPr sz="1000"/>
-            </a:lvl3pPr>
-            <a:lvl4pPr marL="1370170" indent="0">
-              <a:buNone/>
-              <a:defRPr sz="900"/>
-            </a:lvl4pPr>
-            <a:lvl5pPr marL="1826902" indent="0">
-              <a:buNone/>
-              <a:defRPr sz="900"/>
-            </a:lvl5pPr>
-            <a:lvl6pPr marL="2283628" indent="0">
-              <a:buNone/>
-              <a:defRPr sz="900"/>
-            </a:lvl6pPr>
-            <a:lvl7pPr marL="2740340" indent="0">
-              <a:buNone/>
-              <a:defRPr sz="900"/>
-            </a:lvl7pPr>
-            <a:lvl8pPr marL="3197072" indent="0">
-              <a:buNone/>
-              <a:defRPr sz="900"/>
-            </a:lvl8pPr>
-            <a:lvl9pPr marL="3653798" indent="0">
-              <a:buNone/>
-              <a:defRPr sz="900"/>
-            </a:lvl9pPr>
-          </a:lstStyle>
-          <a:p>
-            <a:pPr lvl="0"/>
-            <a:r>
-              <a:rPr lang="en-US"/>
-              <a:t>Click to edit Master text styles</a:t>
-            </a:r>
-          </a:p>
-        </p:txBody>
-      </p:sp>
-      <p:sp>
-        <p:nvSpPr>
-          <p:cNvPr id="5" name="Rectangle 6"/>
-          <p:cNvSpPr>
-            <a:spLocks noGrp="1" noChangeArrowheads="1"/>
-          </p:cNvSpPr>
-          <p:nvPr>
-            <p:ph type="sldNum" sz="quarter" idx="10"/>
-          </p:nvPr>
-        </p:nvSpPr>
-        <p:spPr>
-          <a:ln/>
-        </p:spPr>
-        <p:txBody>
-          <a:bodyPr/>
-          <a:lstStyle>
-            <a:lvl1pPr>
-              <a:defRPr/>
-            </a:lvl1pPr>
-          </a:lstStyle>
-          <a:p>
-            <a:pPr>
-              <a:defRPr/>
-            </a:pPr>
-            <a:fld id="{376E65C0-318B-46E8-BBD5-53E0A92BF47A}" type="slidenum">
-              <a:rPr lang="en-US">
-                <a:solidFill>
-                  <a:srgbClr val="63666A"/>
-                </a:solidFill>
-              </a:rPr>
-              <a:pPr>
-                <a:defRPr/>
-              </a:pPr>
-              <a:t>‹#›</a:t>
-            </a:fld>
-            <a:endParaRPr lang="en-US">
-              <a:solidFill>
-                <a:srgbClr val="63666A"/>
-              </a:solidFill>
-            </a:endParaRPr>
-          </a:p>
-        </p:txBody>
-      </p:sp>
-    </p:spTree>
-    <p:extLst>
-      <p:ext uri="{BB962C8B-B14F-4D97-AF65-F5344CB8AC3E}">
-        <p14:creationId xmlns:p14="http://schemas.microsoft.com/office/powerpoint/2010/main" val="1181342602"/>
-      </p:ext>
-    </p:extLst>
-  </p:cSld>
-  <p:clrMapOvr>
-    <a:masterClrMapping/>
-  </p:clrMapOvr>
-  <p:transition>
-    <p:fade/>
-  </p:transition>
-</p:sldLayout>
-</file>
-
-<file path=ppt/slideLayouts/slideLayout13.xml><?xml version="1.0" encoding="utf-8"?>
-<p:sldLayout xmlns:a="http://schemas.openxmlformats.org/drawingml/2006/main" xmlns:r="http://schemas.openxmlformats.org/officeDocument/2006/relationships" xmlns:p="http://schemas.openxmlformats.org/presentationml/2006/main" type="picTx" preserve="1">
-  <p:cSld name="Picture with Caption">
-    <p:spTree>
-      <p:nvGrpSpPr>
-        <p:cNvPr id="1" name=""/>
-        <p:cNvGrpSpPr/>
-        <p:nvPr/>
-      </p:nvGrpSpPr>
-      <p:grpSpPr>
-        <a:xfrm>
-          <a:off x="0" y="0"/>
-          <a:ext cx="0" cy="0"/>
-          <a:chOff x="0" y="0"/>
-          <a:chExt cx="0" cy="0"/>
-        </a:xfrm>
-      </p:grpSpPr>
-      <p:sp>
-        <p:nvSpPr>
-          <p:cNvPr id="2" name="Title 1"/>
-          <p:cNvSpPr>
-            <a:spLocks noGrp="1"/>
-          </p:cNvSpPr>
-          <p:nvPr>
-            <p:ph type="title"/>
-          </p:nvPr>
-        </p:nvSpPr>
-        <p:spPr>
-          <a:xfrm>
-            <a:off x="1792288" y="4800600"/>
-            <a:ext cx="5486400" cy="566738"/>
-          </a:xfrm>
-        </p:spPr>
-        <p:txBody>
-          <a:bodyPr/>
-          <a:lstStyle>
-            <a:lvl1pPr algn="l">
-              <a:defRPr sz="2000" b="1"/>
-            </a:lvl1pPr>
-          </a:lstStyle>
-          <a:p>
-            <a:r>
-              <a:rPr lang="en-US"/>
-              <a:t>Click to edit Master title style</a:t>
-            </a:r>
-          </a:p>
-        </p:txBody>
-      </p:sp>
-      <p:sp>
-        <p:nvSpPr>
-          <p:cNvPr id="3" name="Picture Placeholder 2"/>
-          <p:cNvSpPr>
-            <a:spLocks noGrp="1"/>
-          </p:cNvSpPr>
-          <p:nvPr>
-            <p:ph type="pic" idx="1"/>
-          </p:nvPr>
-        </p:nvSpPr>
-        <p:spPr>
-          <a:xfrm>
-            <a:off x="1792288" y="612775"/>
-            <a:ext cx="5486400" cy="4114800"/>
-          </a:xfrm>
-        </p:spPr>
-        <p:txBody>
-          <a:bodyPr/>
-          <a:lstStyle>
-            <a:lvl1pPr marL="0" indent="0">
-              <a:buNone/>
-              <a:defRPr sz="3200"/>
-            </a:lvl1pPr>
-            <a:lvl2pPr marL="456723" indent="0">
-              <a:buNone/>
-              <a:defRPr sz="2800"/>
-            </a:lvl2pPr>
-            <a:lvl3pPr marL="913447" indent="0">
-              <a:buNone/>
-              <a:defRPr sz="2400"/>
-            </a:lvl3pPr>
-            <a:lvl4pPr marL="1370170" indent="0">
-              <a:buNone/>
-              <a:defRPr sz="2000"/>
-            </a:lvl4pPr>
-            <a:lvl5pPr marL="1826902" indent="0">
-              <a:buNone/>
-              <a:defRPr sz="2000"/>
-            </a:lvl5pPr>
-            <a:lvl6pPr marL="2283628" indent="0">
-              <a:buNone/>
-              <a:defRPr sz="2000"/>
-            </a:lvl6pPr>
-            <a:lvl7pPr marL="2740340" indent="0">
-              <a:buNone/>
-              <a:defRPr sz="2000"/>
-            </a:lvl7pPr>
-            <a:lvl8pPr marL="3197072" indent="0">
-              <a:buNone/>
-              <a:defRPr sz="2000"/>
-            </a:lvl8pPr>
-            <a:lvl9pPr marL="3653798" indent="0">
-              <a:buNone/>
-              <a:defRPr sz="2000"/>
-            </a:lvl9pPr>
-          </a:lstStyle>
-          <a:p>
-            <a:pPr lvl="0"/>
-            <a:endParaRPr lang="en-US" noProof="0" dirty="0"/>
-          </a:p>
-        </p:txBody>
-      </p:sp>
-      <p:sp>
-        <p:nvSpPr>
-          <p:cNvPr id="4" name="Text Placeholder 3"/>
-          <p:cNvSpPr>
-            <a:spLocks noGrp="1"/>
-          </p:cNvSpPr>
-          <p:nvPr>
-            <p:ph type="body" sz="half" idx="2"/>
-          </p:nvPr>
-        </p:nvSpPr>
-        <p:spPr>
-          <a:xfrm>
-            <a:off x="1792288" y="5367338"/>
-            <a:ext cx="5486400" cy="804862"/>
-          </a:xfrm>
-        </p:spPr>
-        <p:txBody>
-          <a:bodyPr/>
-          <a:lstStyle>
-            <a:lvl1pPr marL="0" indent="0">
-              <a:buNone/>
-              <a:defRPr sz="1400"/>
-            </a:lvl1pPr>
-            <a:lvl2pPr marL="456723" indent="0">
-              <a:buNone/>
-              <a:defRPr sz="1200"/>
-            </a:lvl2pPr>
-            <a:lvl3pPr marL="913447" indent="0">
-              <a:buNone/>
-              <a:defRPr sz="1000"/>
-            </a:lvl3pPr>
-            <a:lvl4pPr marL="1370170" indent="0">
-              <a:buNone/>
-              <a:defRPr sz="900"/>
-            </a:lvl4pPr>
-            <a:lvl5pPr marL="1826902" indent="0">
-              <a:buNone/>
-              <a:defRPr sz="900"/>
-            </a:lvl5pPr>
-            <a:lvl6pPr marL="2283628" indent="0">
-              <a:buNone/>
-              <a:defRPr sz="900"/>
-            </a:lvl6pPr>
-            <a:lvl7pPr marL="2740340" indent="0">
-              <a:buNone/>
-              <a:defRPr sz="900"/>
-            </a:lvl7pPr>
-            <a:lvl8pPr marL="3197072" indent="0">
-              <a:buNone/>
-              <a:defRPr sz="900"/>
-            </a:lvl8pPr>
-            <a:lvl9pPr marL="3653798" indent="0">
-              <a:buNone/>
-              <a:defRPr sz="900"/>
-            </a:lvl9pPr>
-          </a:lstStyle>
-          <a:p>
-            <a:pPr lvl="0"/>
-            <a:r>
-              <a:rPr lang="en-US"/>
-              <a:t>Click to edit Master text styles</a:t>
-            </a:r>
-          </a:p>
-        </p:txBody>
-      </p:sp>
-      <p:sp>
-        <p:nvSpPr>
-          <p:cNvPr id="5" name="Rectangle 6"/>
-          <p:cNvSpPr>
-            <a:spLocks noGrp="1" noChangeArrowheads="1"/>
-          </p:cNvSpPr>
-          <p:nvPr>
-            <p:ph type="sldNum" sz="quarter" idx="10"/>
-          </p:nvPr>
-        </p:nvSpPr>
-        <p:spPr>
-          <a:ln/>
-        </p:spPr>
-        <p:txBody>
-          <a:bodyPr/>
-          <a:lstStyle>
-            <a:lvl1pPr>
-              <a:defRPr/>
-            </a:lvl1pPr>
-          </a:lstStyle>
-          <a:p>
-            <a:pPr>
-              <a:defRPr/>
-            </a:pPr>
-            <a:fld id="{8DBA5F4B-9492-40AC-9DE3-FA418603E234}" type="slidenum">
-              <a:rPr lang="en-US">
-                <a:solidFill>
-                  <a:srgbClr val="63666A"/>
-                </a:solidFill>
-              </a:rPr>
-              <a:pPr>
-                <a:defRPr/>
-              </a:pPr>
-              <a:t>‹#›</a:t>
-            </a:fld>
-            <a:endParaRPr lang="en-US">
-              <a:solidFill>
-                <a:srgbClr val="63666A"/>
-              </a:solidFill>
-            </a:endParaRPr>
-          </a:p>
-        </p:txBody>
-      </p:sp>
-    </p:spTree>
-    <p:extLst>
-      <p:ext uri="{BB962C8B-B14F-4D97-AF65-F5344CB8AC3E}">
-        <p14:creationId xmlns:p14="http://schemas.microsoft.com/office/powerpoint/2010/main" val="2552344051"/>
-      </p:ext>
-    </p:extLst>
-  </p:cSld>
-  <p:clrMapOvr>
-    <a:masterClrMapping/>
-  </p:clrMapOvr>
-  <p:transition>
-    <p:fade/>
-  </p:transition>
-</p:sldLayout>
-</file>
-
-<file path=ppt/slideLayouts/slideLayout14.xml><?xml version="1.0" encoding="utf-8"?>
+<file path=ppt/slideLayouts/slideLayout10.xml><?xml version="1.0" encoding="utf-8"?>
 <p:sldLayout xmlns:a="http://schemas.openxmlformats.org/drawingml/2006/main" xmlns:r="http://schemas.openxmlformats.org/officeDocument/2006/relationships" xmlns:p="http://schemas.openxmlformats.org/presentationml/2006/main" type="vertTx" preserve="1">
   <p:cSld name="Title and Vertical Text">
     <p:spTree>
@@ -1869,7 +1582,7 @@
 </p:sldLayout>
 </file>
 
-<file path=ppt/slideLayouts/slideLayout15.xml><?xml version="1.0" encoding="utf-8"?>
+<file path=ppt/slideLayouts/slideLayout11.xml><?xml version="1.0" encoding="utf-8"?>
 <p:sldLayout xmlns:a="http://schemas.openxmlformats.org/drawingml/2006/main" xmlns:r="http://schemas.openxmlformats.org/officeDocument/2006/relationships" xmlns:p="http://schemas.openxmlformats.org/presentationml/2006/main" type="vertTitleAndTx" preserve="1">
   <p:cSld name="Vertical Title and Text">
     <p:spTree>
@@ -2028,7 +1741,7 @@
 </p:sldLayout>
 </file>
 
-<file path=ppt/slideLayouts/slideLayout16.xml><?xml version="1.0" encoding="utf-8"?>
+<file path=ppt/slideLayouts/slideLayout12.xml><?xml version="1.0" encoding="utf-8"?>
 <p:sldLayout xmlns:a="http://schemas.openxmlformats.org/drawingml/2006/main" xmlns:r="http://schemas.openxmlformats.org/officeDocument/2006/relationships" xmlns:p="http://schemas.openxmlformats.org/presentationml/2006/main" showMasterSp="0" type="title" preserve="1">
   <p:cSld name="Title - Blank">
     <p:spTree>
@@ -2325,7 +2038,7 @@
 </p:sldLayout>
 </file>
 
-<file path=ppt/slideLayouts/slideLayout17.xml><?xml version="1.0" encoding="utf-8"?>
+<file path=ppt/slideLayouts/slideLayout13.xml><?xml version="1.0" encoding="utf-8"?>
 <p:sldLayout xmlns:a="http://schemas.openxmlformats.org/drawingml/2006/main" xmlns:r="http://schemas.openxmlformats.org/officeDocument/2006/relationships" xmlns:p="http://schemas.openxmlformats.org/presentationml/2006/main" showMasterSp="0" type="title" preserve="1">
   <p:cSld name="1_Title - Blank">
     <p:spTree>
@@ -2631,7 +2344,7 @@
 </p:sldLayout>
 </file>
 
-<file path=ppt/slideLayouts/slideLayout18.xml><?xml version="1.0" encoding="utf-8"?>
+<file path=ppt/slideLayouts/slideLayout14.xml><?xml version="1.0" encoding="utf-8"?>
 <p:sldLayout xmlns:a="http://schemas.openxmlformats.org/drawingml/2006/main" xmlns:r="http://schemas.openxmlformats.org/officeDocument/2006/relationships" xmlns:p="http://schemas.openxmlformats.org/presentationml/2006/main" preserve="1" userDrawn="1">
   <p:cSld name="Title and Content">
     <p:spTree>
@@ -2805,7 +2518,7 @@
 </p:sldLayout>
 </file>
 
-<file path=ppt/slideLayouts/slideLayout19.xml><?xml version="1.0" encoding="utf-8"?>
+<file path=ppt/slideLayouts/slideLayout15.xml><?xml version="1.0" encoding="utf-8"?>
 <p:sldLayout xmlns:a="http://schemas.openxmlformats.org/drawingml/2006/main" xmlns:r="http://schemas.openxmlformats.org/officeDocument/2006/relationships" xmlns:p="http://schemas.openxmlformats.org/presentationml/2006/main" preserve="1" userDrawn="1">
   <p:cSld name="Title Only">
     <p:spTree>
@@ -2896,70 +2609,7 @@
 </p:sldLayout>
 </file>
 
-<file path=ppt/slideLayouts/slideLayout2.xml><?xml version="1.0" encoding="utf-8"?>
-<p:sldLayout xmlns:a="http://schemas.openxmlformats.org/drawingml/2006/main" xmlns:r="http://schemas.openxmlformats.org/officeDocument/2006/relationships" xmlns:p="http://schemas.openxmlformats.org/presentationml/2006/main" userDrawn="1">
-  <p:cSld name="Title Only">
-    <p:spTree>
-      <p:nvGrpSpPr>
-        <p:cNvPr id="1" name=""/>
-        <p:cNvGrpSpPr/>
-        <p:nvPr/>
-      </p:nvGrpSpPr>
-      <p:grpSpPr>
-        <a:xfrm>
-          <a:off x="0" y="0"/>
-          <a:ext cx="0" cy="0"/>
-          <a:chOff x="0" y="0"/>
-          <a:chExt cx="0" cy="0"/>
-        </a:xfrm>
-      </p:grpSpPr>
-      <p:sp>
-        <p:nvSpPr>
-          <p:cNvPr id="2" name="Title 1"/>
-          <p:cNvSpPr>
-            <a:spLocks noGrp="1"/>
-          </p:cNvSpPr>
-          <p:nvPr>
-            <p:ph type="title"/>
-          </p:nvPr>
-        </p:nvSpPr>
-        <p:spPr>
-          <a:xfrm>
-            <a:off x="457200" y="152400"/>
-            <a:ext cx="8229600" cy="611188"/>
-          </a:xfrm>
-          <a:prstGeom prst="rect">
-            <a:avLst/>
-          </a:prstGeom>
-        </p:spPr>
-        <p:txBody>
-          <a:bodyPr/>
-          <a:lstStyle/>
-          <a:p>
-            <a:r>
-              <a:rPr lang="en-US"/>
-              <a:t>Click to edit Master title style</a:t>
-            </a:r>
-          </a:p>
-        </p:txBody>
-      </p:sp>
-    </p:spTree>
-    <p:extLst>
-      <p:ext uri="{BB962C8B-B14F-4D97-AF65-F5344CB8AC3E}">
-        <p14:creationId xmlns:p14="http://schemas.microsoft.com/office/powerpoint/2010/main" val="4098693915"/>
-      </p:ext>
-    </p:extLst>
-  </p:cSld>
-  <p:clrMapOvr>
-    <a:masterClrMapping/>
-  </p:clrMapOvr>
-  <p:transition>
-    <p:fade/>
-  </p:transition>
-</p:sldLayout>
-</file>
-
-<file path=ppt/slideLayouts/slideLayout20.xml><?xml version="1.0" encoding="utf-8"?>
+<file path=ppt/slideLayouts/slideLayout16.xml><?xml version="1.0" encoding="utf-8"?>
 <p:sldLayout xmlns:a="http://schemas.openxmlformats.org/drawingml/2006/main" xmlns:r="http://schemas.openxmlformats.org/officeDocument/2006/relationships" xmlns:p="http://schemas.openxmlformats.org/presentationml/2006/main" showMasterSp="0" preserve="1" userDrawn="1">
   <p:cSld name="2_Divider Slide | orange sub">
     <p:spTree>
@@ -3265,7 +2915,7 @@
 </p:sldLayout>
 </file>
 
-<file path=ppt/slideLayouts/slideLayout21.xml><?xml version="1.0" encoding="utf-8"?>
+<file path=ppt/slideLayouts/slideLayout17.xml><?xml version="1.0" encoding="utf-8"?>
 <p:sldLayout xmlns:a="http://schemas.openxmlformats.org/drawingml/2006/main" xmlns:r="http://schemas.openxmlformats.org/officeDocument/2006/relationships" xmlns:p="http://schemas.openxmlformats.org/presentationml/2006/main" showMasterSp="0" preserve="1" userDrawn="1">
   <p:cSld name="1_Divider Slide | orange sub">
     <p:spTree>
@@ -3571,7 +3221,7 @@
 </p:sldLayout>
 </file>
 
-<file path=ppt/slideLayouts/slideLayout22.xml><?xml version="1.0" encoding="utf-8"?>
+<file path=ppt/slideLayouts/slideLayout18.xml><?xml version="1.0" encoding="utf-8"?>
 <p:sldLayout xmlns:a="http://schemas.openxmlformats.org/drawingml/2006/main" xmlns:r="http://schemas.openxmlformats.org/officeDocument/2006/relationships" xmlns:p="http://schemas.openxmlformats.org/presentationml/2006/main" showMasterSp="0" preserve="1" userDrawn="1">
   <p:cSld name="Divider Slide | photo">
     <p:spTree>
@@ -3877,7 +3527,7 @@
 </p:sldLayout>
 </file>
 
-<file path=ppt/slideLayouts/slideLayout23.xml><?xml version="1.0" encoding="utf-8"?>
+<file path=ppt/slideLayouts/slideLayout19.xml><?xml version="1.0" encoding="utf-8"?>
 <p:sldLayout xmlns:a="http://schemas.openxmlformats.org/drawingml/2006/main" xmlns:r="http://schemas.openxmlformats.org/officeDocument/2006/relationships" xmlns:p="http://schemas.openxmlformats.org/presentationml/2006/main" showMasterSp="0" preserve="1" userDrawn="1">
   <p:cSld name="Divider Slide 2">
     <p:spTree>
@@ -4010,7 +3660,156 @@
 </p:sldLayout>
 </file>
 
-<file path=ppt/slideLayouts/slideLayout24.xml><?xml version="1.0" encoding="utf-8"?>
+<file path=ppt/slideLayouts/slideLayout2.xml><?xml version="1.0" encoding="utf-8"?>
+<p:sldLayout xmlns:a="http://schemas.openxmlformats.org/drawingml/2006/main" xmlns:r="http://schemas.openxmlformats.org/officeDocument/2006/relationships" xmlns:p="http://schemas.openxmlformats.org/presentationml/2006/main" type="obj" preserve="1">
+  <p:cSld name="Title and Content">
+    <p:spTree>
+      <p:nvGrpSpPr>
+        <p:cNvPr id="1" name=""/>
+        <p:cNvGrpSpPr/>
+        <p:nvPr/>
+      </p:nvGrpSpPr>
+      <p:grpSpPr>
+        <a:xfrm>
+          <a:off x="0" y="0"/>
+          <a:ext cx="0" cy="0"/>
+          <a:chOff x="0" y="0"/>
+          <a:chExt cx="0" cy="0"/>
+        </a:xfrm>
+      </p:grpSpPr>
+      <p:sp>
+        <p:nvSpPr>
+          <p:cNvPr id="2" name="Title 1"/>
+          <p:cNvSpPr>
+            <a:spLocks noGrp="1"/>
+          </p:cNvSpPr>
+          <p:nvPr>
+            <p:ph type="title"/>
+          </p:nvPr>
+        </p:nvSpPr>
+        <p:spPr/>
+        <p:txBody>
+          <a:bodyPr/>
+          <a:lstStyle/>
+          <a:p>
+            <a:r>
+              <a:rPr lang="en-US"/>
+              <a:t>Click to edit Master title style</a:t>
+            </a:r>
+          </a:p>
+        </p:txBody>
+      </p:sp>
+      <p:sp>
+        <p:nvSpPr>
+          <p:cNvPr id="3" name="Content Placeholder 2"/>
+          <p:cNvSpPr>
+            <a:spLocks noGrp="1"/>
+          </p:cNvSpPr>
+          <p:nvPr>
+            <p:ph idx="1"/>
+          </p:nvPr>
+        </p:nvSpPr>
+        <p:spPr/>
+        <p:txBody>
+          <a:bodyPr/>
+          <a:lstStyle/>
+          <a:p>
+            <a:pPr lvl="0"/>
+            <a:r>
+              <a:rPr lang="en-US"/>
+              <a:t>Click to edit Master text styles</a:t>
+            </a:r>
+          </a:p>
+          <a:p>
+            <a:pPr lvl="1"/>
+            <a:r>
+              <a:rPr lang="en-US"/>
+              <a:t>Second level</a:t>
+            </a:r>
+          </a:p>
+          <a:p>
+            <a:pPr lvl="2"/>
+            <a:r>
+              <a:rPr lang="en-US"/>
+              <a:t>Third level</a:t>
+            </a:r>
+          </a:p>
+          <a:p>
+            <a:pPr lvl="3"/>
+            <a:r>
+              <a:rPr lang="en-US"/>
+              <a:t>Fourth level</a:t>
+            </a:r>
+          </a:p>
+          <a:p>
+            <a:pPr lvl="4"/>
+            <a:r>
+              <a:rPr lang="en-US"/>
+              <a:t>Fifth level</a:t>
+            </a:r>
+          </a:p>
+        </p:txBody>
+      </p:sp>
+      <p:sp>
+        <p:nvSpPr>
+          <p:cNvPr id="4" name="Rectangle 6"/>
+          <p:cNvSpPr>
+            <a:spLocks noGrp="1" noChangeArrowheads="1"/>
+          </p:cNvSpPr>
+          <p:nvPr>
+            <p:ph type="sldNum" sz="quarter" idx="10"/>
+          </p:nvPr>
+        </p:nvSpPr>
+        <p:spPr>
+          <a:ln/>
+        </p:spPr>
+        <p:txBody>
+          <a:bodyPr/>
+          <a:lstStyle>
+            <a:lvl1pPr>
+              <a:defRPr/>
+            </a:lvl1pPr>
+          </a:lstStyle>
+          <a:p>
+            <a:pPr>
+              <a:defRPr/>
+            </a:pPr>
+            <a:fld id="{1989C0BC-D967-44EB-B198-530CF7EDCC05}" type="slidenum">
+              <a:rPr lang="en-US">
+                <a:solidFill>
+                  <a:srgbClr val="63666A"/>
+                </a:solidFill>
+              </a:rPr>
+              <a:pPr>
+                <a:defRPr/>
+              </a:pPr>
+              <a:t>‹#›</a:t>
+            </a:fld>
+            <a:endParaRPr lang="en-US">
+              <a:solidFill>
+                <a:srgbClr val="63666A"/>
+              </a:solidFill>
+            </a:endParaRPr>
+          </a:p>
+        </p:txBody>
+      </p:sp>
+    </p:spTree>
+    <p:extLst>
+      <p:ext uri="{BB962C8B-B14F-4D97-AF65-F5344CB8AC3E}">
+        <p14:creationId xmlns:p14="http://schemas.microsoft.com/office/powerpoint/2010/main" val="1993980755"/>
+      </p:ext>
+    </p:extLst>
+  </p:cSld>
+  <p:clrMapOvr>
+    <a:masterClrMapping/>
+  </p:clrMapOvr>
+  <p:transition>
+    <p:fade/>
+  </p:transition>
+</p:sldLayout>
+</file>
+
+<file path=ppt/slideLayouts/slideLayout20.xml><?xml version="1.0" encoding="utf-8"?>
 <p:sldLayout xmlns:a="http://schemas.openxmlformats.org/drawingml/2006/main" xmlns:r="http://schemas.openxmlformats.org/officeDocument/2006/relationships" xmlns:p="http://schemas.openxmlformats.org/presentationml/2006/main" showMasterSp="0" preserve="1" userDrawn="1">
   <p:cSld name="Blank">
     <p:spTree>
@@ -4282,772 +4081,6 @@
 </file>
 
 <file path=ppt/slideLayouts/slideLayout3.xml><?xml version="1.0" encoding="utf-8"?>
-<p:sldLayout xmlns:a="http://schemas.openxmlformats.org/drawingml/2006/main" xmlns:r="http://schemas.openxmlformats.org/officeDocument/2006/relationships" xmlns:p="http://schemas.openxmlformats.org/presentationml/2006/main" userDrawn="1">
-  <p:cSld name="1_Title Bar">
-    <p:spTree>
-      <p:nvGrpSpPr>
-        <p:cNvPr id="1" name=""/>
-        <p:cNvGrpSpPr/>
-        <p:nvPr/>
-      </p:nvGrpSpPr>
-      <p:grpSpPr>
-        <a:xfrm>
-          <a:off x="0" y="0"/>
-          <a:ext cx="0" cy="0"/>
-          <a:chOff x="0" y="0"/>
-          <a:chExt cx="0" cy="0"/>
-        </a:xfrm>
-      </p:grpSpPr>
-      <p:sp>
-        <p:nvSpPr>
-          <p:cNvPr id="5" name="Content Placeholder 2"/>
-          <p:cNvSpPr>
-            <a:spLocks noGrp="1"/>
-          </p:cNvSpPr>
-          <p:nvPr>
-            <p:ph idx="1"/>
-          </p:nvPr>
-        </p:nvSpPr>
-        <p:spPr>
-          <a:xfrm>
-            <a:off x="628650" y="1308100"/>
-            <a:ext cx="7874000" cy="4229100"/>
-          </a:xfrm>
-          <a:prstGeom prst="rect">
-            <a:avLst/>
-          </a:prstGeom>
-        </p:spPr>
-        <p:txBody>
-          <a:bodyPr/>
-          <a:lstStyle/>
-          <a:p>
-            <a:pPr lvl="0"/>
-            <a:r>
-              <a:rPr lang="en-US" dirty="0"/>
-              <a:t>Click to edit Master text styles</a:t>
-            </a:r>
-          </a:p>
-          <a:p>
-            <a:pPr lvl="1"/>
-            <a:r>
-              <a:rPr lang="en-US" dirty="0"/>
-              <a:t>Second level</a:t>
-            </a:r>
-          </a:p>
-          <a:p>
-            <a:pPr lvl="2"/>
-            <a:r>
-              <a:rPr lang="en-US" dirty="0"/>
-              <a:t>Third level</a:t>
-            </a:r>
-          </a:p>
-          <a:p>
-            <a:pPr lvl="3"/>
-            <a:r>
-              <a:rPr lang="en-US" dirty="0"/>
-              <a:t>Fourth level</a:t>
-            </a:r>
-          </a:p>
-        </p:txBody>
-      </p:sp>
-      <p:sp>
-        <p:nvSpPr>
-          <p:cNvPr id="7" name="Text Placeholder 12"/>
-          <p:cNvSpPr>
-            <a:spLocks noGrp="1"/>
-          </p:cNvSpPr>
-          <p:nvPr>
-            <p:ph type="body" sz="quarter" idx="12"/>
-          </p:nvPr>
-        </p:nvSpPr>
-        <p:spPr>
-          <a:xfrm>
-            <a:off x="1752600" y="76200"/>
-            <a:ext cx="6096000" cy="685800"/>
-          </a:xfrm>
-          <a:prstGeom prst="rect">
-            <a:avLst/>
-          </a:prstGeom>
-        </p:spPr>
-        <p:txBody>
-          <a:bodyPr anchor="ctr"/>
-          <a:lstStyle>
-            <a:lvl1pPr marL="39688" indent="0">
-              <a:lnSpc>
-                <a:spcPts val="2400"/>
-              </a:lnSpc>
-              <a:buNone/>
-              <a:defRPr sz="2400" b="1">
-                <a:solidFill>
-                  <a:schemeClr val="bg1"/>
-                </a:solidFill>
-              </a:defRPr>
-            </a:lvl1pPr>
-          </a:lstStyle>
-          <a:p>
-            <a:pPr lvl="0"/>
-            <a:r>
-              <a:rPr lang="en-US"/>
-              <a:t>Click to edit Master text styles</a:t>
-            </a:r>
-          </a:p>
-        </p:txBody>
-      </p:sp>
-      <p:sp>
-        <p:nvSpPr>
-          <p:cNvPr id="4" name="Text Box 7"/>
-          <p:cNvSpPr txBox="1">
-            <a:spLocks noGrp="1" noChangeArrowheads="1"/>
-          </p:cNvSpPr>
-          <p:nvPr>
-            <p:ph type="sldNum" sz="quarter" idx="13"/>
-          </p:nvPr>
-        </p:nvSpPr>
-        <p:spPr>
-          <a:xfrm>
-            <a:off x="8782050" y="6600825"/>
-            <a:ext cx="244475" cy="241300"/>
-          </a:xfrm>
-          <a:prstGeom prst="rect">
-            <a:avLst/>
-          </a:prstGeom>
-        </p:spPr>
-        <p:txBody>
-          <a:bodyPr/>
-          <a:lstStyle>
-            <a:lvl1pPr>
-              <a:defRPr/>
-            </a:lvl1pPr>
-          </a:lstStyle>
-          <a:p>
-            <a:pPr>
-              <a:defRPr/>
-            </a:pPr>
-            <a:fld id="{63895AD3-F636-41C9-AEDF-80747BC7A9E2}" type="slidenum">
-              <a:rPr lang="en-US"/>
-              <a:pPr>
-                <a:defRPr/>
-              </a:pPr>
-              <a:t>‹#›</a:t>
-            </a:fld>
-            <a:endParaRPr lang="en-US"/>
-          </a:p>
-        </p:txBody>
-      </p:sp>
-    </p:spTree>
-    <p:extLst>
-      <p:ext uri="{BB962C8B-B14F-4D97-AF65-F5344CB8AC3E}">
-        <p14:creationId xmlns:p14="http://schemas.microsoft.com/office/powerpoint/2010/main" val="1536588746"/>
-      </p:ext>
-    </p:extLst>
-  </p:cSld>
-  <p:clrMapOvr>
-    <a:masterClrMapping/>
-  </p:clrMapOvr>
-  <p:transition/>
-</p:sldLayout>
-</file>
-
-<file path=ppt/slideLayouts/slideLayout4.xml><?xml version="1.0" encoding="utf-8"?>
-<p:sldLayout xmlns:a="http://schemas.openxmlformats.org/drawingml/2006/main" xmlns:r="http://schemas.openxmlformats.org/officeDocument/2006/relationships" xmlns:p="http://schemas.openxmlformats.org/presentationml/2006/main" type="obj">
-  <p:cSld name="Title and Content">
-    <p:spTree>
-      <p:nvGrpSpPr>
-        <p:cNvPr id="1" name=""/>
-        <p:cNvGrpSpPr/>
-        <p:nvPr/>
-      </p:nvGrpSpPr>
-      <p:grpSpPr>
-        <a:xfrm>
-          <a:off x="0" y="0"/>
-          <a:ext cx="0" cy="0"/>
-          <a:chOff x="0" y="0"/>
-          <a:chExt cx="0" cy="0"/>
-        </a:xfrm>
-      </p:grpSpPr>
-      <p:sp>
-        <p:nvSpPr>
-          <p:cNvPr id="2" name="Title 1"/>
-          <p:cNvSpPr>
-            <a:spLocks noGrp="1"/>
-          </p:cNvSpPr>
-          <p:nvPr>
-            <p:ph type="title"/>
-          </p:nvPr>
-        </p:nvSpPr>
-        <p:spPr>
-          <a:xfrm>
-            <a:off x="457200" y="152400"/>
-            <a:ext cx="8229600" cy="611188"/>
-          </a:xfrm>
-          <a:prstGeom prst="rect">
-            <a:avLst/>
-          </a:prstGeom>
-        </p:spPr>
-        <p:txBody>
-          <a:bodyPr/>
-          <a:lstStyle/>
-          <a:p>
-            <a:r>
-              <a:rPr lang="en-US"/>
-              <a:t>Click to edit Master title style</a:t>
-            </a:r>
-            <a:endParaRPr lang="en-US" dirty="0"/>
-          </a:p>
-        </p:txBody>
-      </p:sp>
-      <p:sp>
-        <p:nvSpPr>
-          <p:cNvPr id="3" name="Content Placeholder 2"/>
-          <p:cNvSpPr>
-            <a:spLocks noGrp="1"/>
-          </p:cNvSpPr>
-          <p:nvPr>
-            <p:ph idx="1"/>
-          </p:nvPr>
-        </p:nvSpPr>
-        <p:spPr>
-          <a:xfrm>
-            <a:off x="457200" y="960438"/>
-            <a:ext cx="8229600" cy="5120640"/>
-          </a:xfrm>
-          <a:prstGeom prst="rect">
-            <a:avLst/>
-          </a:prstGeom>
-        </p:spPr>
-        <p:txBody>
-          <a:bodyPr/>
-          <a:lstStyle/>
-          <a:p>
-            <a:pPr lvl="0"/>
-            <a:r>
-              <a:rPr lang="en-US"/>
-              <a:t>Click to edit Master text styles</a:t>
-            </a:r>
-          </a:p>
-          <a:p>
-            <a:pPr lvl="1"/>
-            <a:r>
-              <a:rPr lang="en-US"/>
-              <a:t>Second level</a:t>
-            </a:r>
-          </a:p>
-          <a:p>
-            <a:pPr lvl="2"/>
-            <a:r>
-              <a:rPr lang="en-US"/>
-              <a:t>Third level</a:t>
-            </a:r>
-          </a:p>
-          <a:p>
-            <a:pPr lvl="3"/>
-            <a:r>
-              <a:rPr lang="en-US"/>
-              <a:t>Fourth level</a:t>
-            </a:r>
-          </a:p>
-          <a:p>
-            <a:pPr lvl="4"/>
-            <a:r>
-              <a:rPr lang="en-US"/>
-              <a:t>Fifth level</a:t>
-            </a:r>
-            <a:endParaRPr lang="en-US" dirty="0"/>
-          </a:p>
-        </p:txBody>
-      </p:sp>
-    </p:spTree>
-    <p:extLst>
-      <p:ext uri="{BB962C8B-B14F-4D97-AF65-F5344CB8AC3E}">
-        <p14:creationId xmlns:p14="http://schemas.microsoft.com/office/powerpoint/2010/main" val="2402869999"/>
-      </p:ext>
-    </p:extLst>
-  </p:cSld>
-  <p:clrMapOvr>
-    <a:masterClrMapping/>
-  </p:clrMapOvr>
-  <p:transition>
-    <p:fade/>
-  </p:transition>
-</p:sldLayout>
-</file>
-
-<file path=ppt/slideLayouts/slideLayout5.xml><?xml version="1.0" encoding="utf-8"?>
-<p:sldLayout xmlns:a="http://schemas.openxmlformats.org/drawingml/2006/main" xmlns:r="http://schemas.openxmlformats.org/officeDocument/2006/relationships" xmlns:p="http://schemas.openxmlformats.org/presentationml/2006/main" showMasterSp="0" type="title" preserve="1">
-  <p:cSld name="Title Slide">
-    <p:spTree>
-      <p:nvGrpSpPr>
-        <p:cNvPr id="1" name=""/>
-        <p:cNvGrpSpPr/>
-        <p:nvPr/>
-      </p:nvGrpSpPr>
-      <p:grpSpPr>
-        <a:xfrm>
-          <a:off x="0" y="0"/>
-          <a:ext cx="0" cy="0"/>
-          <a:chOff x="0" y="0"/>
-          <a:chExt cx="0" cy="0"/>
-        </a:xfrm>
-      </p:grpSpPr>
-      <p:pic>
-        <p:nvPicPr>
-          <p:cNvPr id="4" name="Picture 13" descr="Optum_RGB_PPT"/>
-          <p:cNvPicPr>
-            <a:picLocks noChangeAspect="1" noChangeArrowheads="1"/>
-          </p:cNvPicPr>
-          <p:nvPr userDrawn="1"/>
-        </p:nvPicPr>
-        <p:blipFill>
-          <a:blip r:embed="rId2" cstate="print">
-            <a:extLst>
-              <a:ext uri="{28A0092B-C50C-407E-A947-70E740481C1C}">
-                <a14:useLocalDpi xmlns:a14="http://schemas.microsoft.com/office/drawing/2010/main" val="0"/>
-              </a:ext>
-            </a:extLst>
-          </a:blip>
-          <a:srcRect/>
-          <a:stretch>
-            <a:fillRect/>
-          </a:stretch>
-        </p:blipFill>
-        <p:spPr bwMode="auto">
-          <a:xfrm>
-            <a:off x="381002" y="228600"/>
-            <a:ext cx="2157413" cy="679450"/>
-          </a:xfrm>
-          <a:prstGeom prst="rect">
-            <a:avLst/>
-          </a:prstGeom>
-          <a:noFill/>
-          <a:ln>
-            <a:noFill/>
-          </a:ln>
-          <a:extLst>
-            <a:ext uri="{909E8E84-426E-40DD-AFC4-6F175D3DCCD1}">
-              <a14:hiddenFill xmlns:a14="http://schemas.microsoft.com/office/drawing/2010/main">
-                <a:solidFill>
-                  <a:srgbClr val="FFFFFF"/>
-                </a:solidFill>
-              </a14:hiddenFill>
-            </a:ext>
-            <a:ext uri="{91240B29-F687-4F45-9708-019B960494DF}">
-              <a14:hiddenLine xmlns:a14="http://schemas.microsoft.com/office/drawing/2010/main" w="9525">
-                <a:solidFill>
-                  <a:srgbClr val="000000"/>
-                </a:solidFill>
-                <a:miter lim="800000"/>
-                <a:headEnd/>
-                <a:tailEnd/>
-              </a14:hiddenLine>
-            </a:ext>
-          </a:extLst>
-        </p:spPr>
-      </p:pic>
-      <p:pic>
-        <p:nvPicPr>
-          <p:cNvPr id="5" name="Picture 11" descr="Optum_ColorBand-02"/>
-          <p:cNvPicPr preferRelativeResize="0">
-            <a:picLocks noChangeArrowheads="1"/>
-          </p:cNvPicPr>
-          <p:nvPr userDrawn="1"/>
-        </p:nvPicPr>
-        <p:blipFill>
-          <a:blip r:embed="rId3" cstate="print">
-            <a:extLst>
-              <a:ext uri="{28A0092B-C50C-407E-A947-70E740481C1C}">
-                <a14:useLocalDpi xmlns:a14="http://schemas.microsoft.com/office/drawing/2010/main" val="0"/>
-              </a:ext>
-            </a:extLst>
-          </a:blip>
-          <a:srcRect/>
-          <a:stretch>
-            <a:fillRect/>
-          </a:stretch>
-        </p:blipFill>
-        <p:spPr bwMode="auto">
-          <a:xfrm>
-            <a:off x="0" y="5008564"/>
-            <a:ext cx="9144000" cy="109537"/>
-          </a:xfrm>
-          <a:prstGeom prst="rect">
-            <a:avLst/>
-          </a:prstGeom>
-          <a:noFill/>
-          <a:ln>
-            <a:noFill/>
-          </a:ln>
-          <a:extLst>
-            <a:ext uri="{909E8E84-426E-40DD-AFC4-6F175D3DCCD1}">
-              <a14:hiddenFill xmlns:a14="http://schemas.microsoft.com/office/drawing/2010/main">
-                <a:solidFill>
-                  <a:srgbClr val="FFFFFF"/>
-                </a:solidFill>
-              </a14:hiddenFill>
-            </a:ext>
-            <a:ext uri="{91240B29-F687-4F45-9708-019B960494DF}">
-              <a14:hiddenLine xmlns:a14="http://schemas.microsoft.com/office/drawing/2010/main" w="9525">
-                <a:solidFill>
-                  <a:srgbClr val="000000"/>
-                </a:solidFill>
-                <a:miter lim="800000"/>
-                <a:headEnd/>
-                <a:tailEnd/>
-              </a14:hiddenLine>
-            </a:ext>
-          </a:extLst>
-        </p:spPr>
-      </p:pic>
-      <p:sp>
-        <p:nvSpPr>
-          <p:cNvPr id="6" name="Rectangle 15"/>
-          <p:cNvSpPr>
-            <a:spLocks noChangeArrowheads="1"/>
-          </p:cNvSpPr>
-          <p:nvPr userDrawn="1"/>
-        </p:nvSpPr>
-        <p:spPr bwMode="auto">
-          <a:xfrm>
-            <a:off x="2362202" y="6307138"/>
-            <a:ext cx="2741613" cy="144462"/>
-          </a:xfrm>
-          <a:prstGeom prst="rect">
-            <a:avLst/>
-          </a:prstGeom>
-          <a:noFill/>
-          <a:ln>
-            <a:noFill/>
-          </a:ln>
-          <a:extLst>
-            <a:ext uri="{909E8E84-426E-40DD-AFC4-6F175D3DCCD1}">
-              <a14:hiddenFill xmlns:a14="http://schemas.microsoft.com/office/drawing/2010/main">
-                <a:solidFill>
-                  <a:srgbClr val="FFFFFF"/>
-                </a:solidFill>
-              </a14:hiddenFill>
-            </a:ext>
-            <a:ext uri="{91240B29-F687-4F45-9708-019B960494DF}">
-              <a14:hiddenLine xmlns:a14="http://schemas.microsoft.com/office/drawing/2010/main" w="9525">
-                <a:solidFill>
-                  <a:srgbClr val="000000"/>
-                </a:solidFill>
-                <a:miter lim="800000"/>
-                <a:headEnd/>
-                <a:tailEnd/>
-              </a14:hiddenLine>
-            </a:ext>
-          </a:extLst>
-        </p:spPr>
-        <p:txBody>
-          <a:bodyPr wrap="none" lIns="0" tIns="0" rIns="0" bIns="0"/>
-          <a:lstStyle/>
-          <a:p>
-            <a:pPr fontAlgn="base">
-              <a:lnSpc>
-                <a:spcPct val="95000"/>
-              </a:lnSpc>
-              <a:spcBef>
-                <a:spcPct val="0"/>
-              </a:spcBef>
-              <a:spcAft>
-                <a:spcPct val="0"/>
-              </a:spcAft>
-              <a:buClr>
-                <a:srgbClr val="D45D00"/>
-              </a:buClr>
-            </a:pPr>
-            <a:endParaRPr lang="en-US" sz="1000">
-              <a:solidFill>
-                <a:srgbClr val="63666A"/>
-              </a:solidFill>
-            </a:endParaRPr>
-          </a:p>
-        </p:txBody>
-      </p:sp>
-      <p:pic>
-        <p:nvPicPr>
-          <p:cNvPr id="7" name="Picture 12"/>
-          <p:cNvPicPr>
-            <a:picLocks noChangeAspect="1"/>
-          </p:cNvPicPr>
-          <p:nvPr userDrawn="1"/>
-        </p:nvPicPr>
-        <p:blipFill>
-          <a:blip r:embed="rId4">
-            <a:extLst>
-              <a:ext uri="{28A0092B-C50C-407E-A947-70E740481C1C}">
-                <a14:useLocalDpi xmlns:a14="http://schemas.microsoft.com/office/drawing/2010/main" val="0"/>
-              </a:ext>
-            </a:extLst>
-          </a:blip>
-          <a:srcRect/>
-          <a:stretch>
-            <a:fillRect/>
-          </a:stretch>
-        </p:blipFill>
-        <p:spPr bwMode="auto">
-          <a:xfrm>
-            <a:off x="5619752" y="657251"/>
-            <a:ext cx="3086100" cy="295275"/>
-          </a:xfrm>
-          <a:prstGeom prst="rect">
-            <a:avLst/>
-          </a:prstGeom>
-          <a:noFill/>
-          <a:ln>
-            <a:noFill/>
-          </a:ln>
-          <a:extLst>
-            <a:ext uri="{909E8E84-426E-40DD-AFC4-6F175D3DCCD1}">
-              <a14:hiddenFill xmlns:a14="http://schemas.microsoft.com/office/drawing/2010/main">
-                <a:solidFill>
-                  <a:srgbClr val="FFFFFF"/>
-                </a:solidFill>
-              </a14:hiddenFill>
-            </a:ext>
-            <a:ext uri="{91240B29-F687-4F45-9708-019B960494DF}">
-              <a14:hiddenLine xmlns:a14="http://schemas.microsoft.com/office/drawing/2010/main" w="9525">
-                <a:solidFill>
-                  <a:srgbClr val="000000"/>
-                </a:solidFill>
-                <a:miter lim="800000"/>
-                <a:headEnd/>
-                <a:tailEnd/>
-              </a14:hiddenLine>
-            </a:ext>
-          </a:extLst>
-        </p:spPr>
-      </p:pic>
-      <p:sp>
-        <p:nvSpPr>
-          <p:cNvPr id="10242" name="Rectangle 2"/>
-          <p:cNvSpPr>
-            <a:spLocks noGrp="1" noChangeArrowheads="1"/>
-          </p:cNvSpPr>
-          <p:nvPr>
-            <p:ph type="ctrTitle"/>
-          </p:nvPr>
-        </p:nvSpPr>
-        <p:spPr>
-          <a:xfrm>
-            <a:off x="2362200" y="5448300"/>
-            <a:ext cx="6096000" cy="342900"/>
-          </a:xfrm>
-        </p:spPr>
-        <p:txBody>
-          <a:bodyPr anchor="t"/>
-          <a:lstStyle>
-            <a:lvl1pPr>
-              <a:defRPr sz="2000"/>
-            </a:lvl1pPr>
-          </a:lstStyle>
-          <a:p>
-            <a:r>
-              <a:rPr lang="en-US"/>
-              <a:t>Click to edit Master title style</a:t>
-            </a:r>
-          </a:p>
-        </p:txBody>
-      </p:sp>
-      <p:sp>
-        <p:nvSpPr>
-          <p:cNvPr id="10243" name="Rectangle 3"/>
-          <p:cNvSpPr>
-            <a:spLocks noGrp="1" noChangeArrowheads="1"/>
-          </p:cNvSpPr>
-          <p:nvPr>
-            <p:ph type="subTitle" idx="1"/>
-          </p:nvPr>
-        </p:nvSpPr>
-        <p:spPr>
-          <a:xfrm>
-            <a:off x="2362200" y="5791200"/>
-            <a:ext cx="4800600" cy="547688"/>
-          </a:xfrm>
-        </p:spPr>
-        <p:txBody>
-          <a:bodyPr/>
-          <a:lstStyle>
-            <a:lvl1pPr>
-              <a:spcAft>
-                <a:spcPct val="0"/>
-              </a:spcAft>
-              <a:defRPr sz="1200"/>
-            </a:lvl1pPr>
-          </a:lstStyle>
-          <a:p>
-            <a:r>
-              <a:rPr lang="en-US"/>
-              <a:t>Click to edit Master subtitle style</a:t>
-            </a:r>
-          </a:p>
-        </p:txBody>
-      </p:sp>
-    </p:spTree>
-    <p:extLst>
-      <p:ext uri="{BB962C8B-B14F-4D97-AF65-F5344CB8AC3E}">
-        <p14:creationId xmlns:p14="http://schemas.microsoft.com/office/powerpoint/2010/main" val="591229803"/>
-      </p:ext>
-    </p:extLst>
-  </p:cSld>
-  <p:clrMapOvr>
-    <a:masterClrMapping/>
-  </p:clrMapOvr>
-  <p:transition>
-    <p:fade/>
-  </p:transition>
-</p:sldLayout>
-</file>
-
-<file path=ppt/slideLayouts/slideLayout6.xml><?xml version="1.0" encoding="utf-8"?>
-<p:sldLayout xmlns:a="http://schemas.openxmlformats.org/drawingml/2006/main" xmlns:r="http://schemas.openxmlformats.org/officeDocument/2006/relationships" xmlns:p="http://schemas.openxmlformats.org/presentationml/2006/main" type="obj" preserve="1">
-  <p:cSld name="Title and Content">
-    <p:spTree>
-      <p:nvGrpSpPr>
-        <p:cNvPr id="1" name=""/>
-        <p:cNvGrpSpPr/>
-        <p:nvPr/>
-      </p:nvGrpSpPr>
-      <p:grpSpPr>
-        <a:xfrm>
-          <a:off x="0" y="0"/>
-          <a:ext cx="0" cy="0"/>
-          <a:chOff x="0" y="0"/>
-          <a:chExt cx="0" cy="0"/>
-        </a:xfrm>
-      </p:grpSpPr>
-      <p:sp>
-        <p:nvSpPr>
-          <p:cNvPr id="2" name="Title 1"/>
-          <p:cNvSpPr>
-            <a:spLocks noGrp="1"/>
-          </p:cNvSpPr>
-          <p:nvPr>
-            <p:ph type="title"/>
-          </p:nvPr>
-        </p:nvSpPr>
-        <p:spPr/>
-        <p:txBody>
-          <a:bodyPr/>
-          <a:lstStyle/>
-          <a:p>
-            <a:r>
-              <a:rPr lang="en-US"/>
-              <a:t>Click to edit Master title style</a:t>
-            </a:r>
-          </a:p>
-        </p:txBody>
-      </p:sp>
-      <p:sp>
-        <p:nvSpPr>
-          <p:cNvPr id="3" name="Content Placeholder 2"/>
-          <p:cNvSpPr>
-            <a:spLocks noGrp="1"/>
-          </p:cNvSpPr>
-          <p:nvPr>
-            <p:ph idx="1"/>
-          </p:nvPr>
-        </p:nvSpPr>
-        <p:spPr/>
-        <p:txBody>
-          <a:bodyPr/>
-          <a:lstStyle/>
-          <a:p>
-            <a:pPr lvl="0"/>
-            <a:r>
-              <a:rPr lang="en-US"/>
-              <a:t>Click to edit Master text styles</a:t>
-            </a:r>
-          </a:p>
-          <a:p>
-            <a:pPr lvl="1"/>
-            <a:r>
-              <a:rPr lang="en-US"/>
-              <a:t>Second level</a:t>
-            </a:r>
-          </a:p>
-          <a:p>
-            <a:pPr lvl="2"/>
-            <a:r>
-              <a:rPr lang="en-US"/>
-              <a:t>Third level</a:t>
-            </a:r>
-          </a:p>
-          <a:p>
-            <a:pPr lvl="3"/>
-            <a:r>
-              <a:rPr lang="en-US"/>
-              <a:t>Fourth level</a:t>
-            </a:r>
-          </a:p>
-          <a:p>
-            <a:pPr lvl="4"/>
-            <a:r>
-              <a:rPr lang="en-US"/>
-              <a:t>Fifth level</a:t>
-            </a:r>
-          </a:p>
-        </p:txBody>
-      </p:sp>
-      <p:sp>
-        <p:nvSpPr>
-          <p:cNvPr id="4" name="Rectangle 6"/>
-          <p:cNvSpPr>
-            <a:spLocks noGrp="1" noChangeArrowheads="1"/>
-          </p:cNvSpPr>
-          <p:nvPr>
-            <p:ph type="sldNum" sz="quarter" idx="10"/>
-          </p:nvPr>
-        </p:nvSpPr>
-        <p:spPr>
-          <a:ln/>
-        </p:spPr>
-        <p:txBody>
-          <a:bodyPr/>
-          <a:lstStyle>
-            <a:lvl1pPr>
-              <a:defRPr/>
-            </a:lvl1pPr>
-          </a:lstStyle>
-          <a:p>
-            <a:pPr>
-              <a:defRPr/>
-            </a:pPr>
-            <a:fld id="{1989C0BC-D967-44EB-B198-530CF7EDCC05}" type="slidenum">
-              <a:rPr lang="en-US">
-                <a:solidFill>
-                  <a:srgbClr val="63666A"/>
-                </a:solidFill>
-              </a:rPr>
-              <a:pPr>
-                <a:defRPr/>
-              </a:pPr>
-              <a:t>‹#›</a:t>
-            </a:fld>
-            <a:endParaRPr lang="en-US">
-              <a:solidFill>
-                <a:srgbClr val="63666A"/>
-              </a:solidFill>
-            </a:endParaRPr>
-          </a:p>
-        </p:txBody>
-      </p:sp>
-    </p:spTree>
-    <p:extLst>
-      <p:ext uri="{BB962C8B-B14F-4D97-AF65-F5344CB8AC3E}">
-        <p14:creationId xmlns:p14="http://schemas.microsoft.com/office/powerpoint/2010/main" val="1993980755"/>
-      </p:ext>
-    </p:extLst>
-  </p:cSld>
-  <p:clrMapOvr>
-    <a:masterClrMapping/>
-  </p:clrMapOvr>
-  <p:transition>
-    <p:fade/>
-  </p:transition>
-</p:sldLayout>
-</file>
-
-<file path=ppt/slideLayouts/slideLayout7.xml><?xml version="1.0" encoding="utf-8"?>
 <p:sldLayout xmlns:a="http://schemas.openxmlformats.org/drawingml/2006/main" xmlns:r="http://schemas.openxmlformats.org/officeDocument/2006/relationships" xmlns:p="http://schemas.openxmlformats.org/presentationml/2006/main" type="secHead" preserve="1">
   <p:cSld name="Section Header">
     <p:spTree>
@@ -5219,7 +4252,7 @@
 </p:sldLayout>
 </file>
 
-<file path=ppt/slideLayouts/slideLayout8.xml><?xml version="1.0" encoding="utf-8"?>
+<file path=ppt/slideLayouts/slideLayout4.xml><?xml version="1.0" encoding="utf-8"?>
 <p:sldLayout xmlns:a="http://schemas.openxmlformats.org/drawingml/2006/main" xmlns:r="http://schemas.openxmlformats.org/officeDocument/2006/relationships" xmlns:p="http://schemas.openxmlformats.org/presentationml/2006/main" type="twoObj" preserve="1">
   <p:cSld name="Two Content">
     <p:spTree>
@@ -5485,7 +4518,7 @@
 </p:sldLayout>
 </file>
 
-<file path=ppt/slideLayouts/slideLayout9.xml><?xml version="1.0" encoding="utf-8"?>
+<file path=ppt/slideLayouts/slideLayout5.xml><?xml version="1.0" encoding="utf-8"?>
 <p:sldLayout xmlns:a="http://schemas.openxmlformats.org/drawingml/2006/main" xmlns:r="http://schemas.openxmlformats.org/officeDocument/2006/relationships" xmlns:p="http://schemas.openxmlformats.org/presentationml/2006/main" type="twoTxTwoObj" preserve="1">
   <p:cSld name="Comparison">
     <p:spTree>
@@ -5890,14 +4923,9 @@
 </p:sldLayout>
 </file>
 
-<file path=ppt/slideMasters/slideMaster1.xml><?xml version="1.0" encoding="utf-8"?>
-<p:sldMaster xmlns:a="http://schemas.openxmlformats.org/drawingml/2006/main" xmlns:r="http://schemas.openxmlformats.org/officeDocument/2006/relationships" xmlns:p="http://schemas.openxmlformats.org/presentationml/2006/main">
-  <p:cSld>
-    <p:bg>
-      <p:bgRef idx="1001">
-        <a:schemeClr val="bg1"/>
-      </p:bgRef>
-    </p:bg>
+<file path=ppt/slideLayouts/slideLayout6.xml><?xml version="1.0" encoding="utf-8"?>
+<p:sldLayout xmlns:a="http://schemas.openxmlformats.org/drawingml/2006/main" xmlns:r="http://schemas.openxmlformats.org/officeDocument/2006/relationships" xmlns:p="http://schemas.openxmlformats.org/presentationml/2006/main" type="titleOnly" preserve="1">
+  <p:cSld name="Title Only">
     <p:spTree>
       <p:nvGrpSpPr>
         <p:cNvPr id="1" name=""/>
@@ -5912,65 +4940,56 @@
           <a:chExt cx="0" cy="0"/>
         </a:xfrm>
       </p:grpSpPr>
-      <p:pic>
-        <p:nvPicPr>
-          <p:cNvPr id="7" name="Picture 6" descr="footer_orange.png"/>
-          <p:cNvPicPr>
-            <a:picLocks noChangeAspect="1"/>
-          </p:cNvPicPr>
-          <p:nvPr/>
-        </p:nvPicPr>
-        <p:blipFill>
-          <a:blip r:embed="rId6" cstate="screen">
-            <a:extLst>
-              <a:ext uri="{28A0092B-C50C-407E-A947-70E740481C1C}">
-                <a14:useLocalDpi xmlns:a14="http://schemas.microsoft.com/office/drawing/2010/main"/>
-              </a:ext>
-            </a:extLst>
-          </a:blip>
-          <a:stretch>
-            <a:fillRect/>
-          </a:stretch>
-        </p:blipFill>
-        <p:spPr>
-          <a:xfrm>
-            <a:off x="0" y="6400800"/>
-            <a:ext cx="9144000" cy="457200"/>
-          </a:xfrm>
-          <a:prstGeom prst="rect">
-            <a:avLst/>
-          </a:prstGeom>
-        </p:spPr>
-      </p:pic>
       <p:sp>
         <p:nvSpPr>
-          <p:cNvPr id="8" name="TextBox 7"/>
-          <p:cNvSpPr txBox="1"/>
-          <p:nvPr/>
+          <p:cNvPr id="2" name="Title 1"/>
+          <p:cNvSpPr>
+            <a:spLocks noGrp="1"/>
+          </p:cNvSpPr>
+          <p:nvPr>
+            <p:ph type="title"/>
+          </p:nvPr>
+        </p:nvSpPr>
+        <p:spPr/>
+        <p:txBody>
+          <a:bodyPr/>
+          <a:lstStyle/>
+          <a:p>
+            <a:r>
+              <a:rPr lang="en-US"/>
+              <a:t>Click to edit Master title style</a:t>
+            </a:r>
+          </a:p>
+        </p:txBody>
+      </p:sp>
+      <p:sp>
+        <p:nvSpPr>
+          <p:cNvPr id="3" name="Rectangle 6"/>
+          <p:cNvSpPr>
+            <a:spLocks noGrp="1" noChangeArrowheads="1"/>
+          </p:cNvSpPr>
+          <p:nvPr>
+            <p:ph type="sldNum" sz="quarter" idx="10"/>
+          </p:nvPr>
         </p:nvSpPr>
         <p:spPr>
-          <a:xfrm>
-            <a:off x="449705" y="6514862"/>
-            <a:ext cx="373063" cy="223838"/>
-          </a:xfrm>
-          <a:prstGeom prst="rect">
-            <a:avLst/>
-          </a:prstGeom>
-          <a:noFill/>
+          <a:ln/>
         </p:spPr>
         <p:txBody>
-          <a:bodyPr>
-            <a:spAutoFit/>
-          </a:bodyPr>
-          <a:lstStyle/>
+          <a:bodyPr/>
+          <a:lstStyle>
+            <a:lvl1pPr>
+              <a:defRPr/>
+            </a:lvl1pPr>
+          </a:lstStyle>
           <a:p>
             <a:pPr>
               <a:defRPr/>
             </a:pPr>
-            <a:fld id="{FF56CA48-E925-4ADF-95BD-0B89699E2EFA}" type="slidenum">
-              <a:rPr lang="en-US" sz="800">
-                <a:solidFill>
-                  <a:schemeClr val="bg1"/>
+            <a:fld id="{C48EDA4A-E315-4B57-9283-EF0A09B3B355}" type="slidenum">
+              <a:rPr lang="en-US">
+                <a:solidFill>
+                  <a:srgbClr val="63666A"/>
                 </a:solidFill>
               </a:rPr>
               <a:pPr>
@@ -5978,9 +4997,9 @@
               </a:pPr>
               <a:t>‹#›</a:t>
             </a:fld>
-            <a:endParaRPr lang="en-US" sz="800" dirty="0">
+            <a:endParaRPr lang="en-US">
               <a:solidFill>
-                <a:schemeClr val="bg1"/>
+                <a:srgbClr val="63666A"/>
               </a:solidFill>
             </a:endParaRPr>
           </a:p>
@@ -5989,271 +5008,586 @@
     </p:spTree>
     <p:extLst>
       <p:ext uri="{BB962C8B-B14F-4D97-AF65-F5344CB8AC3E}">
-        <p14:creationId xmlns:p14="http://schemas.microsoft.com/office/powerpoint/2010/main" val="343041882"/>
+        <p14:creationId xmlns:p14="http://schemas.microsoft.com/office/powerpoint/2010/main" val="579468850"/>
       </p:ext>
     </p:extLst>
   </p:cSld>
-  <p:clrMap bg1="lt1" tx1="dk1" bg2="lt2" tx2="dk2" accent1="accent1" accent2="accent2" accent3="accent3" accent4="accent4" accent5="accent5" accent6="accent6" hlink="hlink" folHlink="folHlink"/>
-  <p:sldLayoutIdLst>
-    <p:sldLayoutId id="2147483649" r:id="rId1"/>
-    <p:sldLayoutId id="2147483653" r:id="rId2"/>
-    <p:sldLayoutId id="2147483724" r:id="rId3"/>
-    <p:sldLayoutId id="2147483725" r:id="rId4"/>
-  </p:sldLayoutIdLst>
-  <p:txStyles>
-    <p:titleStyle>
-      <a:lvl1pPr algn="ctr" defTabSz="914400" rtl="0" eaLnBrk="1" latinLnBrk="0" hangingPunct="1">
-        <a:spcBef>
-          <a:spcPct val="0"/>
-        </a:spcBef>
-        <a:buNone/>
-        <a:defRPr sz="4400" kern="1200">
-          <a:solidFill>
-            <a:schemeClr val="tx1"/>
-          </a:solidFill>
-          <a:latin typeface="+mj-lt"/>
-          <a:ea typeface="+mj-ea"/>
-          <a:cs typeface="+mj-cs"/>
-        </a:defRPr>
-      </a:lvl1pPr>
-    </p:titleStyle>
-    <p:bodyStyle>
-      <a:lvl1pPr marL="342900" indent="-342900" algn="l" defTabSz="914400" rtl="0" eaLnBrk="1" latinLnBrk="0" hangingPunct="1">
-        <a:spcBef>
-          <a:spcPct val="20000"/>
-        </a:spcBef>
-        <a:buFont typeface="Arial" pitchFamily="34" charset="0"/>
-        <a:buChar char="•"/>
-        <a:defRPr sz="3200" kern="1200">
-          <a:solidFill>
-            <a:schemeClr val="tx1"/>
-          </a:solidFill>
-          <a:latin typeface="+mn-lt"/>
-          <a:ea typeface="+mn-ea"/>
-          <a:cs typeface="+mn-cs"/>
-        </a:defRPr>
-      </a:lvl1pPr>
-      <a:lvl2pPr marL="742950" indent="-285750" algn="l" defTabSz="914400" rtl="0" eaLnBrk="1" latinLnBrk="0" hangingPunct="1">
-        <a:spcBef>
-          <a:spcPct val="20000"/>
-        </a:spcBef>
-        <a:buFont typeface="Arial" pitchFamily="34" charset="0"/>
-        <a:buChar char="–"/>
-        <a:defRPr sz="2800" kern="1200">
-          <a:solidFill>
-            <a:schemeClr val="tx1"/>
-          </a:solidFill>
-          <a:latin typeface="+mn-lt"/>
-          <a:ea typeface="+mn-ea"/>
-          <a:cs typeface="+mn-cs"/>
-        </a:defRPr>
-      </a:lvl2pPr>
-      <a:lvl3pPr marL="1143000" indent="-228600" algn="l" defTabSz="914400" rtl="0" eaLnBrk="1" latinLnBrk="0" hangingPunct="1">
-        <a:spcBef>
-          <a:spcPct val="20000"/>
-        </a:spcBef>
-        <a:buFont typeface="Arial" pitchFamily="34" charset="0"/>
-        <a:buChar char="•"/>
-        <a:defRPr sz="2400" kern="1200">
-          <a:solidFill>
-            <a:schemeClr val="tx1"/>
-          </a:solidFill>
-          <a:latin typeface="+mn-lt"/>
-          <a:ea typeface="+mn-ea"/>
-          <a:cs typeface="+mn-cs"/>
-        </a:defRPr>
-      </a:lvl3pPr>
-      <a:lvl4pPr marL="1600200" indent="-228600" algn="l" defTabSz="914400" rtl="0" eaLnBrk="1" latinLnBrk="0" hangingPunct="1">
-        <a:spcBef>
-          <a:spcPct val="20000"/>
-        </a:spcBef>
-        <a:buFont typeface="Arial" pitchFamily="34" charset="0"/>
-        <a:buChar char="–"/>
-        <a:defRPr sz="2000" kern="1200">
-          <a:solidFill>
-            <a:schemeClr val="tx1"/>
-          </a:solidFill>
-          <a:latin typeface="+mn-lt"/>
-          <a:ea typeface="+mn-ea"/>
-          <a:cs typeface="+mn-cs"/>
-        </a:defRPr>
-      </a:lvl4pPr>
-      <a:lvl5pPr marL="2057400" indent="-228600" algn="l" defTabSz="914400" rtl="0" eaLnBrk="1" latinLnBrk="0" hangingPunct="1">
-        <a:spcBef>
-          <a:spcPct val="20000"/>
-        </a:spcBef>
-        <a:buFont typeface="Arial" pitchFamily="34" charset="0"/>
-        <a:buChar char="»"/>
-        <a:defRPr sz="2000" kern="1200">
-          <a:solidFill>
-            <a:schemeClr val="tx1"/>
-          </a:solidFill>
-          <a:latin typeface="+mn-lt"/>
-          <a:ea typeface="+mn-ea"/>
-          <a:cs typeface="+mn-cs"/>
-        </a:defRPr>
-      </a:lvl5pPr>
-      <a:lvl6pPr marL="2514600" indent="-228600" algn="l" defTabSz="914400" rtl="0" eaLnBrk="1" latinLnBrk="0" hangingPunct="1">
-        <a:spcBef>
-          <a:spcPct val="20000"/>
-        </a:spcBef>
-        <a:buFont typeface="Arial" pitchFamily="34" charset="0"/>
-        <a:buChar char="•"/>
-        <a:defRPr sz="2000" kern="1200">
-          <a:solidFill>
-            <a:schemeClr val="tx1"/>
-          </a:solidFill>
-          <a:latin typeface="+mn-lt"/>
-          <a:ea typeface="+mn-ea"/>
-          <a:cs typeface="+mn-cs"/>
-        </a:defRPr>
-      </a:lvl6pPr>
-      <a:lvl7pPr marL="2971800" indent="-228600" algn="l" defTabSz="914400" rtl="0" eaLnBrk="1" latinLnBrk="0" hangingPunct="1">
-        <a:spcBef>
-          <a:spcPct val="20000"/>
-        </a:spcBef>
-        <a:buFont typeface="Arial" pitchFamily="34" charset="0"/>
-        <a:buChar char="•"/>
-        <a:defRPr sz="2000" kern="1200">
-          <a:solidFill>
-            <a:schemeClr val="tx1"/>
-          </a:solidFill>
-          <a:latin typeface="+mn-lt"/>
-          <a:ea typeface="+mn-ea"/>
-          <a:cs typeface="+mn-cs"/>
-        </a:defRPr>
-      </a:lvl7pPr>
-      <a:lvl8pPr marL="3429000" indent="-228600" algn="l" defTabSz="914400" rtl="0" eaLnBrk="1" latinLnBrk="0" hangingPunct="1">
-        <a:spcBef>
-          <a:spcPct val="20000"/>
-        </a:spcBef>
-        <a:buFont typeface="Arial" pitchFamily="34" charset="0"/>
-        <a:buChar char="•"/>
-        <a:defRPr sz="2000" kern="1200">
-          <a:solidFill>
-            <a:schemeClr val="tx1"/>
-          </a:solidFill>
-          <a:latin typeface="+mn-lt"/>
-          <a:ea typeface="+mn-ea"/>
-          <a:cs typeface="+mn-cs"/>
-        </a:defRPr>
-      </a:lvl8pPr>
-      <a:lvl9pPr marL="3886200" indent="-228600" algn="l" defTabSz="914400" rtl="0" eaLnBrk="1" latinLnBrk="0" hangingPunct="1">
-        <a:spcBef>
-          <a:spcPct val="20000"/>
-        </a:spcBef>
-        <a:buFont typeface="Arial" pitchFamily="34" charset="0"/>
-        <a:buChar char="•"/>
-        <a:defRPr sz="2000" kern="1200">
-          <a:solidFill>
-            <a:schemeClr val="tx1"/>
-          </a:solidFill>
-          <a:latin typeface="+mn-lt"/>
-          <a:ea typeface="+mn-ea"/>
-          <a:cs typeface="+mn-cs"/>
-        </a:defRPr>
-      </a:lvl9pPr>
-    </p:bodyStyle>
-    <p:otherStyle>
-      <a:defPPr>
-        <a:defRPr lang="en-US"/>
-      </a:defPPr>
-      <a:lvl1pPr marL="0" algn="l" defTabSz="914400" rtl="0" eaLnBrk="1" latinLnBrk="0" hangingPunct="1">
-        <a:defRPr sz="1800" kern="1200">
-          <a:solidFill>
-            <a:schemeClr val="tx1"/>
-          </a:solidFill>
-          <a:latin typeface="+mn-lt"/>
-          <a:ea typeface="+mn-ea"/>
-          <a:cs typeface="+mn-cs"/>
-        </a:defRPr>
-      </a:lvl1pPr>
-      <a:lvl2pPr marL="457200" algn="l" defTabSz="914400" rtl="0" eaLnBrk="1" latinLnBrk="0" hangingPunct="1">
-        <a:defRPr sz="1800" kern="1200">
-          <a:solidFill>
-            <a:schemeClr val="tx1"/>
-          </a:solidFill>
-          <a:latin typeface="+mn-lt"/>
-          <a:ea typeface="+mn-ea"/>
-          <a:cs typeface="+mn-cs"/>
-        </a:defRPr>
-      </a:lvl2pPr>
-      <a:lvl3pPr marL="914400" algn="l" defTabSz="914400" rtl="0" eaLnBrk="1" latinLnBrk="0" hangingPunct="1">
-        <a:defRPr sz="1800" kern="1200">
-          <a:solidFill>
-            <a:schemeClr val="tx1"/>
-          </a:solidFill>
-          <a:latin typeface="+mn-lt"/>
-          <a:ea typeface="+mn-ea"/>
-          <a:cs typeface="+mn-cs"/>
-        </a:defRPr>
-      </a:lvl3pPr>
-      <a:lvl4pPr marL="1371600" algn="l" defTabSz="914400" rtl="0" eaLnBrk="1" latinLnBrk="0" hangingPunct="1">
-        <a:defRPr sz="1800" kern="1200">
-          <a:solidFill>
-            <a:schemeClr val="tx1"/>
-          </a:solidFill>
-          <a:latin typeface="+mn-lt"/>
-          <a:ea typeface="+mn-ea"/>
-          <a:cs typeface="+mn-cs"/>
-        </a:defRPr>
-      </a:lvl4pPr>
-      <a:lvl5pPr marL="1828800" algn="l" defTabSz="914400" rtl="0" eaLnBrk="1" latinLnBrk="0" hangingPunct="1">
-        <a:defRPr sz="1800" kern="1200">
-          <a:solidFill>
-            <a:schemeClr val="tx1"/>
-          </a:solidFill>
-          <a:latin typeface="+mn-lt"/>
-          <a:ea typeface="+mn-ea"/>
-          <a:cs typeface="+mn-cs"/>
-        </a:defRPr>
-      </a:lvl5pPr>
-      <a:lvl6pPr marL="2286000" algn="l" defTabSz="914400" rtl="0" eaLnBrk="1" latinLnBrk="0" hangingPunct="1">
-        <a:defRPr sz="1800" kern="1200">
-          <a:solidFill>
-            <a:schemeClr val="tx1"/>
-          </a:solidFill>
-          <a:latin typeface="+mn-lt"/>
-          <a:ea typeface="+mn-ea"/>
-          <a:cs typeface="+mn-cs"/>
-        </a:defRPr>
-      </a:lvl6pPr>
-      <a:lvl7pPr marL="2743200" algn="l" defTabSz="914400" rtl="0" eaLnBrk="1" latinLnBrk="0" hangingPunct="1">
-        <a:defRPr sz="1800" kern="1200">
-          <a:solidFill>
-            <a:schemeClr val="tx1"/>
-          </a:solidFill>
-          <a:latin typeface="+mn-lt"/>
-          <a:ea typeface="+mn-ea"/>
-          <a:cs typeface="+mn-cs"/>
-        </a:defRPr>
-      </a:lvl7pPr>
-      <a:lvl8pPr marL="3200400" algn="l" defTabSz="914400" rtl="0" eaLnBrk="1" latinLnBrk="0" hangingPunct="1">
-        <a:defRPr sz="1800" kern="1200">
-          <a:solidFill>
-            <a:schemeClr val="tx1"/>
-          </a:solidFill>
-          <a:latin typeface="+mn-lt"/>
-          <a:ea typeface="+mn-ea"/>
-          <a:cs typeface="+mn-cs"/>
-        </a:defRPr>
-      </a:lvl8pPr>
-      <a:lvl9pPr marL="3657600" algn="l" defTabSz="914400" rtl="0" eaLnBrk="1" latinLnBrk="0" hangingPunct="1">
-        <a:defRPr sz="1800" kern="1200">
-          <a:solidFill>
-            <a:schemeClr val="tx1"/>
-          </a:solidFill>
-          <a:latin typeface="+mn-lt"/>
-          <a:ea typeface="+mn-ea"/>
-          <a:cs typeface="+mn-cs"/>
-        </a:defRPr>
-      </a:lvl9pPr>
-    </p:otherStyle>
-  </p:txStyles>
-</p:sldMaster>
+  <p:clrMapOvr>
+    <a:masterClrMapping/>
+  </p:clrMapOvr>
+  <p:transition>
+    <p:fade/>
+  </p:transition>
+</p:sldLayout>
 </file>
 
-<file path=ppt/slideMasters/slideMaster2.xml><?xml version="1.0" encoding="utf-8"?>
+<file path=ppt/slideLayouts/slideLayout7.xml><?xml version="1.0" encoding="utf-8"?>
+<p:sldLayout xmlns:a="http://schemas.openxmlformats.org/drawingml/2006/main" xmlns:r="http://schemas.openxmlformats.org/officeDocument/2006/relationships" xmlns:p="http://schemas.openxmlformats.org/presentationml/2006/main" type="blank" preserve="1">
+  <p:cSld name="Blank">
+    <p:spTree>
+      <p:nvGrpSpPr>
+        <p:cNvPr id="1" name=""/>
+        <p:cNvGrpSpPr/>
+        <p:nvPr/>
+      </p:nvGrpSpPr>
+      <p:grpSpPr>
+        <a:xfrm>
+          <a:off x="0" y="0"/>
+          <a:ext cx="0" cy="0"/>
+          <a:chOff x="0" y="0"/>
+          <a:chExt cx="0" cy="0"/>
+        </a:xfrm>
+      </p:grpSpPr>
+      <p:sp>
+        <p:nvSpPr>
+          <p:cNvPr id="2" name="Rectangle 6"/>
+          <p:cNvSpPr>
+            <a:spLocks noGrp="1" noChangeArrowheads="1"/>
+          </p:cNvSpPr>
+          <p:nvPr>
+            <p:ph type="sldNum" sz="quarter" idx="10"/>
+          </p:nvPr>
+        </p:nvSpPr>
+        <p:spPr>
+          <a:ln/>
+        </p:spPr>
+        <p:txBody>
+          <a:bodyPr/>
+          <a:lstStyle>
+            <a:lvl1pPr>
+              <a:defRPr/>
+            </a:lvl1pPr>
+          </a:lstStyle>
+          <a:p>
+            <a:pPr>
+              <a:defRPr/>
+            </a:pPr>
+            <a:fld id="{79D80ADF-62D7-4F9E-96AF-56EBA3A115DD}" type="slidenum">
+              <a:rPr lang="en-US">
+                <a:solidFill>
+                  <a:srgbClr val="63666A"/>
+                </a:solidFill>
+              </a:rPr>
+              <a:pPr>
+                <a:defRPr/>
+              </a:pPr>
+              <a:t>‹#›</a:t>
+            </a:fld>
+            <a:endParaRPr lang="en-US">
+              <a:solidFill>
+                <a:srgbClr val="63666A"/>
+              </a:solidFill>
+            </a:endParaRPr>
+          </a:p>
+        </p:txBody>
+      </p:sp>
+    </p:spTree>
+    <p:extLst>
+      <p:ext uri="{BB962C8B-B14F-4D97-AF65-F5344CB8AC3E}">
+        <p14:creationId xmlns:p14="http://schemas.microsoft.com/office/powerpoint/2010/main" val="1482301696"/>
+      </p:ext>
+    </p:extLst>
+  </p:cSld>
+  <p:clrMapOvr>
+    <a:masterClrMapping/>
+  </p:clrMapOvr>
+  <p:transition>
+    <p:fade/>
+  </p:transition>
+</p:sldLayout>
+</file>
+
+<file path=ppt/slideLayouts/slideLayout8.xml><?xml version="1.0" encoding="utf-8"?>
+<p:sldLayout xmlns:a="http://schemas.openxmlformats.org/drawingml/2006/main" xmlns:r="http://schemas.openxmlformats.org/officeDocument/2006/relationships" xmlns:p="http://schemas.openxmlformats.org/presentationml/2006/main" type="objTx" preserve="1">
+  <p:cSld name="Content with Caption">
+    <p:spTree>
+      <p:nvGrpSpPr>
+        <p:cNvPr id="1" name=""/>
+        <p:cNvGrpSpPr/>
+        <p:nvPr/>
+      </p:nvGrpSpPr>
+      <p:grpSpPr>
+        <a:xfrm>
+          <a:off x="0" y="0"/>
+          <a:ext cx="0" cy="0"/>
+          <a:chOff x="0" y="0"/>
+          <a:chExt cx="0" cy="0"/>
+        </a:xfrm>
+      </p:grpSpPr>
+      <p:sp>
+        <p:nvSpPr>
+          <p:cNvPr id="2" name="Title 1"/>
+          <p:cNvSpPr>
+            <a:spLocks noGrp="1"/>
+          </p:cNvSpPr>
+          <p:nvPr>
+            <p:ph type="title"/>
+          </p:nvPr>
+        </p:nvSpPr>
+        <p:spPr>
+          <a:xfrm>
+            <a:off x="457216" y="273050"/>
+            <a:ext cx="3008313" cy="1162050"/>
+          </a:xfrm>
+        </p:spPr>
+        <p:txBody>
+          <a:bodyPr/>
+          <a:lstStyle>
+            <a:lvl1pPr algn="l">
+              <a:defRPr sz="2000" b="1"/>
+            </a:lvl1pPr>
+          </a:lstStyle>
+          <a:p>
+            <a:r>
+              <a:rPr lang="en-US"/>
+              <a:t>Click to edit Master title style</a:t>
+            </a:r>
+          </a:p>
+        </p:txBody>
+      </p:sp>
+      <p:sp>
+        <p:nvSpPr>
+          <p:cNvPr id="3" name="Content Placeholder 2"/>
+          <p:cNvSpPr>
+            <a:spLocks noGrp="1"/>
+          </p:cNvSpPr>
+          <p:nvPr>
+            <p:ph idx="1"/>
+          </p:nvPr>
+        </p:nvSpPr>
+        <p:spPr>
+          <a:xfrm>
+            <a:off x="3575050" y="273050"/>
+            <a:ext cx="5111750" cy="5853113"/>
+          </a:xfrm>
+        </p:spPr>
+        <p:txBody>
+          <a:bodyPr/>
+          <a:lstStyle>
+            <a:lvl1pPr>
+              <a:defRPr sz="3200"/>
+            </a:lvl1pPr>
+            <a:lvl2pPr>
+              <a:defRPr sz="2800"/>
+            </a:lvl2pPr>
+            <a:lvl3pPr>
+              <a:defRPr sz="2400"/>
+            </a:lvl3pPr>
+            <a:lvl4pPr>
+              <a:defRPr sz="2000"/>
+            </a:lvl4pPr>
+            <a:lvl5pPr>
+              <a:defRPr sz="2000"/>
+            </a:lvl5pPr>
+            <a:lvl6pPr>
+              <a:defRPr sz="2000"/>
+            </a:lvl6pPr>
+            <a:lvl7pPr>
+              <a:defRPr sz="2000"/>
+            </a:lvl7pPr>
+            <a:lvl8pPr>
+              <a:defRPr sz="2000"/>
+            </a:lvl8pPr>
+            <a:lvl9pPr>
+              <a:defRPr sz="2000"/>
+            </a:lvl9pPr>
+          </a:lstStyle>
+          <a:p>
+            <a:pPr lvl="0"/>
+            <a:r>
+              <a:rPr lang="en-US"/>
+              <a:t>Click to edit Master text styles</a:t>
+            </a:r>
+          </a:p>
+          <a:p>
+            <a:pPr lvl="1"/>
+            <a:r>
+              <a:rPr lang="en-US"/>
+              <a:t>Second level</a:t>
+            </a:r>
+          </a:p>
+          <a:p>
+            <a:pPr lvl="2"/>
+            <a:r>
+              <a:rPr lang="en-US"/>
+              <a:t>Third level</a:t>
+            </a:r>
+          </a:p>
+          <a:p>
+            <a:pPr lvl="3"/>
+            <a:r>
+              <a:rPr lang="en-US"/>
+              <a:t>Fourth level</a:t>
+            </a:r>
+          </a:p>
+          <a:p>
+            <a:pPr lvl="4"/>
+            <a:r>
+              <a:rPr lang="en-US"/>
+              <a:t>Fifth level</a:t>
+            </a:r>
+          </a:p>
+        </p:txBody>
+      </p:sp>
+      <p:sp>
+        <p:nvSpPr>
+          <p:cNvPr id="4" name="Text Placeholder 3"/>
+          <p:cNvSpPr>
+            <a:spLocks noGrp="1"/>
+          </p:cNvSpPr>
+          <p:nvPr>
+            <p:ph type="body" sz="half" idx="2"/>
+          </p:nvPr>
+        </p:nvSpPr>
+        <p:spPr>
+          <a:xfrm>
+            <a:off x="457216" y="1435100"/>
+            <a:ext cx="3008313" cy="4691063"/>
+          </a:xfrm>
+        </p:spPr>
+        <p:txBody>
+          <a:bodyPr/>
+          <a:lstStyle>
+            <a:lvl1pPr marL="0" indent="0">
+              <a:buNone/>
+              <a:defRPr sz="1400"/>
+            </a:lvl1pPr>
+            <a:lvl2pPr marL="456723" indent="0">
+              <a:buNone/>
+              <a:defRPr sz="1200"/>
+            </a:lvl2pPr>
+            <a:lvl3pPr marL="913447" indent="0">
+              <a:buNone/>
+              <a:defRPr sz="1000"/>
+            </a:lvl3pPr>
+            <a:lvl4pPr marL="1370170" indent="0">
+              <a:buNone/>
+              <a:defRPr sz="900"/>
+            </a:lvl4pPr>
+            <a:lvl5pPr marL="1826902" indent="0">
+              <a:buNone/>
+              <a:defRPr sz="900"/>
+            </a:lvl5pPr>
+            <a:lvl6pPr marL="2283628" indent="0">
+              <a:buNone/>
+              <a:defRPr sz="900"/>
+            </a:lvl6pPr>
+            <a:lvl7pPr marL="2740340" indent="0">
+              <a:buNone/>
+              <a:defRPr sz="900"/>
+            </a:lvl7pPr>
+            <a:lvl8pPr marL="3197072" indent="0">
+              <a:buNone/>
+              <a:defRPr sz="900"/>
+            </a:lvl8pPr>
+            <a:lvl9pPr marL="3653798" indent="0">
+              <a:buNone/>
+              <a:defRPr sz="900"/>
+            </a:lvl9pPr>
+          </a:lstStyle>
+          <a:p>
+            <a:pPr lvl="0"/>
+            <a:r>
+              <a:rPr lang="en-US"/>
+              <a:t>Click to edit Master text styles</a:t>
+            </a:r>
+          </a:p>
+        </p:txBody>
+      </p:sp>
+      <p:sp>
+        <p:nvSpPr>
+          <p:cNvPr id="5" name="Rectangle 6"/>
+          <p:cNvSpPr>
+            <a:spLocks noGrp="1" noChangeArrowheads="1"/>
+          </p:cNvSpPr>
+          <p:nvPr>
+            <p:ph type="sldNum" sz="quarter" idx="10"/>
+          </p:nvPr>
+        </p:nvSpPr>
+        <p:spPr>
+          <a:ln/>
+        </p:spPr>
+        <p:txBody>
+          <a:bodyPr/>
+          <a:lstStyle>
+            <a:lvl1pPr>
+              <a:defRPr/>
+            </a:lvl1pPr>
+          </a:lstStyle>
+          <a:p>
+            <a:pPr>
+              <a:defRPr/>
+            </a:pPr>
+            <a:fld id="{376E65C0-318B-46E8-BBD5-53E0A92BF47A}" type="slidenum">
+              <a:rPr lang="en-US">
+                <a:solidFill>
+                  <a:srgbClr val="63666A"/>
+                </a:solidFill>
+              </a:rPr>
+              <a:pPr>
+                <a:defRPr/>
+              </a:pPr>
+              <a:t>‹#›</a:t>
+            </a:fld>
+            <a:endParaRPr lang="en-US">
+              <a:solidFill>
+                <a:srgbClr val="63666A"/>
+              </a:solidFill>
+            </a:endParaRPr>
+          </a:p>
+        </p:txBody>
+      </p:sp>
+    </p:spTree>
+    <p:extLst>
+      <p:ext uri="{BB962C8B-B14F-4D97-AF65-F5344CB8AC3E}">
+        <p14:creationId xmlns:p14="http://schemas.microsoft.com/office/powerpoint/2010/main" val="1181342602"/>
+      </p:ext>
+    </p:extLst>
+  </p:cSld>
+  <p:clrMapOvr>
+    <a:masterClrMapping/>
+  </p:clrMapOvr>
+  <p:transition>
+    <p:fade/>
+  </p:transition>
+</p:sldLayout>
+</file>
+
+<file path=ppt/slideLayouts/slideLayout9.xml><?xml version="1.0" encoding="utf-8"?>
+<p:sldLayout xmlns:a="http://schemas.openxmlformats.org/drawingml/2006/main" xmlns:r="http://schemas.openxmlformats.org/officeDocument/2006/relationships" xmlns:p="http://schemas.openxmlformats.org/presentationml/2006/main" type="picTx" preserve="1">
+  <p:cSld name="Picture with Caption">
+    <p:spTree>
+      <p:nvGrpSpPr>
+        <p:cNvPr id="1" name=""/>
+        <p:cNvGrpSpPr/>
+        <p:nvPr/>
+      </p:nvGrpSpPr>
+      <p:grpSpPr>
+        <a:xfrm>
+          <a:off x="0" y="0"/>
+          <a:ext cx="0" cy="0"/>
+          <a:chOff x="0" y="0"/>
+          <a:chExt cx="0" cy="0"/>
+        </a:xfrm>
+      </p:grpSpPr>
+      <p:sp>
+        <p:nvSpPr>
+          <p:cNvPr id="2" name="Title 1"/>
+          <p:cNvSpPr>
+            <a:spLocks noGrp="1"/>
+          </p:cNvSpPr>
+          <p:nvPr>
+            <p:ph type="title"/>
+          </p:nvPr>
+        </p:nvSpPr>
+        <p:spPr>
+          <a:xfrm>
+            <a:off x="1792288" y="4800600"/>
+            <a:ext cx="5486400" cy="566738"/>
+          </a:xfrm>
+        </p:spPr>
+        <p:txBody>
+          <a:bodyPr/>
+          <a:lstStyle>
+            <a:lvl1pPr algn="l">
+              <a:defRPr sz="2000" b="1"/>
+            </a:lvl1pPr>
+          </a:lstStyle>
+          <a:p>
+            <a:r>
+              <a:rPr lang="en-US"/>
+              <a:t>Click to edit Master title style</a:t>
+            </a:r>
+          </a:p>
+        </p:txBody>
+      </p:sp>
+      <p:sp>
+        <p:nvSpPr>
+          <p:cNvPr id="3" name="Picture Placeholder 2"/>
+          <p:cNvSpPr>
+            <a:spLocks noGrp="1"/>
+          </p:cNvSpPr>
+          <p:nvPr>
+            <p:ph type="pic" idx="1"/>
+          </p:nvPr>
+        </p:nvSpPr>
+        <p:spPr>
+          <a:xfrm>
+            <a:off x="1792288" y="612775"/>
+            <a:ext cx="5486400" cy="4114800"/>
+          </a:xfrm>
+        </p:spPr>
+        <p:txBody>
+          <a:bodyPr/>
+          <a:lstStyle>
+            <a:lvl1pPr marL="0" indent="0">
+              <a:buNone/>
+              <a:defRPr sz="3200"/>
+            </a:lvl1pPr>
+            <a:lvl2pPr marL="456723" indent="0">
+              <a:buNone/>
+              <a:defRPr sz="2800"/>
+            </a:lvl2pPr>
+            <a:lvl3pPr marL="913447" indent="0">
+              <a:buNone/>
+              <a:defRPr sz="2400"/>
+            </a:lvl3pPr>
+            <a:lvl4pPr marL="1370170" indent="0">
+              <a:buNone/>
+              <a:defRPr sz="2000"/>
+            </a:lvl4pPr>
+            <a:lvl5pPr marL="1826902" indent="0">
+              <a:buNone/>
+              <a:defRPr sz="2000"/>
+            </a:lvl5pPr>
+            <a:lvl6pPr marL="2283628" indent="0">
+              <a:buNone/>
+              <a:defRPr sz="2000"/>
+            </a:lvl6pPr>
+            <a:lvl7pPr marL="2740340" indent="0">
+              <a:buNone/>
+              <a:defRPr sz="2000"/>
+            </a:lvl7pPr>
+            <a:lvl8pPr marL="3197072" indent="0">
+              <a:buNone/>
+              <a:defRPr sz="2000"/>
+            </a:lvl8pPr>
+            <a:lvl9pPr marL="3653798" indent="0">
+              <a:buNone/>
+              <a:defRPr sz="2000"/>
+            </a:lvl9pPr>
+          </a:lstStyle>
+          <a:p>
+            <a:pPr lvl="0"/>
+            <a:endParaRPr lang="en-US" noProof="0" dirty="0"/>
+          </a:p>
+        </p:txBody>
+      </p:sp>
+      <p:sp>
+        <p:nvSpPr>
+          <p:cNvPr id="4" name="Text Placeholder 3"/>
+          <p:cNvSpPr>
+            <a:spLocks noGrp="1"/>
+          </p:cNvSpPr>
+          <p:nvPr>
+            <p:ph type="body" sz="half" idx="2"/>
+          </p:nvPr>
+        </p:nvSpPr>
+        <p:spPr>
+          <a:xfrm>
+            <a:off x="1792288" y="5367338"/>
+            <a:ext cx="5486400" cy="804862"/>
+          </a:xfrm>
+        </p:spPr>
+        <p:txBody>
+          <a:bodyPr/>
+          <a:lstStyle>
+            <a:lvl1pPr marL="0" indent="0">
+              <a:buNone/>
+              <a:defRPr sz="1400"/>
+            </a:lvl1pPr>
+            <a:lvl2pPr marL="456723" indent="0">
+              <a:buNone/>
+              <a:defRPr sz="1200"/>
+            </a:lvl2pPr>
+            <a:lvl3pPr marL="913447" indent="0">
+              <a:buNone/>
+              <a:defRPr sz="1000"/>
+            </a:lvl3pPr>
+            <a:lvl4pPr marL="1370170" indent="0">
+              <a:buNone/>
+              <a:defRPr sz="900"/>
+            </a:lvl4pPr>
+            <a:lvl5pPr marL="1826902" indent="0">
+              <a:buNone/>
+              <a:defRPr sz="900"/>
+            </a:lvl5pPr>
+            <a:lvl6pPr marL="2283628" indent="0">
+              <a:buNone/>
+              <a:defRPr sz="900"/>
+            </a:lvl6pPr>
+            <a:lvl7pPr marL="2740340" indent="0">
+              <a:buNone/>
+              <a:defRPr sz="900"/>
+            </a:lvl7pPr>
+            <a:lvl8pPr marL="3197072" indent="0">
+              <a:buNone/>
+              <a:defRPr sz="900"/>
+            </a:lvl8pPr>
+            <a:lvl9pPr marL="3653798" indent="0">
+              <a:buNone/>
+              <a:defRPr sz="900"/>
+            </a:lvl9pPr>
+          </a:lstStyle>
+          <a:p>
+            <a:pPr lvl="0"/>
+            <a:r>
+              <a:rPr lang="en-US"/>
+              <a:t>Click to edit Master text styles</a:t>
+            </a:r>
+          </a:p>
+        </p:txBody>
+      </p:sp>
+      <p:sp>
+        <p:nvSpPr>
+          <p:cNvPr id="5" name="Rectangle 6"/>
+          <p:cNvSpPr>
+            <a:spLocks noGrp="1" noChangeArrowheads="1"/>
+          </p:cNvSpPr>
+          <p:nvPr>
+            <p:ph type="sldNum" sz="quarter" idx="10"/>
+          </p:nvPr>
+        </p:nvSpPr>
+        <p:spPr>
+          <a:ln/>
+        </p:spPr>
+        <p:txBody>
+          <a:bodyPr/>
+          <a:lstStyle>
+            <a:lvl1pPr>
+              <a:defRPr/>
+            </a:lvl1pPr>
+          </a:lstStyle>
+          <a:p>
+            <a:pPr>
+              <a:defRPr/>
+            </a:pPr>
+            <a:fld id="{8DBA5F4B-9492-40AC-9DE3-FA418603E234}" type="slidenum">
+              <a:rPr lang="en-US">
+                <a:solidFill>
+                  <a:srgbClr val="63666A"/>
+                </a:solidFill>
+              </a:rPr>
+              <a:pPr>
+                <a:defRPr/>
+              </a:pPr>
+              <a:t>‹#›</a:t>
+            </a:fld>
+            <a:endParaRPr lang="en-US">
+              <a:solidFill>
+                <a:srgbClr val="63666A"/>
+              </a:solidFill>
+            </a:endParaRPr>
+          </a:p>
+        </p:txBody>
+      </p:sp>
+    </p:spTree>
+    <p:extLst>
+      <p:ext uri="{BB962C8B-B14F-4D97-AF65-F5344CB8AC3E}">
+        <p14:creationId xmlns:p14="http://schemas.microsoft.com/office/powerpoint/2010/main" val="2552344051"/>
+      </p:ext>
+    </p:extLst>
+  </p:cSld>
+  <p:clrMapOvr>
+    <a:masterClrMapping/>
+  </p:clrMapOvr>
+  <p:transition>
+    <p:fade/>
+  </p:transition>
+</p:sldLayout>
+</file>
+
+<file path=ppt/slideMasters/slideMaster1.xml><?xml version="1.0" encoding="utf-8"?>
 <p:sldMaster xmlns:a="http://schemas.openxmlformats.org/drawingml/2006/main" xmlns:r="http://schemas.openxmlformats.org/officeDocument/2006/relationships" xmlns:p="http://schemas.openxmlformats.org/presentationml/2006/main" preserve="1">
   <p:cSld>
     <p:bg>
@@ -7370,7 +6704,7 @@
 </p:sldMaster>
 </file>
 
-<file path=ppt/slideMasters/slideMaster3.xml><?xml version="1.0" encoding="utf-8"?>
+<file path=ppt/slideMasters/slideMaster2.xml><?xml version="1.0" encoding="utf-8"?>
 <p:sldMaster xmlns:a="http://schemas.openxmlformats.org/drawingml/2006/main" xmlns:r="http://schemas.openxmlformats.org/officeDocument/2006/relationships" xmlns:p="http://schemas.openxmlformats.org/presentationml/2006/main">
   <p:cSld>
     <p:bg>
@@ -8207,69 +7541,93 @@
             <p:ph idx="1"/>
           </p:nvPr>
         </p:nvSpPr>
+        <p:spPr/>
+        <p:txBody>
+          <a:bodyPr/>
+          <a:lstStyle/>
+          <a:p>
+            <a:r>
+              <a:rPr lang="en-US" sz="1800" dirty="0"/>
+              <a:t>Live Invocation feature gives user an option to direct the request that will be hitting the virtual service endpoint to be sent to the live system or virtual service first.</a:t>
+            </a:r>
+          </a:p>
+          <a:p>
+            <a:endParaRPr lang="en-US" sz="1800" dirty="0"/>
+          </a:p>
+          <a:p>
+            <a:r>
+              <a:rPr lang="en-US" sz="1800" dirty="0"/>
+              <a:t>Live Invocation can be used :</a:t>
+            </a:r>
+          </a:p>
+          <a:p>
+            <a:pPr lvl="1">
+              <a:buFont typeface="Wingdings" panose="05000000000000000000" pitchFamily="2" charset="2"/>
+              <a:buChar char="Ø"/>
+            </a:pPr>
+            <a:r>
+              <a:rPr lang="en-US" sz="1800" dirty="0"/>
+              <a:t>When we do not have all flows virtualized due to test data constraint.</a:t>
+            </a:r>
+          </a:p>
+          <a:p>
+            <a:pPr lvl="1">
+              <a:buFont typeface="Wingdings" panose="05000000000000000000" pitchFamily="2" charset="2"/>
+              <a:buChar char="Ø"/>
+            </a:pPr>
+            <a:r>
+              <a:rPr lang="en-US" sz="1800" dirty="0"/>
+              <a:t>We want to send a request to Live system in case of some security validations.</a:t>
+            </a:r>
+          </a:p>
+          <a:p>
+            <a:pPr lvl="1">
+              <a:buFont typeface="Wingdings" panose="05000000000000000000" pitchFamily="2" charset="2"/>
+              <a:buChar char="Ø"/>
+            </a:pPr>
+            <a:r>
+              <a:rPr lang="en-US" sz="1800" dirty="0"/>
+              <a:t>Does not want to send a Error/Failure response in case Live system ceases to responds.</a:t>
+            </a:r>
+          </a:p>
+          <a:p>
+            <a:pPr lvl="1">
+              <a:buFont typeface="Wingdings" panose="05000000000000000000" pitchFamily="2" charset="2"/>
+              <a:buChar char="Ø"/>
+            </a:pPr>
+            <a:r>
+              <a:rPr lang="en-US" sz="1800" dirty="0"/>
+              <a:t>In edge case scenarios which have to be tested but are not part live system, we can use Live invocation which will redirect the flow to virtual services when the conditions for that scenarios are met.</a:t>
+            </a:r>
+          </a:p>
+        </p:txBody>
+      </p:sp>
+      <p:sp>
+        <p:nvSpPr>
+          <p:cNvPr id="16387" name="Rectangle 2"/>
+          <p:cNvSpPr>
+            <a:spLocks noGrp="1" noChangeArrowheads="1"/>
+          </p:cNvSpPr>
+          <p:nvPr>
+            <p:ph type="title"/>
+          </p:nvPr>
+        </p:nvSpPr>
         <p:spPr>
-          <a:xfrm>
-            <a:off x="647123" y="1465118"/>
-            <a:ext cx="7874000" cy="4229100"/>
-          </a:xfrm>
+          <a:prstGeom prst="rect">
+            <a:avLst/>
+          </a:prstGeom>
         </p:spPr>
         <p:txBody>
           <a:bodyPr/>
           <a:lstStyle/>
           <a:p>
             <a:r>
-              <a:rPr lang="en-US" sz="1800" dirty="0"/>
-              <a:t>Live Invocation feature gives user an option to direct the request that will be hitting the virtual service endpoint to be sent to the live system or virtual service first.</a:t>
-            </a:r>
-          </a:p>
-          <a:p>
-            <a:endParaRPr lang="en-US" sz="1800" dirty="0"/>
-          </a:p>
-          <a:p>
-            <a:r>
-              <a:rPr lang="en-US" sz="1800" dirty="0"/>
-              <a:t>Live Invocation can be used :</a:t>
-            </a:r>
-          </a:p>
-          <a:p>
-            <a:pPr lvl="1">
-              <a:buFont typeface="Wingdings" panose="05000000000000000000" pitchFamily="2" charset="2"/>
-              <a:buChar char="Ø"/>
-            </a:pPr>
-            <a:r>
-              <a:rPr lang="en-US" sz="1800" dirty="0"/>
-              <a:t>When we do not have all flows virtualized due to test data constraint.</a:t>
-            </a:r>
-          </a:p>
-          <a:p>
-            <a:pPr lvl="1">
-              <a:buFont typeface="Wingdings" panose="05000000000000000000" pitchFamily="2" charset="2"/>
-              <a:buChar char="Ø"/>
-            </a:pPr>
-            <a:r>
-              <a:rPr lang="en-US" sz="1800" dirty="0"/>
-              <a:t>We want to send a request to Live system in case of some security validations.</a:t>
-            </a:r>
-          </a:p>
-          <a:p>
-            <a:pPr lvl="1">
-              <a:buFont typeface="Wingdings" panose="05000000000000000000" pitchFamily="2" charset="2"/>
-              <a:buChar char="Ø"/>
-            </a:pPr>
-            <a:r>
-              <a:rPr lang="en-US" sz="1800" dirty="0"/>
-              <a:t>Does not want to send a Error/Failure response in case Live system ceases to responds.</a:t>
-            </a:r>
-          </a:p>
-          <a:p>
-            <a:pPr lvl="1">
-              <a:buFont typeface="Wingdings" panose="05000000000000000000" pitchFamily="2" charset="2"/>
-              <a:buChar char="Ø"/>
-            </a:pPr>
-            <a:r>
-              <a:rPr lang="en-US" sz="1800" dirty="0"/>
-              <a:t>In edge case scenarios which have to be tested but are not part live system, we can use Live invocation which will redirect the flow to virtual services when the conditions for that scenarios are met.</a:t>
-            </a:r>
+              <a:rPr lang="en-US" b="1" dirty="0"/>
+              <a:t>Live Invocation</a:t>
+            </a:r>
+            <a:endParaRPr lang="en-US" altLang="en-US" b="1" dirty="0">
+              <a:ea typeface="Geneva" charset="-128"/>
+            </a:endParaRPr>
           </a:p>
         </p:txBody>
       </p:sp>
@@ -8280,10 +7638,14 @@
             <a:spLocks noGrp="1"/>
           </p:cNvSpPr>
           <p:nvPr>
-            <p:ph type="sldNum" sz="quarter" idx="13"/>
+            <p:ph type="sldNum" sz="quarter" idx="4294967295"/>
           </p:nvPr>
         </p:nvSpPr>
         <p:spPr>
+          <a:xfrm>
+            <a:off x="8899525" y="6600825"/>
+            <a:ext cx="244475" cy="241300"/>
+          </a:xfrm>
           <a:prstGeom prst="rect">
             <a:avLst/>
           </a:prstGeom>
@@ -8432,39 +7794,6 @@
               <a:solidFill>
                 <a:schemeClr val="tx1"/>
               </a:solidFill>
-            </a:endParaRPr>
-          </a:p>
-        </p:txBody>
-      </p:sp>
-      <p:sp>
-        <p:nvSpPr>
-          <p:cNvPr id="16387" name="Rectangle 2"/>
-          <p:cNvSpPr>
-            <a:spLocks noGrp="1" noChangeArrowheads="1"/>
-          </p:cNvSpPr>
-          <p:nvPr>
-            <p:ph type="title" idx="4294967295"/>
-          </p:nvPr>
-        </p:nvSpPr>
-        <p:spPr>
-          <a:xfrm>
-            <a:off x="0" y="484188"/>
-            <a:ext cx="8229600" cy="611187"/>
-          </a:xfrm>
-          <a:prstGeom prst="rect">
-            <a:avLst/>
-          </a:prstGeom>
-        </p:spPr>
-        <p:txBody>
-          <a:bodyPr/>
-          <a:lstStyle/>
-          <a:p>
-            <a:r>
-              <a:rPr lang="en-US" b="1" dirty="0"/>
-              <a:t>Live Invocation</a:t>
-            </a:r>
-            <a:endParaRPr lang="en-US" altLang="en-US" b="1" dirty="0">
-              <a:ea typeface="Geneva" charset="-128"/>
             </a:endParaRPr>
           </a:p>
         </p:txBody>
@@ -8814,7 +8143,9 @@
   <p:clrMapOvr>
     <a:masterClrMapping/>
   </p:clrMapOvr>
-  <p:transition/>
+  <p:transition>
+    <p:fade/>
+  </p:transition>
 </p:sld>
 </file>
 
@@ -8859,37 +8190,34 @@
         </p:blipFill>
         <p:spPr>
           <a:xfrm>
-            <a:off x="2057400" y="3657600"/>
-            <a:ext cx="4372879" cy="1854890"/>
+            <a:off x="1143000" y="3810000"/>
+            <a:ext cx="3098800" cy="1308100"/>
           </a:xfrm>
         </p:spPr>
       </p:pic>
       <p:sp>
         <p:nvSpPr>
-          <p:cNvPr id="3" name="Text Placeholder 2"/>
+          <p:cNvPr id="2" name="Title 1">
+            <a:extLst>
+              <a:ext uri="{FF2B5EF4-FFF2-40B4-BE49-F238E27FC236}">
+                <a16:creationId xmlns:a16="http://schemas.microsoft.com/office/drawing/2014/main" id="{19565512-2595-7743-9EAF-53456732F5B1}"/>
+              </a:ext>
+            </a:extLst>
+          </p:cNvPr>
           <p:cNvSpPr>
             <a:spLocks noGrp="1"/>
           </p:cNvSpPr>
           <p:nvPr>
-            <p:ph type="body" sz="quarter" idx="12"/>
+            <p:ph type="title"/>
           </p:nvPr>
         </p:nvSpPr>
-        <p:spPr>
-          <a:xfrm>
-            <a:off x="1752600" y="457200"/>
-            <a:ext cx="6096000" cy="685800"/>
-          </a:xfrm>
-        </p:spPr>
+        <p:spPr/>
         <p:txBody>
           <a:bodyPr/>
           <a:lstStyle/>
           <a:p>
             <a:r>
-              <a:rPr lang="en-US" sz="4400" dirty="0">
-                <a:solidFill>
-                  <a:schemeClr val="tx1"/>
-                </a:solidFill>
-              </a:rPr>
+              <a:rPr lang="en-US" dirty="0"/>
               <a:t>Recording</a:t>
             </a:r>
           </a:p>
@@ -8958,171 +8286,13 @@
   <p:clrMapOvr>
     <a:masterClrMapping/>
   </p:clrMapOvr>
-  <p:transition/>
+  <p:transition>
+    <p:fade/>
+  </p:transition>
 </p:sld>
 </file>
 
 <file path=ppt/slides/slide12.xml><?xml version="1.0" encoding="utf-8"?>
-<p:sld xmlns:a="http://schemas.openxmlformats.org/drawingml/2006/main" xmlns:r="http://schemas.openxmlformats.org/officeDocument/2006/relationships" xmlns:p="http://schemas.openxmlformats.org/presentationml/2006/main">
-  <p:cSld>
-    <p:spTree>
-      <p:nvGrpSpPr>
-        <p:cNvPr id="1" name=""/>
-        <p:cNvGrpSpPr/>
-        <p:nvPr/>
-      </p:nvGrpSpPr>
-      <p:grpSpPr>
-        <a:xfrm>
-          <a:off x="0" y="0"/>
-          <a:ext cx="0" cy="0"/>
-          <a:chOff x="0" y="0"/>
-          <a:chExt cx="0" cy="0"/>
-        </a:xfrm>
-      </p:grpSpPr>
-      <p:sp>
-        <p:nvSpPr>
-          <p:cNvPr id="2" name="Content Placeholder 1"/>
-          <p:cNvSpPr>
-            <a:spLocks noGrp="1"/>
-          </p:cNvSpPr>
-          <p:nvPr>
-            <p:ph idx="1"/>
-          </p:nvPr>
-        </p:nvSpPr>
-        <p:spPr/>
-        <p:txBody>
-          <a:bodyPr/>
-          <a:lstStyle/>
-          <a:p>
-            <a:r>
-              <a:rPr lang="en-US" sz="1800" dirty="0"/>
-              <a:t>Many teams have already started using Mockiato for Virtualization. Some of them are listed as below:</a:t>
-            </a:r>
-          </a:p>
-          <a:p>
-            <a:pPr marL="0" indent="0">
-              <a:buNone/>
-            </a:pPr>
-            <a:endParaRPr lang="en-US" sz="1800" dirty="0"/>
-          </a:p>
-          <a:p>
-            <a:pPr lvl="1">
-              <a:buFont typeface="Wingdings" panose="05000000000000000000" pitchFamily="2" charset="2"/>
-              <a:buChar char="Ø"/>
-            </a:pPr>
-            <a:r>
-              <a:rPr lang="en-US" sz="1800" dirty="0"/>
-              <a:t>Optum RX</a:t>
-            </a:r>
-          </a:p>
-          <a:p>
-            <a:pPr lvl="1">
-              <a:buFont typeface="Wingdings" panose="05000000000000000000" pitchFamily="2" charset="2"/>
-              <a:buChar char="Ø"/>
-            </a:pPr>
-            <a:r>
-              <a:rPr lang="en-US" sz="1800" dirty="0"/>
-              <a:t>Contact Center Services - IVR team is using it for Regression testing.</a:t>
-            </a:r>
-          </a:p>
-          <a:p>
-            <a:pPr lvl="1">
-              <a:buFont typeface="Wingdings" panose="05000000000000000000" pitchFamily="2" charset="2"/>
-              <a:buChar char="Ø"/>
-            </a:pPr>
-            <a:r>
-              <a:rPr lang="en-US" sz="1800" dirty="0"/>
-              <a:t>EAIP Benefits team is using it for Unit testing.</a:t>
-            </a:r>
-          </a:p>
-          <a:p>
-            <a:pPr lvl="1">
-              <a:buFont typeface="Wingdings" panose="05000000000000000000" pitchFamily="2" charset="2"/>
-              <a:buChar char="Ø"/>
-            </a:pPr>
-            <a:r>
-              <a:rPr lang="en-US" sz="1800" dirty="0"/>
-              <a:t>EAIP Clinical and Financial team is using it for Unit testing.</a:t>
-            </a:r>
-          </a:p>
-          <a:p>
-            <a:pPr lvl="1">
-              <a:buFont typeface="Wingdings" panose="05000000000000000000" pitchFamily="2" charset="2"/>
-              <a:buChar char="Ø"/>
-            </a:pPr>
-            <a:r>
-              <a:rPr lang="en-US" sz="1800" dirty="0"/>
-              <a:t>CDB EEMS Eligibility team is using it for regression testing.</a:t>
-            </a:r>
-          </a:p>
-          <a:p>
-            <a:pPr lvl="1">
-              <a:buFont typeface="Wingdings" panose="05000000000000000000" pitchFamily="2" charset="2"/>
-              <a:buChar char="Ø"/>
-            </a:pPr>
-            <a:r>
-              <a:rPr lang="en-US" sz="1800" dirty="0"/>
-              <a:t>Layer7 for performance testing</a:t>
-            </a:r>
-          </a:p>
-          <a:p>
-            <a:pPr lvl="1">
-              <a:buFont typeface="Wingdings" panose="05000000000000000000" pitchFamily="2" charset="2"/>
-              <a:buChar char="Ø"/>
-            </a:pPr>
-            <a:r>
-              <a:rPr lang="en-US" sz="1800" dirty="0"/>
-              <a:t>Deployed in secure government OFE West Virginia project.</a:t>
-            </a:r>
-          </a:p>
-        </p:txBody>
-      </p:sp>
-      <p:sp>
-        <p:nvSpPr>
-          <p:cNvPr id="3" name="Text Placeholder 2"/>
-          <p:cNvSpPr>
-            <a:spLocks noGrp="1"/>
-          </p:cNvSpPr>
-          <p:nvPr>
-            <p:ph type="body" sz="quarter" idx="12"/>
-          </p:nvPr>
-        </p:nvSpPr>
-        <p:spPr>
-          <a:xfrm>
-            <a:off x="1371600" y="381000"/>
-            <a:ext cx="6096000" cy="838200"/>
-          </a:xfrm>
-        </p:spPr>
-        <p:txBody>
-          <a:bodyPr/>
-          <a:lstStyle/>
-          <a:p>
-            <a:r>
-              <a:rPr lang="en-US" sz="4400" dirty="0">
-                <a:solidFill>
-                  <a:schemeClr val="tx1"/>
-                </a:solidFill>
-              </a:rPr>
-              <a:t>	Use cases</a:t>
-            </a:r>
-          </a:p>
-        </p:txBody>
-      </p:sp>
-    </p:spTree>
-    <p:extLst>
-      <p:ext uri="{BB962C8B-B14F-4D97-AF65-F5344CB8AC3E}">
-        <p14:creationId xmlns:p14="http://schemas.microsoft.com/office/powerpoint/2010/main" val="4241503172"/>
-      </p:ext>
-    </p:extLst>
-  </p:cSld>
-  <p:clrMapOvr>
-    <a:masterClrMapping/>
-  </p:clrMapOvr>
-  <p:transition/>
-</p:sld>
-</file>
-
-<file path=ppt/slides/slide13.xml><?xml version="1.0" encoding="utf-8"?>
 <p:sld xmlns:a="http://schemas.openxmlformats.org/drawingml/2006/main" xmlns:r="http://schemas.openxmlformats.org/officeDocument/2006/relationships" xmlns:p="http://schemas.openxmlformats.org/presentationml/2006/main">
   <p:cSld>
     <p:spTree>
@@ -9146,10 +8316,18 @@
             <a:spLocks noGrp="1"/>
           </p:cNvSpPr>
           <p:nvPr>
-            <p:ph type="sldNum" sz="quarter" idx="10"/>
+            <p:ph type="sldNum" sz="quarter" idx="4294967295"/>
           </p:nvPr>
         </p:nvSpPr>
-        <p:spPr/>
+        <p:spPr>
+          <a:xfrm>
+            <a:off x="8839200" y="6543675"/>
+            <a:ext cx="304800" cy="152400"/>
+          </a:xfrm>
+          <a:prstGeom prst="rect">
+            <a:avLst/>
+          </a:prstGeom>
+        </p:spPr>
         <p:txBody>
           <a:bodyPr/>
           <a:lstStyle/>
@@ -9166,7 +8344,7 @@
               <a:pPr>
                 <a:defRPr/>
               </a:pPr>
-              <a:t>13</a:t>
+              <a:t>12</a:t>
             </a:fld>
             <a:endParaRPr lang="en-US">
               <a:solidFill>
@@ -9300,7 +8478,7 @@
 </p:sld>
 </file>
 
-<file path=ppt/slides/slide14.xml><?xml version="1.0" encoding="utf-8"?>
+<file path=ppt/slides/slide13.xml><?xml version="1.0" encoding="utf-8"?>
 <p:sld xmlns:a="http://schemas.openxmlformats.org/drawingml/2006/main" xmlns:r="http://schemas.openxmlformats.org/officeDocument/2006/relationships" xmlns:p="http://schemas.openxmlformats.org/presentationml/2006/main">
   <p:cSld>
     <p:spTree>
@@ -9324,79 +8502,20 @@
             <a:spLocks noGrp="1"/>
           </p:cNvSpPr>
           <p:nvPr>
-            <p:ph type="title" idx="4294967295"/>
+            <p:ph type="ctrTitle"/>
           </p:nvPr>
         </p:nvSpPr>
         <p:spPr>
           <a:xfrm>
-            <a:off x="914400" y="2819400"/>
-            <a:ext cx="8229600" cy="611188"/>
+            <a:off x="609600" y="2514600"/>
+            <a:ext cx="7772400" cy="348724"/>
           </a:xfrm>
         </p:spPr>
         <p:txBody>
           <a:bodyPr/>
           <a:lstStyle/>
           <a:p>
-            <a:r>
-              <a:rPr lang="en-US" b="1" dirty="0"/>
-              <a:t>Questions??</a:t>
-            </a:r>
-          </a:p>
-        </p:txBody>
-      </p:sp>
-    </p:spTree>
-    <p:extLst>
-      <p:ext uri="{BB962C8B-B14F-4D97-AF65-F5344CB8AC3E}">
-        <p14:creationId xmlns:p14="http://schemas.microsoft.com/office/powerpoint/2010/main" val="2439205358"/>
-      </p:ext>
-    </p:extLst>
-  </p:cSld>
-  <p:clrMapOvr>
-    <a:masterClrMapping/>
-  </p:clrMapOvr>
-  <p:transition>
-    <p:fade/>
-  </p:transition>
-</p:sld>
-</file>
-
-<file path=ppt/slides/slide15.xml><?xml version="1.0" encoding="utf-8"?>
-<p:sld xmlns:a="http://schemas.openxmlformats.org/drawingml/2006/main" xmlns:r="http://schemas.openxmlformats.org/officeDocument/2006/relationships" xmlns:p="http://schemas.openxmlformats.org/presentationml/2006/main">
-  <p:cSld>
-    <p:spTree>
-      <p:nvGrpSpPr>
-        <p:cNvPr id="1" name=""/>
-        <p:cNvGrpSpPr/>
-        <p:nvPr/>
-      </p:nvGrpSpPr>
-      <p:grpSpPr>
-        <a:xfrm>
-          <a:off x="0" y="0"/>
-          <a:ext cx="0" cy="0"/>
-          <a:chOff x="0" y="0"/>
-          <a:chExt cx="0" cy="0"/>
-        </a:xfrm>
-      </p:grpSpPr>
-      <p:sp>
-        <p:nvSpPr>
-          <p:cNvPr id="2" name="Title 1"/>
-          <p:cNvSpPr>
-            <a:spLocks noGrp="1"/>
-          </p:cNvSpPr>
-          <p:nvPr>
-            <p:ph type="title"/>
-          </p:nvPr>
-        </p:nvSpPr>
-        <p:spPr>
-          <a:xfrm>
-            <a:off x="152400" y="2590800"/>
-            <a:ext cx="8229600" cy="611188"/>
-          </a:xfrm>
-        </p:spPr>
-        <p:txBody>
-          <a:bodyPr/>
-          <a:lstStyle/>
-          <a:p>
+            <a:pPr algn="ctr"/>
             <a:r>
               <a:rPr lang="en-US" b="1" dirty="0"/>
               <a:t>Thank You.</a:t>
@@ -9493,12 +8612,7 @@
             <p:ph idx="1"/>
           </p:nvPr>
         </p:nvSpPr>
-        <p:spPr>
-          <a:xfrm>
-            <a:off x="344055" y="1050636"/>
-            <a:ext cx="7981950" cy="5016500"/>
-          </a:xfrm>
-        </p:spPr>
+        <p:spPr/>
         <p:txBody>
           <a:bodyPr/>
           <a:lstStyle/>
@@ -9603,14 +8717,10 @@
             <a:spLocks noGrp="1"/>
           </p:cNvSpPr>
           <p:nvPr>
-            <p:ph type="title" idx="4294967295"/>
+            <p:ph type="title"/>
           </p:nvPr>
         </p:nvSpPr>
         <p:spPr>
-          <a:xfrm>
-            <a:off x="0" y="304800"/>
-            <a:ext cx="8229600" cy="838200"/>
-          </a:xfrm>
           <a:prstGeom prst="rect">
             <a:avLst/>
           </a:prstGeom>
@@ -9636,7 +8746,9 @@
   <p:clrMapOvr>
     <a:masterClrMapping/>
   </p:clrMapOvr>
-  <p:transition/>
+  <p:transition>
+    <p:fade/>
+  </p:transition>
 </p:sld>
 </file>
 
@@ -9659,6 +8771,97 @@
       </p:grpSpPr>
       <p:sp>
         <p:nvSpPr>
+          <p:cNvPr id="2" name="Content Placeholder 1"/>
+          <p:cNvSpPr>
+            <a:spLocks noGrp="1"/>
+          </p:cNvSpPr>
+          <p:nvPr>
+            <p:ph idx="1"/>
+          </p:nvPr>
+        </p:nvSpPr>
+        <p:spPr/>
+        <p:txBody>
+          <a:bodyPr numCol="2"/>
+          <a:lstStyle/>
+          <a:p>
+            <a:r>
+              <a:rPr lang="en-US" sz="1800" dirty="0"/>
+              <a:t>CA Devtest</a:t>
+            </a:r>
+          </a:p>
+          <a:p>
+            <a:r>
+              <a:rPr lang="en-US" sz="1800" dirty="0"/>
+              <a:t>IBM Rational Test Virtualization</a:t>
+            </a:r>
+          </a:p>
+          <a:p>
+            <a:r>
+              <a:rPr lang="en-US" sz="1800" dirty="0"/>
+              <a:t>Tricentis TOSCA </a:t>
+            </a:r>
+          </a:p>
+          <a:p>
+            <a:r>
+              <a:rPr lang="en-US" sz="1800" dirty="0"/>
+              <a:t>Parasoft Virtualize</a:t>
+            </a:r>
+          </a:p>
+          <a:p>
+            <a:r>
+              <a:rPr lang="en-US" sz="1800" dirty="0"/>
+              <a:t>Traffic Parrot</a:t>
+            </a:r>
+          </a:p>
+          <a:p>
+            <a:r>
+              <a:rPr lang="en-US" sz="1800" dirty="0"/>
+              <a:t>Mocking Bird</a:t>
+            </a:r>
+          </a:p>
+          <a:p>
+            <a:endParaRPr lang="en-US" sz="1800" dirty="0"/>
+          </a:p>
+          <a:p>
+            <a:pPr marL="0" indent="0">
+              <a:buNone/>
+            </a:pPr>
+            <a:r>
+              <a:rPr lang="en-US" sz="1800" dirty="0"/>
+              <a:t>Open Source Tools</a:t>
+            </a:r>
+          </a:p>
+          <a:p>
+            <a:r>
+              <a:rPr lang="en-US" sz="1800" dirty="0" err="1"/>
+              <a:t>HoverFly</a:t>
+            </a:r>
+            <a:endParaRPr lang="en-US" sz="1800" dirty="0"/>
+          </a:p>
+          <a:p>
+            <a:r>
+              <a:rPr lang="en-US" sz="1800" dirty="0" err="1"/>
+              <a:t>Wiremock</a:t>
+            </a:r>
+            <a:endParaRPr lang="en-US" sz="1800" dirty="0"/>
+          </a:p>
+          <a:p>
+            <a:r>
+              <a:rPr lang="en-US" sz="1800" dirty="0" err="1"/>
+              <a:t>Cirtus</a:t>
+            </a:r>
+            <a:r>
+              <a:rPr lang="en-US" sz="1800" dirty="0"/>
+              <a:t> Framework</a:t>
+            </a:r>
+          </a:p>
+          <a:p>
+            <a:endParaRPr lang="en-US" sz="1600" dirty="0"/>
+          </a:p>
+        </p:txBody>
+      </p:sp>
+      <p:sp>
+        <p:nvSpPr>
           <p:cNvPr id="3" name="Title 2"/>
           <p:cNvSpPr>
             <a:spLocks noGrp="1"/>
@@ -9667,12 +8870,7 @@
             <p:ph type="title"/>
           </p:nvPr>
         </p:nvSpPr>
-        <p:spPr>
-          <a:xfrm>
-            <a:off x="304800" y="304800"/>
-            <a:ext cx="8229600" cy="611188"/>
-          </a:xfrm>
-        </p:spPr>
+        <p:spPr/>
         <p:txBody>
           <a:bodyPr/>
           <a:lstStyle/>
@@ -9681,102 +8879,6 @@
               <a:rPr lang="en-US" b="1" dirty="0"/>
               <a:t>Various Service Virtualization Tool</a:t>
             </a:r>
-          </a:p>
-        </p:txBody>
-      </p:sp>
-      <p:sp>
-        <p:nvSpPr>
-          <p:cNvPr id="2" name="Content Placeholder 1"/>
-          <p:cNvSpPr>
-            <a:spLocks noGrp="1"/>
-          </p:cNvSpPr>
-          <p:nvPr>
-            <p:ph idx="1"/>
-          </p:nvPr>
-        </p:nvSpPr>
-        <p:spPr>
-          <a:xfrm>
-            <a:off x="381000" y="1295400"/>
-            <a:ext cx="8229600" cy="5120640"/>
-          </a:xfrm>
-        </p:spPr>
-        <p:txBody>
-          <a:bodyPr numCol="2"/>
-          <a:lstStyle/>
-          <a:p>
-            <a:r>
-              <a:rPr lang="en-US" sz="1800" dirty="0"/>
-              <a:t>CA Devtest</a:t>
-            </a:r>
-          </a:p>
-          <a:p>
-            <a:r>
-              <a:rPr lang="en-US" sz="1800" dirty="0"/>
-              <a:t>IBM Rational Test Virtualization</a:t>
-            </a:r>
-          </a:p>
-          <a:p>
-            <a:r>
-              <a:rPr lang="en-US" sz="1800" dirty="0"/>
-              <a:t>Tricentis TOSCA </a:t>
-            </a:r>
-          </a:p>
-          <a:p>
-            <a:r>
-              <a:rPr lang="en-US" sz="1800" dirty="0"/>
-              <a:t>Parasoft Virtualize</a:t>
-            </a:r>
-          </a:p>
-          <a:p>
-            <a:r>
-              <a:rPr lang="en-US" sz="1800" dirty="0"/>
-              <a:t>Traffic Parrot</a:t>
-            </a:r>
-          </a:p>
-          <a:p>
-            <a:r>
-              <a:rPr lang="en-US" sz="1800" dirty="0"/>
-              <a:t>Mocking Bird</a:t>
-            </a:r>
-          </a:p>
-          <a:p>
-            <a:endParaRPr lang="en-US" sz="1800" dirty="0"/>
-          </a:p>
-          <a:p>
-            <a:pPr marL="0" indent="0">
-              <a:buNone/>
-            </a:pPr>
-            <a:r>
-              <a:rPr lang="en-US" sz="1800" dirty="0"/>
-              <a:t>Open Source Tools</a:t>
-            </a:r>
-          </a:p>
-          <a:p>
-            <a:r>
-              <a:rPr lang="en-US" sz="1800" dirty="0" err="1"/>
-              <a:t>HoverFly</a:t>
-            </a:r>
-            <a:endParaRPr lang="en-US" sz="1800" dirty="0"/>
-          </a:p>
-          <a:p>
-            <a:r>
-              <a:rPr lang="en-US" sz="1800" dirty="0" err="1"/>
-              <a:t>Wiremock</a:t>
-            </a:r>
-            <a:endParaRPr lang="en-US" sz="1800" dirty="0"/>
-          </a:p>
-          <a:p>
-            <a:r>
-              <a:rPr lang="en-US" sz="1800" dirty="0" err="1"/>
-              <a:t>Cirtus</a:t>
-            </a:r>
-            <a:r>
-              <a:rPr lang="en-US" sz="1800" dirty="0"/>
-              <a:t> Framework</a:t>
-            </a:r>
-          </a:p>
-          <a:p>
-            <a:endParaRPr lang="en-US" sz="1600" dirty="0"/>
           </a:p>
         </p:txBody>
       </p:sp>
@@ -9823,12 +8925,7 @@
             <p:ph idx="1"/>
           </p:nvPr>
         </p:nvSpPr>
-        <p:spPr>
-          <a:xfrm>
-            <a:off x="685800" y="1371600"/>
-            <a:ext cx="7874000" cy="4229100"/>
-          </a:xfrm>
-        </p:spPr>
+        <p:spPr/>
         <p:txBody>
           <a:bodyPr/>
           <a:lstStyle/>
@@ -9889,31 +8986,38 @@
       </p:sp>
       <p:sp>
         <p:nvSpPr>
-          <p:cNvPr id="4" name="Text Placeholder 3"/>
+          <p:cNvPr id="2" name="Title 1">
+            <a:extLst>
+              <a:ext uri="{FF2B5EF4-FFF2-40B4-BE49-F238E27FC236}">
+                <a16:creationId xmlns:a16="http://schemas.microsoft.com/office/drawing/2014/main" id="{657E3319-5DE3-AE43-820B-89A6E746E7F9}"/>
+              </a:ext>
+            </a:extLst>
+          </p:cNvPr>
           <p:cNvSpPr>
             <a:spLocks noGrp="1"/>
           </p:cNvSpPr>
           <p:nvPr>
-            <p:ph type="body" sz="quarter" idx="12"/>
+            <p:ph type="title"/>
           </p:nvPr>
         </p:nvSpPr>
-        <p:spPr>
-          <a:xfrm>
-            <a:off x="1143000" y="533400"/>
-            <a:ext cx="6096000" cy="685800"/>
-          </a:xfrm>
-        </p:spPr>
+        <p:spPr/>
         <p:txBody>
-          <a:bodyPr/>
+          <a:bodyPr>
+            <a:normAutofit/>
+          </a:bodyPr>
           <a:lstStyle/>
           <a:p>
             <a:r>
-              <a:rPr lang="en-US" sz="4400" dirty="0">
-                <a:solidFill>
-                  <a:schemeClr val="tx1"/>
-                </a:solidFill>
-              </a:rPr>
-              <a:t>Why Mockiato?</a:t>
+              <a:rPr lang="en-US" dirty="0"/>
+              <a:t>Why </a:t>
+            </a:r>
+            <a:r>
+              <a:rPr lang="en-US" dirty="0" err="1"/>
+              <a:t>Mockiato</a:t>
+            </a:r>
+            <a:r>
+              <a:rPr lang="en-US" dirty="0"/>
+              <a:t>?</a:t>
             </a:r>
           </a:p>
         </p:txBody>
@@ -9925,10 +9029,17 @@
             <a:spLocks noGrp="1"/>
           </p:cNvSpPr>
           <p:nvPr>
-            <p:ph type="sldNum" sz="quarter" idx="13"/>
+            <p:ph type="sldNum" sz="quarter" idx="4294967295"/>
           </p:nvPr>
         </p:nvSpPr>
         <p:spPr>
+          <a:xfrm>
+            <a:off x="8899525" y="6600825"/>
+            <a:ext cx="244475" cy="241300"/>
+          </a:xfrm>
+          <a:prstGeom prst="rect">
+            <a:avLst/>
+          </a:prstGeom>
           <a:noFill/>
           <a:ln/>
           <a:extLst>
@@ -10094,7 +9205,9 @@
   <p:clrMapOvr>
     <a:masterClrMapping/>
   </p:clrMapOvr>
-  <p:transition/>
+  <p:transition>
+    <p:fade/>
+  </p:transition>
 </p:sld>
 </file>
 
@@ -10117,15 +9230,73 @@
       </p:grpSpPr>
       <p:sp>
         <p:nvSpPr>
+          <p:cNvPr id="16" name="Title 15">
+            <a:extLst>
+              <a:ext uri="{FF2B5EF4-FFF2-40B4-BE49-F238E27FC236}">
+                <a16:creationId xmlns:a16="http://schemas.microsoft.com/office/drawing/2014/main" id="{3B2086CF-F6D1-1847-B5C3-2990040A3381}"/>
+              </a:ext>
+            </a:extLst>
+          </p:cNvPr>
+          <p:cNvSpPr>
+            <a:spLocks noGrp="1"/>
+          </p:cNvSpPr>
+          <p:nvPr>
+            <p:ph type="ctrTitle"/>
+          </p:nvPr>
+        </p:nvSpPr>
+        <p:spPr/>
+        <p:txBody>
+          <a:bodyPr/>
+          <a:lstStyle/>
+          <a:p>
+            <a:endParaRPr lang="en-US"/>
+          </a:p>
+        </p:txBody>
+      </p:sp>
+      <p:sp>
+        <p:nvSpPr>
+          <p:cNvPr id="17" name="Subtitle 16">
+            <a:extLst>
+              <a:ext uri="{FF2B5EF4-FFF2-40B4-BE49-F238E27FC236}">
+                <a16:creationId xmlns:a16="http://schemas.microsoft.com/office/drawing/2014/main" id="{0D8CBCF2-CAE2-4345-BEE2-50B2A6949AAB}"/>
+              </a:ext>
+            </a:extLst>
+          </p:cNvPr>
+          <p:cNvSpPr>
+            <a:spLocks noGrp="1"/>
+          </p:cNvSpPr>
+          <p:nvPr>
+            <p:ph type="subTitle" idx="1"/>
+          </p:nvPr>
+        </p:nvSpPr>
+        <p:spPr/>
+        <p:txBody>
+          <a:bodyPr/>
+          <a:lstStyle/>
+          <a:p>
+            <a:endParaRPr lang="en-US"/>
+          </a:p>
+        </p:txBody>
+      </p:sp>
+      <p:sp>
+        <p:nvSpPr>
           <p:cNvPr id="2" name="Slide Number Placeholder 1"/>
           <p:cNvSpPr>
             <a:spLocks noGrp="1"/>
           </p:cNvSpPr>
           <p:nvPr>
-            <p:ph type="sldNum" sz="quarter" idx="10"/>
+            <p:ph type="sldNum" sz="quarter" idx="4294967295"/>
           </p:nvPr>
         </p:nvSpPr>
-        <p:spPr/>
+        <p:spPr>
+          <a:xfrm>
+            <a:off x="8839200" y="6543675"/>
+            <a:ext cx="304800" cy="152400"/>
+          </a:xfrm>
+          <a:prstGeom prst="rect">
+            <a:avLst/>
+          </a:prstGeom>
+        </p:spPr>
         <p:txBody>
           <a:bodyPr/>
           <a:lstStyle/>
@@ -11226,7 +10397,7 @@
     <p:controls>
       <mc:AlternateContent xmlns:mc="http://schemas.openxmlformats.org/markup-compatibility/2006">
         <mc:Choice xmlns:v="urn:schemas-microsoft-com:vml" Requires="v">
-          <p:control spid="1062" r:id="rId2" imgW="1371600" imgH="274320"/>
+          <p:control spid="1074" r:id="rId2" imgW="1371600" imgH="274320"/>
         </mc:Choice>
         <mc:Fallback>
           <p:control r:id="rId2" imgW="1371600" imgH="274320">
@@ -11295,7 +10466,7 @@
       </mc:AlternateContent>
       <mc:AlternateContent xmlns:mc="http://schemas.openxmlformats.org/markup-compatibility/2006">
         <mc:Choice xmlns:v="urn:schemas-microsoft-com:vml" Requires="v">
-          <p:control spid="1063" r:id="rId3" imgW="1371600" imgH="274320"/>
+          <p:control spid="1075" r:id="rId3" imgW="1371600" imgH="274320"/>
         </mc:Choice>
         <mc:Fallback>
           <p:control r:id="rId3" imgW="1371600" imgH="274320">
@@ -11364,7 +10535,7 @@
       </mc:AlternateContent>
       <mc:AlternateContent xmlns:mc="http://schemas.openxmlformats.org/markup-compatibility/2006">
         <mc:Choice xmlns:v="urn:schemas-microsoft-com:vml" Requires="v">
-          <p:control spid="1064" r:id="rId4" imgW="1371600" imgH="274320"/>
+          <p:control spid="1076" r:id="rId4" imgW="1371600" imgH="274320"/>
         </mc:Choice>
         <mc:Fallback>
           <p:control r:id="rId4" imgW="1371600" imgH="274320">
@@ -11433,7 +10604,7 @@
       </mc:AlternateContent>
       <mc:AlternateContent xmlns:mc="http://schemas.openxmlformats.org/markup-compatibility/2006">
         <mc:Choice xmlns:v="urn:schemas-microsoft-com:vml" Requires="v">
-          <p:control spid="1065" r:id="rId5" imgW="1371600" imgH="274320"/>
+          <p:control spid="1077" r:id="rId5" imgW="1371600" imgH="274320"/>
         </mc:Choice>
         <mc:Fallback>
           <p:control r:id="rId5" imgW="1371600" imgH="274320">
@@ -11502,7 +10673,7 @@
       </mc:AlternateContent>
       <mc:AlternateContent xmlns:mc="http://schemas.openxmlformats.org/markup-compatibility/2006">
         <mc:Choice xmlns:v="urn:schemas-microsoft-com:vml" Requires="v">
-          <p:control spid="1066" r:id="rId6" imgW="1371600" imgH="274320"/>
+          <p:control spid="1078" r:id="rId6" imgW="1371600" imgH="274320"/>
         </mc:Choice>
         <mc:Fallback>
           <p:control r:id="rId6" imgW="1371600" imgH="274320">
@@ -11571,7 +10742,7 @@
       </mc:AlternateContent>
       <mc:AlternateContent xmlns:mc="http://schemas.openxmlformats.org/markup-compatibility/2006">
         <mc:Choice xmlns:v="urn:schemas-microsoft-com:vml" Requires="v">
-          <p:control spid="1067" r:id="rId7" imgW="1371600" imgH="274320"/>
+          <p:control spid="1079" r:id="rId7" imgW="1371600" imgH="274320"/>
         </mc:Choice>
         <mc:Fallback>
           <p:control r:id="rId7" imgW="1371600" imgH="274320">
@@ -11640,7 +10811,7 @@
       </mc:AlternateContent>
       <mc:AlternateContent xmlns:mc="http://schemas.openxmlformats.org/markup-compatibility/2006">
         <mc:Choice xmlns:v="urn:schemas-microsoft-com:vml" Requires="v">
-          <p:control spid="1068" r:id="rId8" imgW="1371600" imgH="274320"/>
+          <p:control spid="1080" r:id="rId8" imgW="1371600" imgH="274320"/>
         </mc:Choice>
         <mc:Fallback>
           <p:control r:id="rId8" imgW="1371600" imgH="274320">
@@ -11709,7 +10880,7 @@
       </mc:AlternateContent>
       <mc:AlternateContent xmlns:mc="http://schemas.openxmlformats.org/markup-compatibility/2006">
         <mc:Choice xmlns:v="urn:schemas-microsoft-com:vml" Requires="v">
-          <p:control spid="1069" r:id="rId9" imgW="1371600" imgH="274320"/>
+          <p:control spid="1081" r:id="rId9" imgW="1371600" imgH="274320"/>
         </mc:Choice>
         <mc:Fallback>
           <p:control r:id="rId9" imgW="1371600" imgH="274320">
@@ -11778,7 +10949,7 @@
       </mc:AlternateContent>
       <mc:AlternateContent xmlns:mc="http://schemas.openxmlformats.org/markup-compatibility/2006">
         <mc:Choice xmlns:v="urn:schemas-microsoft-com:vml" Requires="v">
-          <p:control spid="1070" r:id="rId10" imgW="1371600" imgH="274320"/>
+          <p:control spid="1082" r:id="rId10" imgW="1371600" imgH="274320"/>
         </mc:Choice>
         <mc:Fallback>
           <p:control r:id="rId10" imgW="1371600" imgH="274320">
@@ -11847,7 +11018,7 @@
       </mc:AlternateContent>
       <mc:AlternateContent xmlns:mc="http://schemas.openxmlformats.org/markup-compatibility/2006">
         <mc:Choice xmlns:v="urn:schemas-microsoft-com:vml" Requires="v">
-          <p:control spid="1071" r:id="rId11" imgW="1371600" imgH="274320"/>
+          <p:control spid="1083" r:id="rId11" imgW="1371600" imgH="274320"/>
         </mc:Choice>
         <mc:Fallback>
           <p:control r:id="rId11" imgW="1371600" imgH="274320">
@@ -11916,7 +11087,7 @@
       </mc:AlternateContent>
       <mc:AlternateContent xmlns:mc="http://schemas.openxmlformats.org/markup-compatibility/2006">
         <mc:Choice xmlns:v="urn:schemas-microsoft-com:vml" Requires="v">
-          <p:control spid="1072" r:id="rId12" imgW="1371600" imgH="274320"/>
+          <p:control spid="1084" r:id="rId12" imgW="1371600" imgH="274320"/>
         </mc:Choice>
         <mc:Fallback>
           <p:control r:id="rId12" imgW="1371600" imgH="274320">
@@ -11985,7 +11156,7 @@
       </mc:AlternateContent>
       <mc:AlternateContent xmlns:mc="http://schemas.openxmlformats.org/markup-compatibility/2006">
         <mc:Choice xmlns:v="urn:schemas-microsoft-com:vml" Requires="v">
-          <p:control spid="1073" r:id="rId13" imgW="1371600" imgH="274320"/>
+          <p:control spid="1085" r:id="rId13" imgW="1371600" imgH="274320"/>
         </mc:Choice>
         <mc:Fallback>
           <p:control r:id="rId13" imgW="1371600" imgH="274320">
@@ -12097,8 +11268,8 @@
         </p:nvSpPr>
         <p:spPr>
           <a:xfrm>
-            <a:off x="628650" y="1308100"/>
-            <a:ext cx="8134350" cy="4229100"/>
+            <a:off x="457200" y="1524000"/>
+            <a:ext cx="8229600" cy="3821629"/>
           </a:xfrm>
         </p:spPr>
         <p:txBody>
@@ -12142,32 +11313,30 @@
       </p:sp>
       <p:sp>
         <p:nvSpPr>
-          <p:cNvPr id="3" name="Text Placeholder 2"/>
+          <p:cNvPr id="5" name="Title 4">
+            <a:extLst>
+              <a:ext uri="{FF2B5EF4-FFF2-40B4-BE49-F238E27FC236}">
+                <a16:creationId xmlns:a16="http://schemas.microsoft.com/office/drawing/2014/main" id="{9A0B78D8-534D-5A4D-8D61-77D0068B4F15}"/>
+              </a:ext>
+            </a:extLst>
+          </p:cNvPr>
           <p:cNvSpPr>
             <a:spLocks noGrp="1"/>
           </p:cNvSpPr>
           <p:nvPr>
-            <p:ph type="body" sz="quarter" idx="12"/>
+            <p:ph type="title"/>
           </p:nvPr>
         </p:nvSpPr>
-        <p:spPr>
-          <a:xfrm>
-            <a:off x="685800" y="381000"/>
-            <a:ext cx="6096000" cy="685800"/>
-          </a:xfrm>
-        </p:spPr>
+        <p:spPr/>
         <p:txBody>
           <a:bodyPr/>
           <a:lstStyle/>
           <a:p>
             <a:r>
-              <a:rPr lang="en-US" sz="4400" dirty="0">
-                <a:solidFill>
-                  <a:schemeClr val="tx1"/>
-                </a:solidFill>
-              </a:rPr>
+              <a:rPr lang="en-US" dirty="0" err="1"/>
               <a:t>Mockiato</a:t>
             </a:r>
+            <a:endParaRPr lang="en-US" dirty="0"/>
           </a:p>
         </p:txBody>
       </p:sp>
@@ -12181,7 +11350,9 @@
   <p:clrMapOvr>
     <a:masterClrMapping/>
   </p:clrMapOvr>
-  <p:transition/>
+  <p:transition>
+    <p:fade/>
+  </p:transition>
 </p:sld>
 </file>
 
@@ -12214,8 +11385,8 @@
         </p:nvSpPr>
         <p:spPr>
           <a:xfrm>
-            <a:off x="609600" y="1905000"/>
-            <a:ext cx="7874000" cy="4229100"/>
+            <a:off x="457199" y="1525884"/>
+            <a:ext cx="8229600" cy="4189116"/>
           </a:xfrm>
         </p:spPr>
         <p:txBody>
@@ -12228,58 +11399,28 @@
             </a:r>
           </a:p>
           <a:p>
-            <a:pPr marL="0" indent="0">
-              <a:buNone/>
-            </a:pPr>
-            <a:endParaRPr lang="en-US" sz="1800" dirty="0"/>
-          </a:p>
-          <a:p>
             <a:r>
               <a:rPr lang="en-US" sz="1800" dirty="0"/>
               <a:t>Bulk Upload</a:t>
             </a:r>
           </a:p>
           <a:p>
-            <a:pPr marL="0" indent="0">
-              <a:buNone/>
-            </a:pPr>
-            <a:endParaRPr lang="en-US" sz="1800" dirty="0"/>
-          </a:p>
-          <a:p>
             <a:r>
               <a:rPr lang="en-US" sz="1800" dirty="0"/>
               <a:t>Open API</a:t>
             </a:r>
           </a:p>
           <a:p>
-            <a:pPr marL="0" indent="0">
-              <a:buNone/>
-            </a:pPr>
-            <a:endParaRPr lang="en-US" sz="1800" dirty="0"/>
-          </a:p>
-          <a:p>
             <a:r>
               <a:rPr lang="en-US" sz="1800" dirty="0"/>
               <a:t>WSDL</a:t>
             </a:r>
           </a:p>
           <a:p>
-            <a:pPr marL="0" indent="0">
-              <a:buNone/>
-            </a:pPr>
-            <a:endParaRPr lang="en-US" sz="1800" dirty="0"/>
-          </a:p>
-          <a:p>
             <a:r>
               <a:rPr lang="en-US" sz="1800" dirty="0"/>
               <a:t>Recording</a:t>
             </a:r>
-          </a:p>
-          <a:p>
-            <a:pPr marL="0" indent="0">
-              <a:buNone/>
-            </a:pPr>
-            <a:endParaRPr lang="en-US" sz="1800" dirty="0"/>
           </a:p>
           <a:p>
             <a:r>
@@ -12294,42 +11435,36 @@
       </p:sp>
       <p:sp>
         <p:nvSpPr>
-          <p:cNvPr id="10" name="Text Placeholder 9"/>
+          <p:cNvPr id="4" name="Title 3">
+            <a:extLst>
+              <a:ext uri="{FF2B5EF4-FFF2-40B4-BE49-F238E27FC236}">
+                <a16:creationId xmlns:a16="http://schemas.microsoft.com/office/drawing/2014/main" id="{CF9973AC-83A0-DE43-ADE7-32D0BCA35FF3}"/>
+              </a:ext>
+            </a:extLst>
+          </p:cNvPr>
           <p:cNvSpPr>
             <a:spLocks noGrp="1"/>
           </p:cNvSpPr>
           <p:nvPr>
-            <p:ph type="body" sz="quarter" idx="12"/>
+            <p:ph type="title"/>
           </p:nvPr>
         </p:nvSpPr>
-        <p:spPr>
-          <a:xfrm>
-            <a:off x="152400" y="228600"/>
-            <a:ext cx="8534400" cy="1447800"/>
-          </a:xfrm>
-        </p:spPr>
+        <p:spPr/>
         <p:txBody>
-          <a:bodyPr/>
+          <a:bodyPr>
+            <a:normAutofit/>
+          </a:bodyPr>
           <a:lstStyle/>
           <a:p>
             <a:r>
-              <a:rPr lang="en-US" sz="4400" dirty="0">
-                <a:solidFill>
-                  <a:schemeClr val="tx1"/>
-                </a:solidFill>
-              </a:rPr>
-              <a:t>Various Sources For creating Virtual   		</a:t>
-            </a:r>
-          </a:p>
-          <a:p>
-            <a:r>
-              <a:rPr lang="en-US" sz="4400" dirty="0">
-                <a:solidFill>
-                  <a:schemeClr val="tx1"/>
-                </a:solidFill>
-              </a:rPr>
-              <a:t>		Service In Mockiato</a:t>
-            </a:r>
+              <a:rPr lang="en-US" dirty="0"/>
+              <a:t>Various Sources For creating Virtual Service In </a:t>
+            </a:r>
+            <a:r>
+              <a:rPr lang="en-US" dirty="0" err="1"/>
+              <a:t>Mockiato</a:t>
+            </a:r>
+            <a:endParaRPr lang="en-US" dirty="0"/>
           </a:p>
         </p:txBody>
       </p:sp>
@@ -12365,6 +11500,75 @@
       </p:grpSpPr>
       <p:sp>
         <p:nvSpPr>
+          <p:cNvPr id="3" name="Content Placeholder 2"/>
+          <p:cNvSpPr>
+            <a:spLocks noGrp="1"/>
+          </p:cNvSpPr>
+          <p:nvPr>
+            <p:ph idx="1"/>
+          </p:nvPr>
+        </p:nvSpPr>
+        <p:spPr/>
+        <p:txBody>
+          <a:bodyPr/>
+          <a:lstStyle/>
+          <a:p>
+            <a:r>
+              <a:rPr lang="en-US" sz="1800" dirty="0"/>
+              <a:t>Groups in Mockiato help different teams segregate their Virtual Services</a:t>
+            </a:r>
+          </a:p>
+          <a:p>
+            <a:r>
+              <a:rPr lang="en-US" sz="1800" dirty="0"/>
+              <a:t>Members of a group are only allowed to modify services under their group.</a:t>
+            </a:r>
+          </a:p>
+          <a:p>
+            <a:r>
+              <a:rPr lang="en-US" sz="1800" dirty="0"/>
+              <a:t>Groups can be categorized as:</a:t>
+            </a:r>
+          </a:p>
+          <a:p>
+            <a:pPr lvl="1">
+              <a:buFont typeface="Wingdings" panose="05000000000000000000" pitchFamily="2" charset="2"/>
+              <a:buChar char="Ø"/>
+            </a:pPr>
+            <a:r>
+              <a:rPr lang="en-US" sz="1800" dirty="0"/>
+              <a:t>General Groups – Group used for virtual service calls that are executed using the Mockiato URL as the endpoint.</a:t>
+            </a:r>
+          </a:p>
+          <a:p>
+            <a:pPr lvl="1">
+              <a:buFont typeface="Wingdings" panose="05000000000000000000" pitchFamily="2" charset="2"/>
+              <a:buChar char="Ø"/>
+            </a:pPr>
+            <a:r>
+              <a:rPr lang="en-US" sz="1800" dirty="0"/>
+              <a:t>Domain Groups – Group used by EEPS/EAIP domains for virtual service calls that are executed using a proxy or frontend aggregate service that redirects via API Engine Console config setting to Mockiato virtual backend services.</a:t>
+            </a:r>
+          </a:p>
+          <a:p>
+            <a:pPr marL="347472" lvl="1" indent="0">
+              <a:buNone/>
+            </a:pPr>
+            <a:endParaRPr lang="en-US" sz="1800" dirty="0"/>
+          </a:p>
+          <a:p>
+            <a:r>
+              <a:rPr lang="en-US" sz="1800" dirty="0"/>
+              <a:t>We have Admin tab for Creating a New Group, Deleting an existing Group and Adding/Removing Members to a Group.</a:t>
+            </a:r>
+          </a:p>
+          <a:p>
+            <a:endParaRPr lang="en-US" dirty="0"/>
+          </a:p>
+        </p:txBody>
+      </p:sp>
+      <p:sp>
+        <p:nvSpPr>
           <p:cNvPr id="2" name="Title 1"/>
           <p:cNvSpPr>
             <a:spLocks noGrp="1"/>
@@ -12373,12 +11577,7 @@
             <p:ph type="title"/>
           </p:nvPr>
         </p:nvSpPr>
-        <p:spPr>
-          <a:xfrm>
-            <a:off x="228600" y="304800"/>
-            <a:ext cx="8229600" cy="611188"/>
-          </a:xfrm>
-        </p:spPr>
+        <p:spPr/>
         <p:txBody>
           <a:bodyPr/>
           <a:lstStyle/>
@@ -12387,89 +11586,6 @@
               <a:rPr lang="en-US" b="1" dirty="0"/>
               <a:t>Groups &amp; Admin</a:t>
             </a:r>
-          </a:p>
-        </p:txBody>
-      </p:sp>
-      <p:sp>
-        <p:nvSpPr>
-          <p:cNvPr id="3" name="Content Placeholder 2"/>
-          <p:cNvSpPr>
-            <a:spLocks noGrp="1"/>
-          </p:cNvSpPr>
-          <p:nvPr>
-            <p:ph idx="1"/>
-          </p:nvPr>
-        </p:nvSpPr>
-        <p:spPr>
-          <a:xfrm>
-            <a:off x="381000" y="1219200"/>
-            <a:ext cx="8229600" cy="5120640"/>
-          </a:xfrm>
-        </p:spPr>
-        <p:txBody>
-          <a:bodyPr/>
-          <a:lstStyle/>
-          <a:p>
-            <a:r>
-              <a:rPr lang="en-US" sz="1800" dirty="0"/>
-              <a:t>Groups in Mockiato help different teams segregate their Virtual Services</a:t>
-            </a:r>
-          </a:p>
-          <a:p>
-            <a:endParaRPr lang="en-US" sz="1800" dirty="0"/>
-          </a:p>
-          <a:p>
-            <a:r>
-              <a:rPr lang="en-US" sz="1800" dirty="0"/>
-              <a:t>Members of a group are only allowed to modify services under their group.</a:t>
-            </a:r>
-          </a:p>
-          <a:p>
-            <a:pPr marL="0" indent="0">
-              <a:buNone/>
-            </a:pPr>
-            <a:endParaRPr lang="en-US" sz="1800" dirty="0"/>
-          </a:p>
-          <a:p>
-            <a:r>
-              <a:rPr lang="en-US" sz="1800" dirty="0"/>
-              <a:t>Groups can be categorized as:</a:t>
-            </a:r>
-          </a:p>
-          <a:p>
-            <a:pPr lvl="1">
-              <a:buFont typeface="Wingdings" panose="05000000000000000000" pitchFamily="2" charset="2"/>
-              <a:buChar char="Ø"/>
-            </a:pPr>
-            <a:r>
-              <a:rPr lang="en-US" sz="1800" dirty="0"/>
-              <a:t>General Groups – Group used for virtual service calls that are executed using the Mockiato URL as the endpoint.</a:t>
-            </a:r>
-          </a:p>
-          <a:p>
-            <a:pPr lvl="1">
-              <a:buFont typeface="Wingdings" panose="05000000000000000000" pitchFamily="2" charset="2"/>
-              <a:buChar char="Ø"/>
-            </a:pPr>
-            <a:r>
-              <a:rPr lang="en-US" sz="1800" dirty="0"/>
-              <a:t>Domain Groups – Group used by EEPS/EAIP domains for virtual service calls that are executed using a proxy or frontend aggregate service that redirects via API Engine Console config setting to Mockiato virtual backend services.</a:t>
-            </a:r>
-          </a:p>
-          <a:p>
-            <a:pPr marL="347472" lvl="1" indent="0">
-              <a:buNone/>
-            </a:pPr>
-            <a:endParaRPr lang="en-US" sz="1800" dirty="0"/>
-          </a:p>
-          <a:p>
-            <a:r>
-              <a:rPr lang="en-US" sz="1800" dirty="0"/>
-              <a:t>We have Admin tab for Creating a New Group, Deleting an existing Group and Adding/Removing Members to a Group.</a:t>
-            </a:r>
-          </a:p>
-          <a:p>
-            <a:endParaRPr lang="en-US" dirty="0"/>
           </a:p>
         </p:txBody>
       </p:sp>
@@ -12516,12 +11632,7 @@
             <p:ph idx="1"/>
           </p:nvPr>
         </p:nvSpPr>
-        <p:spPr>
-          <a:xfrm>
-            <a:off x="609600" y="1524000"/>
-            <a:ext cx="7874000" cy="4229100"/>
-          </a:xfrm>
-        </p:spPr>
+        <p:spPr/>
         <p:txBody>
           <a:bodyPr/>
           <a:lstStyle/>
@@ -12590,30 +11701,29 @@
       </p:sp>
       <p:sp>
         <p:nvSpPr>
-          <p:cNvPr id="5" name="Text Placeholder 4"/>
+          <p:cNvPr id="2" name="Title 1">
+            <a:extLst>
+              <a:ext uri="{FF2B5EF4-FFF2-40B4-BE49-F238E27FC236}">
+                <a16:creationId xmlns:a16="http://schemas.microsoft.com/office/drawing/2014/main" id="{B0692089-DA93-AE45-BDDF-88DF40E69CA3}"/>
+              </a:ext>
+            </a:extLst>
+          </p:cNvPr>
           <p:cNvSpPr>
             <a:spLocks noGrp="1"/>
           </p:cNvSpPr>
           <p:nvPr>
-            <p:ph type="body" sz="quarter" idx="12"/>
+            <p:ph type="title"/>
           </p:nvPr>
         </p:nvSpPr>
-        <p:spPr>
-          <a:xfrm>
-            <a:off x="1295400" y="533400"/>
-            <a:ext cx="6096000" cy="685800"/>
-          </a:xfrm>
-        </p:spPr>
+        <p:spPr/>
         <p:txBody>
-          <a:bodyPr/>
+          <a:bodyPr>
+            <a:normAutofit/>
+          </a:bodyPr>
           <a:lstStyle/>
           <a:p>
             <a:r>
-              <a:rPr lang="en-US" sz="4400" dirty="0">
-                <a:solidFill>
-                  <a:schemeClr val="tx1"/>
-                </a:solidFill>
-              </a:rPr>
+              <a:rPr lang="en-US" dirty="0"/>
               <a:t>Match Templates</a:t>
             </a:r>
           </a:p>
@@ -12629,296 +11739,13 @@
   <p:clrMapOvr>
     <a:masterClrMapping/>
   </p:clrMapOvr>
-  <p:transition/>
+  <p:transition>
+    <p:fade/>
+  </p:transition>
 </p:sld>
 </file>
 
 <file path=ppt/theme/theme1.xml><?xml version="1.0" encoding="utf-8"?>
-<a:theme xmlns:a="http://schemas.openxmlformats.org/drawingml/2006/main" name="ISU MIS Club Overview Optum and Service Virtualization PPT_2016 DJC">
-  <a:themeElements>
-    <a:clrScheme name="Office">
-      <a:dk1>
-        <a:sysClr val="windowText" lastClr="000000"/>
-      </a:dk1>
-      <a:lt1>
-        <a:sysClr val="window" lastClr="FFFFFF"/>
-      </a:lt1>
-      <a:dk2>
-        <a:srgbClr val="1F497D"/>
-      </a:dk2>
-      <a:lt2>
-        <a:srgbClr val="EEECE1"/>
-      </a:lt2>
-      <a:accent1>
-        <a:srgbClr val="4F81BD"/>
-      </a:accent1>
-      <a:accent2>
-        <a:srgbClr val="C0504D"/>
-      </a:accent2>
-      <a:accent3>
-        <a:srgbClr val="9BBB59"/>
-      </a:accent3>
-      <a:accent4>
-        <a:srgbClr val="8064A2"/>
-      </a:accent4>
-      <a:accent5>
-        <a:srgbClr val="4BACC6"/>
-      </a:accent5>
-      <a:accent6>
-        <a:srgbClr val="F79646"/>
-      </a:accent6>
-      <a:hlink>
-        <a:srgbClr val="0000FF"/>
-      </a:hlink>
-      <a:folHlink>
-        <a:srgbClr val="800080"/>
-      </a:folHlink>
-    </a:clrScheme>
-    <a:fontScheme name="Office">
-      <a:majorFont>
-        <a:latin typeface="Calibri"/>
-        <a:ea typeface=""/>
-        <a:cs typeface=""/>
-        <a:font script="Jpan" typeface="ＭＳ Ｐゴシック"/>
-        <a:font script="Hang" typeface="맑은 고딕"/>
-        <a:font script="Hans" typeface="宋体"/>
-        <a:font script="Hant" typeface="新細明體"/>
-        <a:font script="Arab" typeface="Times New Roman"/>
-        <a:font script="Hebr" typeface="Times New Roman"/>
-        <a:font script="Thai" typeface="Angsana New"/>
-        <a:font script="Ethi" typeface="Nyala"/>
-        <a:font script="Beng" typeface="Vrinda"/>
-        <a:font script="Gujr" typeface="Shruti"/>
-        <a:font script="Khmr" typeface="MoolBoran"/>
-        <a:font script="Knda" typeface="Tunga"/>
-        <a:font script="Guru" typeface="Raavi"/>
-        <a:font script="Cans" typeface="Euphemia"/>
-        <a:font script="Cher" typeface="Plantagenet Cherokee"/>
-        <a:font script="Yiii" typeface="Microsoft Yi Baiti"/>
-        <a:font script="Tibt" typeface="Microsoft Himalaya"/>
-        <a:font script="Thaa" typeface="MV Boli"/>
-        <a:font script="Deva" typeface="Mangal"/>
-        <a:font script="Telu" typeface="Gautami"/>
-        <a:font script="Taml" typeface="Latha"/>
-        <a:font script="Syrc" typeface="Estrangelo Edessa"/>
-        <a:font script="Orya" typeface="Kalinga"/>
-        <a:font script="Mlym" typeface="Kartika"/>
-        <a:font script="Laoo" typeface="DokChampa"/>
-        <a:font script="Sinh" typeface="Iskoola Pota"/>
-        <a:font script="Mong" typeface="Mongolian Baiti"/>
-        <a:font script="Viet" typeface="Times New Roman"/>
-        <a:font script="Uigh" typeface="Microsoft Uighur"/>
-        <a:font script="Geor" typeface="Sylfaen"/>
-      </a:majorFont>
-      <a:minorFont>
-        <a:latin typeface="Calibri"/>
-        <a:ea typeface=""/>
-        <a:cs typeface=""/>
-        <a:font script="Jpan" typeface="ＭＳ Ｐゴシック"/>
-        <a:font script="Hang" typeface="맑은 고딕"/>
-        <a:font script="Hans" typeface="宋体"/>
-        <a:font script="Hant" typeface="新細明體"/>
-        <a:font script="Arab" typeface="Arial"/>
-        <a:font script="Hebr" typeface="Arial"/>
-        <a:font script="Thai" typeface="Cordia New"/>
-        <a:font script="Ethi" typeface="Nyala"/>
-        <a:font script="Beng" typeface="Vrinda"/>
-        <a:font script="Gujr" typeface="Shruti"/>
-        <a:font script="Khmr" typeface="DaunPenh"/>
-        <a:font script="Knda" typeface="Tunga"/>
-        <a:font script="Guru" typeface="Raavi"/>
-        <a:font script="Cans" typeface="Euphemia"/>
-        <a:font script="Cher" typeface="Plantagenet Cherokee"/>
-        <a:font script="Yiii" typeface="Microsoft Yi Baiti"/>
-        <a:font script="Tibt" typeface="Microsoft Himalaya"/>
-        <a:font script="Thaa" typeface="MV Boli"/>
-        <a:font script="Deva" typeface="Mangal"/>
-        <a:font script="Telu" typeface="Gautami"/>
-        <a:font script="Taml" typeface="Latha"/>
-        <a:font script="Syrc" typeface="Estrangelo Edessa"/>
-        <a:font script="Orya" typeface="Kalinga"/>
-        <a:font script="Mlym" typeface="Kartika"/>
-        <a:font script="Laoo" typeface="DokChampa"/>
-        <a:font script="Sinh" typeface="Iskoola Pota"/>
-        <a:font script="Mong" typeface="Mongolian Baiti"/>
-        <a:font script="Viet" typeface="Arial"/>
-        <a:font script="Uigh" typeface="Microsoft Uighur"/>
-        <a:font script="Geor" typeface="Sylfaen"/>
-      </a:minorFont>
-    </a:fontScheme>
-    <a:fmtScheme name="Office">
-      <a:fillStyleLst>
-        <a:solidFill>
-          <a:schemeClr val="phClr"/>
-        </a:solidFill>
-        <a:gradFill rotWithShape="1">
-          <a:gsLst>
-            <a:gs pos="0">
-              <a:schemeClr val="phClr">
-                <a:tint val="50000"/>
-                <a:satMod val="300000"/>
-              </a:schemeClr>
-            </a:gs>
-            <a:gs pos="35000">
-              <a:schemeClr val="phClr">
-                <a:tint val="37000"/>
-                <a:satMod val="300000"/>
-              </a:schemeClr>
-            </a:gs>
-            <a:gs pos="100000">
-              <a:schemeClr val="phClr">
-                <a:tint val="15000"/>
-                <a:satMod val="350000"/>
-              </a:schemeClr>
-            </a:gs>
-          </a:gsLst>
-          <a:lin ang="16200000" scaled="1"/>
-        </a:gradFill>
-        <a:gradFill rotWithShape="1">
-          <a:gsLst>
-            <a:gs pos="0">
-              <a:schemeClr val="phClr">
-                <a:shade val="51000"/>
-                <a:satMod val="130000"/>
-              </a:schemeClr>
-            </a:gs>
-            <a:gs pos="80000">
-              <a:schemeClr val="phClr">
-                <a:shade val="93000"/>
-                <a:satMod val="130000"/>
-              </a:schemeClr>
-            </a:gs>
-            <a:gs pos="100000">
-              <a:schemeClr val="phClr">
-                <a:shade val="94000"/>
-                <a:satMod val="135000"/>
-              </a:schemeClr>
-            </a:gs>
-          </a:gsLst>
-          <a:lin ang="16200000" scaled="0"/>
-        </a:gradFill>
-      </a:fillStyleLst>
-      <a:lnStyleLst>
-        <a:ln w="9525" cap="flat" cmpd="sng" algn="ctr">
-          <a:solidFill>
-            <a:schemeClr val="phClr">
-              <a:shade val="95000"/>
-              <a:satMod val="105000"/>
-            </a:schemeClr>
-          </a:solidFill>
-          <a:prstDash val="solid"/>
-        </a:ln>
-        <a:ln w="25400" cap="flat" cmpd="sng" algn="ctr">
-          <a:solidFill>
-            <a:schemeClr val="phClr"/>
-          </a:solidFill>
-          <a:prstDash val="solid"/>
-        </a:ln>
-        <a:ln w="38100" cap="flat" cmpd="sng" algn="ctr">
-          <a:solidFill>
-            <a:schemeClr val="phClr"/>
-          </a:solidFill>
-          <a:prstDash val="solid"/>
-        </a:ln>
-      </a:lnStyleLst>
-      <a:effectStyleLst>
-        <a:effectStyle>
-          <a:effectLst>
-            <a:outerShdw blurRad="40000" dist="20000" dir="5400000" rotWithShape="0">
-              <a:srgbClr val="000000">
-                <a:alpha val="38000"/>
-              </a:srgbClr>
-            </a:outerShdw>
-          </a:effectLst>
-        </a:effectStyle>
-        <a:effectStyle>
-          <a:effectLst>
-            <a:outerShdw blurRad="40000" dist="23000" dir="5400000" rotWithShape="0">
-              <a:srgbClr val="000000">
-                <a:alpha val="35000"/>
-              </a:srgbClr>
-            </a:outerShdw>
-          </a:effectLst>
-        </a:effectStyle>
-        <a:effectStyle>
-          <a:effectLst>
-            <a:outerShdw blurRad="40000" dist="23000" dir="5400000" rotWithShape="0">
-              <a:srgbClr val="000000">
-                <a:alpha val="35000"/>
-              </a:srgbClr>
-            </a:outerShdw>
-          </a:effectLst>
-          <a:scene3d>
-            <a:camera prst="orthographicFront">
-              <a:rot lat="0" lon="0" rev="0"/>
-            </a:camera>
-            <a:lightRig rig="threePt" dir="t">
-              <a:rot lat="0" lon="0" rev="1200000"/>
-            </a:lightRig>
-          </a:scene3d>
-          <a:sp3d>
-            <a:bevelT w="63500" h="25400"/>
-          </a:sp3d>
-        </a:effectStyle>
-      </a:effectStyleLst>
-      <a:bgFillStyleLst>
-        <a:solidFill>
-          <a:schemeClr val="phClr"/>
-        </a:solidFill>
-        <a:gradFill rotWithShape="1">
-          <a:gsLst>
-            <a:gs pos="0">
-              <a:schemeClr val="phClr">
-                <a:tint val="40000"/>
-                <a:satMod val="350000"/>
-              </a:schemeClr>
-            </a:gs>
-            <a:gs pos="40000">
-              <a:schemeClr val="phClr">
-                <a:tint val="45000"/>
-                <a:shade val="99000"/>
-                <a:satMod val="350000"/>
-              </a:schemeClr>
-            </a:gs>
-            <a:gs pos="100000">
-              <a:schemeClr val="phClr">
-                <a:shade val="20000"/>
-                <a:satMod val="255000"/>
-              </a:schemeClr>
-            </a:gs>
-          </a:gsLst>
-          <a:path path="circle">
-            <a:fillToRect l="50000" t="-80000" r="50000" b="180000"/>
-          </a:path>
-        </a:gradFill>
-        <a:gradFill rotWithShape="1">
-          <a:gsLst>
-            <a:gs pos="0">
-              <a:schemeClr val="phClr">
-                <a:tint val="80000"/>
-                <a:satMod val="300000"/>
-              </a:schemeClr>
-            </a:gs>
-            <a:gs pos="100000">
-              <a:schemeClr val="phClr">
-                <a:shade val="30000"/>
-                <a:satMod val="200000"/>
-              </a:schemeClr>
-            </a:gs>
-          </a:gsLst>
-          <a:path path="circle">
-            <a:fillToRect l="50000" t="50000" r="50000" b="50000"/>
-          </a:path>
-        </a:gradFill>
-      </a:bgFillStyleLst>
-    </a:fmtScheme>
-  </a:themeElements>
-  <a:objectDefaults/>
-  <a:extraClrSchemeLst/>
-</a:theme>
-</file>
-
-<file path=ppt/theme/theme2.xml><?xml version="1.0" encoding="utf-8"?>
 <a:theme xmlns:a="http://schemas.openxmlformats.org/drawingml/2006/main" name="2_Main">
   <a:themeElements>
     <a:clrScheme name="Main 1">
@@ -13330,7 +12157,7 @@
 </a:theme>
 </file>
 
-<file path=ppt/theme/theme3.xml><?xml version="1.0" encoding="utf-8"?>
+<file path=ppt/theme/theme2.xml><?xml version="1.0" encoding="utf-8"?>
 <a:theme xmlns:a="http://schemas.openxmlformats.org/drawingml/2006/main" name="3_Optum">
   <a:themeElements>
     <a:clrScheme name="Optum Ted">
@@ -13635,6 +12462,291 @@
 </a:theme>
 </file>
 
+<file path=ppt/theme/theme3.xml><?xml version="1.0" encoding="utf-8"?>
+<a:theme xmlns:a="http://schemas.openxmlformats.org/drawingml/2006/main" name="Office Theme">
+  <a:themeElements>
+    <a:clrScheme name="Office">
+      <a:dk1>
+        <a:sysClr val="windowText" lastClr="000000"/>
+      </a:dk1>
+      <a:lt1>
+        <a:sysClr val="window" lastClr="FFFFFF"/>
+      </a:lt1>
+      <a:dk2>
+        <a:srgbClr val="1F497D"/>
+      </a:dk2>
+      <a:lt2>
+        <a:srgbClr val="EEECE1"/>
+      </a:lt2>
+      <a:accent1>
+        <a:srgbClr val="4F81BD"/>
+      </a:accent1>
+      <a:accent2>
+        <a:srgbClr val="C0504D"/>
+      </a:accent2>
+      <a:accent3>
+        <a:srgbClr val="9BBB59"/>
+      </a:accent3>
+      <a:accent4>
+        <a:srgbClr val="8064A2"/>
+      </a:accent4>
+      <a:accent5>
+        <a:srgbClr val="4BACC6"/>
+      </a:accent5>
+      <a:accent6>
+        <a:srgbClr val="F79646"/>
+      </a:accent6>
+      <a:hlink>
+        <a:srgbClr val="0000FF"/>
+      </a:hlink>
+      <a:folHlink>
+        <a:srgbClr val="800080"/>
+      </a:folHlink>
+    </a:clrScheme>
+    <a:fontScheme name="Office">
+      <a:majorFont>
+        <a:latin typeface="Calibri"/>
+        <a:ea typeface=""/>
+        <a:cs typeface=""/>
+        <a:font script="Jpan" typeface="ＭＳ Ｐゴシック"/>
+        <a:font script="Hang" typeface="맑은 고딕"/>
+        <a:font script="Hans" typeface="宋体"/>
+        <a:font script="Hant" typeface="新細明體"/>
+        <a:font script="Arab" typeface="Times New Roman"/>
+        <a:font script="Hebr" typeface="Times New Roman"/>
+        <a:font script="Thai" typeface="Angsana New"/>
+        <a:font script="Ethi" typeface="Nyala"/>
+        <a:font script="Beng" typeface="Vrinda"/>
+        <a:font script="Gujr" typeface="Shruti"/>
+        <a:font script="Khmr" typeface="MoolBoran"/>
+        <a:font script="Knda" typeface="Tunga"/>
+        <a:font script="Guru" typeface="Raavi"/>
+        <a:font script="Cans" typeface="Euphemia"/>
+        <a:font script="Cher" typeface="Plantagenet Cherokee"/>
+        <a:font script="Yiii" typeface="Microsoft Yi Baiti"/>
+        <a:font script="Tibt" typeface="Microsoft Himalaya"/>
+        <a:font script="Thaa" typeface="MV Boli"/>
+        <a:font script="Deva" typeface="Mangal"/>
+        <a:font script="Telu" typeface="Gautami"/>
+        <a:font script="Taml" typeface="Latha"/>
+        <a:font script="Syrc" typeface="Estrangelo Edessa"/>
+        <a:font script="Orya" typeface="Kalinga"/>
+        <a:font script="Mlym" typeface="Kartika"/>
+        <a:font script="Laoo" typeface="DokChampa"/>
+        <a:font script="Sinh" typeface="Iskoola Pota"/>
+        <a:font script="Mong" typeface="Mongolian Baiti"/>
+        <a:font script="Viet" typeface="Times New Roman"/>
+        <a:font script="Uigh" typeface="Microsoft Uighur"/>
+        <a:font script="Geor" typeface="Sylfaen"/>
+      </a:majorFont>
+      <a:minorFont>
+        <a:latin typeface="Calibri"/>
+        <a:ea typeface=""/>
+        <a:cs typeface=""/>
+        <a:font script="Jpan" typeface="ＭＳ Ｐゴシック"/>
+        <a:font script="Hang" typeface="맑은 고딕"/>
+        <a:font script="Hans" typeface="宋体"/>
+        <a:font script="Hant" typeface="新細明體"/>
+        <a:font script="Arab" typeface="Arial"/>
+        <a:font script="Hebr" typeface="Arial"/>
+        <a:font script="Thai" typeface="Cordia New"/>
+        <a:font script="Ethi" typeface="Nyala"/>
+        <a:font script="Beng" typeface="Vrinda"/>
+        <a:font script="Gujr" typeface="Shruti"/>
+        <a:font script="Khmr" typeface="DaunPenh"/>
+        <a:font script="Knda" typeface="Tunga"/>
+        <a:font script="Guru" typeface="Raavi"/>
+        <a:font script="Cans" typeface="Euphemia"/>
+        <a:font script="Cher" typeface="Plantagenet Cherokee"/>
+        <a:font script="Yiii" typeface="Microsoft Yi Baiti"/>
+        <a:font script="Tibt" typeface="Microsoft Himalaya"/>
+        <a:font script="Thaa" typeface="MV Boli"/>
+        <a:font script="Deva" typeface="Mangal"/>
+        <a:font script="Telu" typeface="Gautami"/>
+        <a:font script="Taml" typeface="Latha"/>
+        <a:font script="Syrc" typeface="Estrangelo Edessa"/>
+        <a:font script="Orya" typeface="Kalinga"/>
+        <a:font script="Mlym" typeface="Kartika"/>
+        <a:font script="Laoo" typeface="DokChampa"/>
+        <a:font script="Sinh" typeface="Iskoola Pota"/>
+        <a:font script="Mong" typeface="Mongolian Baiti"/>
+        <a:font script="Viet" typeface="Arial"/>
+        <a:font script="Uigh" typeface="Microsoft Uighur"/>
+        <a:font script="Geor" typeface="Sylfaen"/>
+      </a:minorFont>
+    </a:fontScheme>
+    <a:fmtScheme name="Office">
+      <a:fillStyleLst>
+        <a:solidFill>
+          <a:schemeClr val="phClr"/>
+        </a:solidFill>
+        <a:gradFill rotWithShape="1">
+          <a:gsLst>
+            <a:gs pos="0">
+              <a:schemeClr val="phClr">
+                <a:tint val="50000"/>
+                <a:satMod val="300000"/>
+              </a:schemeClr>
+            </a:gs>
+            <a:gs pos="35000">
+              <a:schemeClr val="phClr">
+                <a:tint val="37000"/>
+                <a:satMod val="300000"/>
+              </a:schemeClr>
+            </a:gs>
+            <a:gs pos="100000">
+              <a:schemeClr val="phClr">
+                <a:tint val="15000"/>
+                <a:satMod val="350000"/>
+              </a:schemeClr>
+            </a:gs>
+          </a:gsLst>
+          <a:lin ang="16200000" scaled="1"/>
+        </a:gradFill>
+        <a:gradFill rotWithShape="1">
+          <a:gsLst>
+            <a:gs pos="0">
+              <a:schemeClr val="phClr">
+                <a:shade val="51000"/>
+                <a:satMod val="130000"/>
+              </a:schemeClr>
+            </a:gs>
+            <a:gs pos="80000">
+              <a:schemeClr val="phClr">
+                <a:shade val="93000"/>
+                <a:satMod val="130000"/>
+              </a:schemeClr>
+            </a:gs>
+            <a:gs pos="100000">
+              <a:schemeClr val="phClr">
+                <a:shade val="94000"/>
+                <a:satMod val="135000"/>
+              </a:schemeClr>
+            </a:gs>
+          </a:gsLst>
+          <a:lin ang="16200000" scaled="0"/>
+        </a:gradFill>
+      </a:fillStyleLst>
+      <a:lnStyleLst>
+        <a:ln w="9525" cap="flat" cmpd="sng" algn="ctr">
+          <a:solidFill>
+            <a:schemeClr val="phClr">
+              <a:shade val="95000"/>
+              <a:satMod val="105000"/>
+            </a:schemeClr>
+          </a:solidFill>
+          <a:prstDash val="solid"/>
+        </a:ln>
+        <a:ln w="25400" cap="flat" cmpd="sng" algn="ctr">
+          <a:solidFill>
+            <a:schemeClr val="phClr"/>
+          </a:solidFill>
+          <a:prstDash val="solid"/>
+        </a:ln>
+        <a:ln w="38100" cap="flat" cmpd="sng" algn="ctr">
+          <a:solidFill>
+            <a:schemeClr val="phClr"/>
+          </a:solidFill>
+          <a:prstDash val="solid"/>
+        </a:ln>
+      </a:lnStyleLst>
+      <a:effectStyleLst>
+        <a:effectStyle>
+          <a:effectLst>
+            <a:outerShdw blurRad="40000" dist="20000" dir="5400000" rotWithShape="0">
+              <a:srgbClr val="000000">
+                <a:alpha val="38000"/>
+              </a:srgbClr>
+            </a:outerShdw>
+          </a:effectLst>
+        </a:effectStyle>
+        <a:effectStyle>
+          <a:effectLst>
+            <a:outerShdw blurRad="40000" dist="23000" dir="5400000" rotWithShape="0">
+              <a:srgbClr val="000000">
+                <a:alpha val="35000"/>
+              </a:srgbClr>
+            </a:outerShdw>
+          </a:effectLst>
+        </a:effectStyle>
+        <a:effectStyle>
+          <a:effectLst>
+            <a:outerShdw blurRad="40000" dist="23000" dir="5400000" rotWithShape="0">
+              <a:srgbClr val="000000">
+                <a:alpha val="35000"/>
+              </a:srgbClr>
+            </a:outerShdw>
+          </a:effectLst>
+          <a:scene3d>
+            <a:camera prst="orthographicFront">
+              <a:rot lat="0" lon="0" rev="0"/>
+            </a:camera>
+            <a:lightRig rig="threePt" dir="t">
+              <a:rot lat="0" lon="0" rev="1200000"/>
+            </a:lightRig>
+          </a:scene3d>
+          <a:sp3d>
+            <a:bevelT w="63500" h="25400"/>
+          </a:sp3d>
+        </a:effectStyle>
+      </a:effectStyleLst>
+      <a:bgFillStyleLst>
+        <a:solidFill>
+          <a:schemeClr val="phClr"/>
+        </a:solidFill>
+        <a:gradFill rotWithShape="1">
+          <a:gsLst>
+            <a:gs pos="0">
+              <a:schemeClr val="phClr">
+                <a:tint val="40000"/>
+                <a:satMod val="350000"/>
+              </a:schemeClr>
+            </a:gs>
+            <a:gs pos="40000">
+              <a:schemeClr val="phClr">
+                <a:tint val="45000"/>
+                <a:shade val="99000"/>
+                <a:satMod val="350000"/>
+              </a:schemeClr>
+            </a:gs>
+            <a:gs pos="100000">
+              <a:schemeClr val="phClr">
+                <a:shade val="20000"/>
+                <a:satMod val="255000"/>
+              </a:schemeClr>
+            </a:gs>
+          </a:gsLst>
+          <a:path path="circle">
+            <a:fillToRect l="50000" t="-80000" r="50000" b="180000"/>
+          </a:path>
+        </a:gradFill>
+        <a:gradFill rotWithShape="1">
+          <a:gsLst>
+            <a:gs pos="0">
+              <a:schemeClr val="phClr">
+                <a:tint val="80000"/>
+                <a:satMod val="300000"/>
+              </a:schemeClr>
+            </a:gs>
+            <a:gs pos="100000">
+              <a:schemeClr val="phClr">
+                <a:shade val="30000"/>
+                <a:satMod val="200000"/>
+              </a:schemeClr>
+            </a:gs>
+          </a:gsLst>
+          <a:path path="circle">
+            <a:fillToRect l="50000" t="50000" r="50000" b="50000"/>
+          </a:path>
+        </a:gradFill>
+      </a:bgFillStyleLst>
+    </a:fmtScheme>
+  </a:themeElements>
+  <a:objectDefaults/>
+  <a:extraClrSchemeLst/>
+</a:theme>
+</file>
+
 <file path=ppt/theme/theme4.xml><?xml version="1.0" encoding="utf-8"?>
 <a:theme xmlns:a="http://schemas.openxmlformats.org/drawingml/2006/main" name="Office Theme">
   <a:themeElements>
@@ -13920,292 +13032,12 @@
 </a:theme>
 </file>
 
-<file path=ppt/theme/theme5.xml><?xml version="1.0" encoding="utf-8"?>
-<a:theme xmlns:a="http://schemas.openxmlformats.org/drawingml/2006/main" name="Office Theme">
-  <a:themeElements>
-    <a:clrScheme name="Office">
-      <a:dk1>
-        <a:sysClr val="windowText" lastClr="000000"/>
-      </a:dk1>
-      <a:lt1>
-        <a:sysClr val="window" lastClr="FFFFFF"/>
-      </a:lt1>
-      <a:dk2>
-        <a:srgbClr val="1F497D"/>
-      </a:dk2>
-      <a:lt2>
-        <a:srgbClr val="EEECE1"/>
-      </a:lt2>
-      <a:accent1>
-        <a:srgbClr val="4F81BD"/>
-      </a:accent1>
-      <a:accent2>
-        <a:srgbClr val="C0504D"/>
-      </a:accent2>
-      <a:accent3>
-        <a:srgbClr val="9BBB59"/>
-      </a:accent3>
-      <a:accent4>
-        <a:srgbClr val="8064A2"/>
-      </a:accent4>
-      <a:accent5>
-        <a:srgbClr val="4BACC6"/>
-      </a:accent5>
-      <a:accent6>
-        <a:srgbClr val="F79646"/>
-      </a:accent6>
-      <a:hlink>
-        <a:srgbClr val="0000FF"/>
-      </a:hlink>
-      <a:folHlink>
-        <a:srgbClr val="800080"/>
-      </a:folHlink>
-    </a:clrScheme>
-    <a:fontScheme name="Office">
-      <a:majorFont>
-        <a:latin typeface="Calibri"/>
-        <a:ea typeface=""/>
-        <a:cs typeface=""/>
-        <a:font script="Jpan" typeface="ＭＳ Ｐゴシック"/>
-        <a:font script="Hang" typeface="맑은 고딕"/>
-        <a:font script="Hans" typeface="宋体"/>
-        <a:font script="Hant" typeface="新細明體"/>
-        <a:font script="Arab" typeface="Times New Roman"/>
-        <a:font script="Hebr" typeface="Times New Roman"/>
-        <a:font script="Thai" typeface="Angsana New"/>
-        <a:font script="Ethi" typeface="Nyala"/>
-        <a:font script="Beng" typeface="Vrinda"/>
-        <a:font script="Gujr" typeface="Shruti"/>
-        <a:font script="Khmr" typeface="MoolBoran"/>
-        <a:font script="Knda" typeface="Tunga"/>
-        <a:font script="Guru" typeface="Raavi"/>
-        <a:font script="Cans" typeface="Euphemia"/>
-        <a:font script="Cher" typeface="Plantagenet Cherokee"/>
-        <a:font script="Yiii" typeface="Microsoft Yi Baiti"/>
-        <a:font script="Tibt" typeface="Microsoft Himalaya"/>
-        <a:font script="Thaa" typeface="MV Boli"/>
-        <a:font script="Deva" typeface="Mangal"/>
-        <a:font script="Telu" typeface="Gautami"/>
-        <a:font script="Taml" typeface="Latha"/>
-        <a:font script="Syrc" typeface="Estrangelo Edessa"/>
-        <a:font script="Orya" typeface="Kalinga"/>
-        <a:font script="Mlym" typeface="Kartika"/>
-        <a:font script="Laoo" typeface="DokChampa"/>
-        <a:font script="Sinh" typeface="Iskoola Pota"/>
-        <a:font script="Mong" typeface="Mongolian Baiti"/>
-        <a:font script="Viet" typeface="Times New Roman"/>
-        <a:font script="Uigh" typeface="Microsoft Uighur"/>
-        <a:font script="Geor" typeface="Sylfaen"/>
-      </a:majorFont>
-      <a:minorFont>
-        <a:latin typeface="Calibri"/>
-        <a:ea typeface=""/>
-        <a:cs typeface=""/>
-        <a:font script="Jpan" typeface="ＭＳ Ｐゴシック"/>
-        <a:font script="Hang" typeface="맑은 고딕"/>
-        <a:font script="Hans" typeface="宋体"/>
-        <a:font script="Hant" typeface="新細明體"/>
-        <a:font script="Arab" typeface="Arial"/>
-        <a:font script="Hebr" typeface="Arial"/>
-        <a:font script="Thai" typeface="Cordia New"/>
-        <a:font script="Ethi" typeface="Nyala"/>
-        <a:font script="Beng" typeface="Vrinda"/>
-        <a:font script="Gujr" typeface="Shruti"/>
-        <a:font script="Khmr" typeface="DaunPenh"/>
-        <a:font script="Knda" typeface="Tunga"/>
-        <a:font script="Guru" typeface="Raavi"/>
-        <a:font script="Cans" typeface="Euphemia"/>
-        <a:font script="Cher" typeface="Plantagenet Cherokee"/>
-        <a:font script="Yiii" typeface="Microsoft Yi Baiti"/>
-        <a:font script="Tibt" typeface="Microsoft Himalaya"/>
-        <a:font script="Thaa" typeface="MV Boli"/>
-        <a:font script="Deva" typeface="Mangal"/>
-        <a:font script="Telu" typeface="Gautami"/>
-        <a:font script="Taml" typeface="Latha"/>
-        <a:font script="Syrc" typeface="Estrangelo Edessa"/>
-        <a:font script="Orya" typeface="Kalinga"/>
-        <a:font script="Mlym" typeface="Kartika"/>
-        <a:font script="Laoo" typeface="DokChampa"/>
-        <a:font script="Sinh" typeface="Iskoola Pota"/>
-        <a:font script="Mong" typeface="Mongolian Baiti"/>
-        <a:font script="Viet" typeface="Arial"/>
-        <a:font script="Uigh" typeface="Microsoft Uighur"/>
-        <a:font script="Geor" typeface="Sylfaen"/>
-      </a:minorFont>
-    </a:fontScheme>
-    <a:fmtScheme name="Office">
-      <a:fillStyleLst>
-        <a:solidFill>
-          <a:schemeClr val="phClr"/>
-        </a:solidFill>
-        <a:gradFill rotWithShape="1">
-          <a:gsLst>
-            <a:gs pos="0">
-              <a:schemeClr val="phClr">
-                <a:tint val="50000"/>
-                <a:satMod val="300000"/>
-              </a:schemeClr>
-            </a:gs>
-            <a:gs pos="35000">
-              <a:schemeClr val="phClr">
-                <a:tint val="37000"/>
-                <a:satMod val="300000"/>
-              </a:schemeClr>
-            </a:gs>
-            <a:gs pos="100000">
-              <a:schemeClr val="phClr">
-                <a:tint val="15000"/>
-                <a:satMod val="350000"/>
-              </a:schemeClr>
-            </a:gs>
-          </a:gsLst>
-          <a:lin ang="16200000" scaled="1"/>
-        </a:gradFill>
-        <a:gradFill rotWithShape="1">
-          <a:gsLst>
-            <a:gs pos="0">
-              <a:schemeClr val="phClr">
-                <a:shade val="51000"/>
-                <a:satMod val="130000"/>
-              </a:schemeClr>
-            </a:gs>
-            <a:gs pos="80000">
-              <a:schemeClr val="phClr">
-                <a:shade val="93000"/>
-                <a:satMod val="130000"/>
-              </a:schemeClr>
-            </a:gs>
-            <a:gs pos="100000">
-              <a:schemeClr val="phClr">
-                <a:shade val="94000"/>
-                <a:satMod val="135000"/>
-              </a:schemeClr>
-            </a:gs>
-          </a:gsLst>
-          <a:lin ang="16200000" scaled="0"/>
-        </a:gradFill>
-      </a:fillStyleLst>
-      <a:lnStyleLst>
-        <a:ln w="9525" cap="flat" cmpd="sng" algn="ctr">
-          <a:solidFill>
-            <a:schemeClr val="phClr">
-              <a:shade val="95000"/>
-              <a:satMod val="105000"/>
-            </a:schemeClr>
-          </a:solidFill>
-          <a:prstDash val="solid"/>
-        </a:ln>
-        <a:ln w="25400" cap="flat" cmpd="sng" algn="ctr">
-          <a:solidFill>
-            <a:schemeClr val="phClr"/>
-          </a:solidFill>
-          <a:prstDash val="solid"/>
-        </a:ln>
-        <a:ln w="38100" cap="flat" cmpd="sng" algn="ctr">
-          <a:solidFill>
-            <a:schemeClr val="phClr"/>
-          </a:solidFill>
-          <a:prstDash val="solid"/>
-        </a:ln>
-      </a:lnStyleLst>
-      <a:effectStyleLst>
-        <a:effectStyle>
-          <a:effectLst>
-            <a:outerShdw blurRad="40000" dist="20000" dir="5400000" rotWithShape="0">
-              <a:srgbClr val="000000">
-                <a:alpha val="38000"/>
-              </a:srgbClr>
-            </a:outerShdw>
-          </a:effectLst>
-        </a:effectStyle>
-        <a:effectStyle>
-          <a:effectLst>
-            <a:outerShdw blurRad="40000" dist="23000" dir="5400000" rotWithShape="0">
-              <a:srgbClr val="000000">
-                <a:alpha val="35000"/>
-              </a:srgbClr>
-            </a:outerShdw>
-          </a:effectLst>
-        </a:effectStyle>
-        <a:effectStyle>
-          <a:effectLst>
-            <a:outerShdw blurRad="40000" dist="23000" dir="5400000" rotWithShape="0">
-              <a:srgbClr val="000000">
-                <a:alpha val="35000"/>
-              </a:srgbClr>
-            </a:outerShdw>
-          </a:effectLst>
-          <a:scene3d>
-            <a:camera prst="orthographicFront">
-              <a:rot lat="0" lon="0" rev="0"/>
-            </a:camera>
-            <a:lightRig rig="threePt" dir="t">
-              <a:rot lat="0" lon="0" rev="1200000"/>
-            </a:lightRig>
-          </a:scene3d>
-          <a:sp3d>
-            <a:bevelT w="63500" h="25400"/>
-          </a:sp3d>
-        </a:effectStyle>
-      </a:effectStyleLst>
-      <a:bgFillStyleLst>
-        <a:solidFill>
-          <a:schemeClr val="phClr"/>
-        </a:solidFill>
-        <a:gradFill rotWithShape="1">
-          <a:gsLst>
-            <a:gs pos="0">
-              <a:schemeClr val="phClr">
-                <a:tint val="40000"/>
-                <a:satMod val="350000"/>
-              </a:schemeClr>
-            </a:gs>
-            <a:gs pos="40000">
-              <a:schemeClr val="phClr">
-                <a:tint val="45000"/>
-                <a:shade val="99000"/>
-                <a:satMod val="350000"/>
-              </a:schemeClr>
-            </a:gs>
-            <a:gs pos="100000">
-              <a:schemeClr val="phClr">
-                <a:shade val="20000"/>
-                <a:satMod val="255000"/>
-              </a:schemeClr>
-            </a:gs>
-          </a:gsLst>
-          <a:path path="circle">
-            <a:fillToRect l="50000" t="-80000" r="50000" b="180000"/>
-          </a:path>
-        </a:gradFill>
-        <a:gradFill rotWithShape="1">
-          <a:gsLst>
-            <a:gs pos="0">
-              <a:schemeClr val="phClr">
-                <a:tint val="80000"/>
-                <a:satMod val="300000"/>
-              </a:schemeClr>
-            </a:gs>
-            <a:gs pos="100000">
-              <a:schemeClr val="phClr">
-                <a:shade val="30000"/>
-                <a:satMod val="200000"/>
-              </a:schemeClr>
-            </a:gs>
-          </a:gsLst>
-          <a:path path="circle">
-            <a:fillToRect l="50000" t="50000" r="50000" b="50000"/>
-          </a:path>
-        </a:gradFill>
-      </a:bgFillStyleLst>
-    </a:fmtScheme>
-  </a:themeElements>
-  <a:objectDefaults/>
-  <a:extraClrSchemeLst/>
-</a:theme>
+<file path=customXml/item1.xml><?xml version="1.0" encoding="utf-8"?>
+<?mso-contentType ?>
+<SharedContentType xmlns="Microsoft.SharePoint.Taxonomy.ContentTypeSync" SourceId="fdf5619e-40eb-4dc4-9ea8-6d642bef26e9" ContentTypeId="0x0101" PreviousValue="false"/>
 </file>
 
-<file path=customXml/item1.xml><?xml version="1.0" encoding="utf-8"?>
+<file path=customXml/item2.xml><?xml version="1.0" encoding="utf-8"?>
 <p:properties xmlns:p="http://schemas.microsoft.com/office/2006/metadata/properties" xmlns:xsi="http://www.w3.org/2001/XMLSchema-instance">
   <documentManagement>
     <CWRMItemRecordData xmlns="50d812ec-4068-48ae-bb74-1c953610d40a" xsi:nil="true"/>
@@ -14217,12 +13049,176 @@
 </p:properties>
 </file>
 
-<file path=customXml/item2.xml><?xml version="1.0" encoding="utf-8"?>
+<file path=customXml/item3.xml><?xml version="1.0" encoding="utf-8"?>
 <?mso-contentType ?>
-<SharedContentType xmlns="Microsoft.SharePoint.Taxonomy.ContentTypeSync" SourceId="fdf5619e-40eb-4dc4-9ea8-6d642bef26e9" ContentTypeId="0x0101" PreviousValue="false"/>
+<FormTemplates xmlns="http://schemas.microsoft.com/sharepoint/v3/contenttype/forms">
+  <Display>DocumentLibraryForm</Display>
+  <Edit>DocumentLibraryForm</Edit>
+  <New>DocumentLibraryForm</New>
+</FormTemplates>
 </file>
 
-<file path=customXml/item3.xml><?xml version="1.0" encoding="utf-8"?>
+<file path=customXml/item4.xml><?xml version="1.0" encoding="utf-8"?>
+<?mso-contentType ?>
+<spe:Receivers xmlns:spe="http://schemas.microsoft.com/sharepoint/events">
+  <Receiver>
+    <Name>Collabware CLM Item Unique ID</Name>
+    <Synchronization>Synchronous</Synchronization>
+    <Type>1</Type>
+    <SequenceNumber>1</SequenceNumber>
+    <Url/>
+    <Assembly>Collabware.SharePoint.RecordsManagement, Version=1.0.0.0, Culture=neutral, PublicKeyToken=801662d3f2b71412</Assembly>
+    <Class>Collabware.SharePoint.RecordsManagement.ItemUniqueIdContentTypeReceiver</Class>
+    <Data/>
+    <Filter/>
+  </Receiver>
+  <Receiver>
+    <Name>Collabware CLM Item Unique ID</Name>
+    <Synchronization>Synchronous</Synchronization>
+    <Type>10002</Type>
+    <SequenceNumber>10500</SequenceNumber>
+    <Url/>
+    <Assembly>Collabware.SharePoint.RecordsManagement, Version=1.0.0.0, Culture=neutral, PublicKeyToken=801662d3f2b71412</Assembly>
+    <Class>Collabware.SharePoint.RecordsManagement.ItemUniqueIdContentTypeReceiver</Class>
+    <Data/>
+    <Filter/>
+  </Receiver>
+  <Receiver>
+    <Name>Collabware CLM Item Unique ID</Name>
+    <Synchronization>Synchronous</Synchronization>
+    <Type>10004</Type>
+    <SequenceNumber>10501</SequenceNumber>
+    <Url/>
+    <Assembly>Collabware.SharePoint.RecordsManagement, Version=1.0.0.0, Culture=neutral, PublicKeyToken=801662d3f2b71412</Assembly>
+    <Class>Collabware.SharePoint.RecordsManagement.ItemUniqueIdContentTypeReceiver</Class>
+    <Data/>
+    <Filter/>
+  </Receiver>
+  <Receiver>
+    <Name>Collabware CLM Item Unique ID</Name>
+    <Synchronization>Synchronous</Synchronization>
+    <Type>10006</Type>
+    <SequenceNumber>10502</SequenceNumber>
+    <Url/>
+    <Assembly>Collabware.SharePoint.RecordsManagement, Version=1.0.0.0, Culture=neutral, PublicKeyToken=801662d3f2b71412</Assembly>
+    <Class>Collabware.SharePoint.RecordsManagement.ItemUniqueIdContentTypeReceiver</Class>
+    <Data/>
+    <Filter/>
+  </Receiver>
+  <Receiver>
+    <Name>Collabware CLM Item Processing</Name>
+    <Synchronization>Synchronous</Synchronization>
+    <Type>10001</Type>
+    <SequenceNumber>12000</SequenceNumber>
+    <Url/>
+    <Assembly>Collabware.SharePoint.RecordsManagement, Version=1.0.0.0, Culture=neutral, PublicKeyToken=801662d3f2b71412</Assembly>
+    <Class>Collabware.SharePoint.RecordsManagement.ItemProcessingContentTypeReceiver</Class>
+    <Data/>
+    <Filter/>
+  </Receiver>
+  <Receiver>
+    <Name>Collabware CLM Item Processing</Name>
+    <Synchronization>Asynchronous</Synchronization>
+    <Type>10002</Type>
+    <SequenceNumber>12001</SequenceNumber>
+    <Url/>
+    <Assembly>Collabware.SharePoint.RecordsManagement, Version=1.0.0.0, Culture=neutral, PublicKeyToken=801662d3f2b71412</Assembly>
+    <Class>Collabware.SharePoint.RecordsManagement.ItemProcessingContentTypeReceiver</Class>
+    <Data/>
+    <Filter/>
+  </Receiver>
+  <Receiver>
+    <Name>Collabware CLM Item Processing</Name>
+    <Synchronization>Asynchronous</Synchronization>
+    <Type>10004</Type>
+    <SequenceNumber>12002</SequenceNumber>
+    <Url/>
+    <Assembly>Collabware.SharePoint.RecordsManagement, Version=1.0.0.0, Culture=neutral, PublicKeyToken=801662d3f2b71412</Assembly>
+    <Class>Collabware.SharePoint.RecordsManagement.ItemProcessingContentTypeReceiver</Class>
+    <Data/>
+    <Filter/>
+  </Receiver>
+  <Receiver>
+    <Name>Collabware CLM Item Audit</Name>
+    <Synchronization>Asynchronous</Synchronization>
+    <Type>10001</Type>
+    <SequenceNumber>11000</SequenceNumber>
+    <Url/>
+    <Assembly>Collabware.SharePoint.RecordsManagement, Version=1.0.0.0, Culture=neutral, PublicKeyToken=801662d3f2b71412</Assembly>
+    <Class>Collabware.SharePoint.RecordsManagement.ItemAuditContentTypeReceiver</Class>
+    <Data/>
+    <Filter/>
+  </Receiver>
+  <Receiver>
+    <Name>Collabware CLM Item Audit</Name>
+    <Synchronization>Asynchronous</Synchronization>
+    <Type>10002</Type>
+    <SequenceNumber>11001</SequenceNumber>
+    <Url/>
+    <Assembly>Collabware.SharePoint.RecordsManagement, Version=1.0.0.0, Culture=neutral, PublicKeyToken=801662d3f2b71412</Assembly>
+    <Class>Collabware.SharePoint.RecordsManagement.ItemAuditContentTypeReceiver</Class>
+    <Data/>
+    <Filter/>
+  </Receiver>
+  <Receiver>
+    <Name>Collabware CLM Item Audit</Name>
+    <Synchronization>Asynchronous</Synchronization>
+    <Type>10005</Type>
+    <SequenceNumber>11002</SequenceNumber>
+    <Url/>
+    <Assembly>Collabware.SharePoint.RecordsManagement, Version=1.0.0.0, Culture=neutral, PublicKeyToken=801662d3f2b71412</Assembly>
+    <Class>Collabware.SharePoint.RecordsManagement.ItemAuditContentTypeReceiver</Class>
+    <Data/>
+    <Filter/>
+  </Receiver>
+  <Receiver>
+    <Name>Collabware CLM Item Audit</Name>
+    <Synchronization>Asynchronous</Synchronization>
+    <Type>10006</Type>
+    <SequenceNumber>11003</SequenceNumber>
+    <Url/>
+    <Assembly>Collabware.SharePoint.RecordsManagement, Version=1.0.0.0, Culture=neutral, PublicKeyToken=801662d3f2b71412</Assembly>
+    <Class>Collabware.SharePoint.RecordsManagement.ItemAuditContentTypeReceiver</Class>
+    <Data/>
+    <Filter/>
+  </Receiver>
+  <Receiver>
+    <Name>Collabware CLM Item Audit</Name>
+    <Synchronization>Asynchronous</Synchronization>
+    <Type>10004</Type>
+    <SequenceNumber>11004</SequenceNumber>
+    <Url/>
+    <Assembly>Collabware.SharePoint.RecordsManagement, Version=1.0.0.0, Culture=neutral, PublicKeyToken=801662d3f2b71412</Assembly>
+    <Class>Collabware.SharePoint.RecordsManagement.ItemAuditContentTypeReceiver</Class>
+    <Data/>
+    <Filter/>
+  </Receiver>
+  <Receiver>
+    <Name>Collabware CLM Item Audit</Name>
+    <Synchronization>Synchronous</Synchronization>
+    <Type>3</Type>
+    <SequenceNumber>11005</SequenceNumber>
+    <Url/>
+    <Assembly>Collabware.SharePoint.RecordsManagement, Version=1.0.0.0, Culture=neutral, PublicKeyToken=801662d3f2b71412</Assembly>
+    <Class>Collabware.SharePoint.RecordsManagement.ItemAuditContentTypeReceiver</Class>
+    <Data/>
+    <Filter/>
+  </Receiver>
+  <Receiver>
+    <Name>Collabware CLM Item Security</Name>
+    <Synchronization>Asynchronous</Synchronization>
+    <Type>10002</Type>
+    <SequenceNumber>13000</SequenceNumber>
+    <Url/>
+    <Assembly>Collabware.SharePoint.RecordsManagement, Version=1.0.0.0, Culture=neutral, PublicKeyToken=801662d3f2b71412</Assembly>
+    <Class>Collabware.SharePoint.RecordsManagement.ItemSecurityContentTypeReceiver</Class>
+    <Data/>
+    <Filter/>
+  </Receiver>
+</spe:Receivers>
+</file>
+
+<file path=customXml/item5.xml><?xml version="1.0" encoding="utf-8"?>
 <ct:contentTypeSchema xmlns:ct="http://schemas.microsoft.com/office/2006/metadata/contentType" xmlns:ma="http://schemas.microsoft.com/office/2006/metadata/properties/metaAttributes" ct:_="" ma:_="" ma:contentTypeName="Document" ma:contentTypeID="0x01010063E78FBA2947C14E845687A5712E26CA" ma:contentTypeVersion="0" ma:contentTypeDescription="Create a new document." ma:contentTypeScope="" ma:versionID="710abaed3d07c8fe6a4644bbfd0e89f0">
   <xsd:schema xmlns:xsd="http://www.w3.org/2001/XMLSchema" xmlns:xs="http://www.w3.org/2001/XMLSchema" xmlns:p="http://schemas.microsoft.com/office/2006/metadata/properties" xmlns:ns2="c5b5009f-843b-44ad-8459-261282077631" xmlns:ns3="50d812ec-4068-48ae-bb74-1c953610d40a" targetNamespace="http://schemas.microsoft.com/office/2006/metadata/properties" ma:root="true" ma:fieldsID="3924a07c1a161bc44ceb3920ce4ff2ca" ns2:_="" ns3:_="">
     <xsd:import namespace="c5b5009f-843b-44ad-8459-261282077631"/>
@@ -14446,176 +13442,15 @@
 </ct:contentTypeSchema>
 </file>
 
-<file path=customXml/item4.xml><?xml version="1.0" encoding="utf-8"?>
-<?mso-contentType ?>
-<spe:Receivers xmlns:spe="http://schemas.microsoft.com/sharepoint/events">
-  <Receiver>
-    <Name>Collabware CLM Item Unique ID</Name>
-    <Synchronization>Synchronous</Synchronization>
-    <Type>1</Type>
-    <SequenceNumber>1</SequenceNumber>
-    <Url/>
-    <Assembly>Collabware.SharePoint.RecordsManagement, Version=1.0.0.0, Culture=neutral, PublicKeyToken=801662d3f2b71412</Assembly>
-    <Class>Collabware.SharePoint.RecordsManagement.ItemUniqueIdContentTypeReceiver</Class>
-    <Data/>
-    <Filter/>
-  </Receiver>
-  <Receiver>
-    <Name>Collabware CLM Item Unique ID</Name>
-    <Synchronization>Synchronous</Synchronization>
-    <Type>10002</Type>
-    <SequenceNumber>10500</SequenceNumber>
-    <Url/>
-    <Assembly>Collabware.SharePoint.RecordsManagement, Version=1.0.0.0, Culture=neutral, PublicKeyToken=801662d3f2b71412</Assembly>
-    <Class>Collabware.SharePoint.RecordsManagement.ItemUniqueIdContentTypeReceiver</Class>
-    <Data/>
-    <Filter/>
-  </Receiver>
-  <Receiver>
-    <Name>Collabware CLM Item Unique ID</Name>
-    <Synchronization>Synchronous</Synchronization>
-    <Type>10004</Type>
-    <SequenceNumber>10501</SequenceNumber>
-    <Url/>
-    <Assembly>Collabware.SharePoint.RecordsManagement, Version=1.0.0.0, Culture=neutral, PublicKeyToken=801662d3f2b71412</Assembly>
-    <Class>Collabware.SharePoint.RecordsManagement.ItemUniqueIdContentTypeReceiver</Class>
-    <Data/>
-    <Filter/>
-  </Receiver>
-  <Receiver>
-    <Name>Collabware CLM Item Unique ID</Name>
-    <Synchronization>Synchronous</Synchronization>
-    <Type>10006</Type>
-    <SequenceNumber>10502</SequenceNumber>
-    <Url/>
-    <Assembly>Collabware.SharePoint.RecordsManagement, Version=1.0.0.0, Culture=neutral, PublicKeyToken=801662d3f2b71412</Assembly>
-    <Class>Collabware.SharePoint.RecordsManagement.ItemUniqueIdContentTypeReceiver</Class>
-    <Data/>
-    <Filter/>
-  </Receiver>
-  <Receiver>
-    <Name>Collabware CLM Item Processing</Name>
-    <Synchronization>Synchronous</Synchronization>
-    <Type>10001</Type>
-    <SequenceNumber>12000</SequenceNumber>
-    <Url/>
-    <Assembly>Collabware.SharePoint.RecordsManagement, Version=1.0.0.0, Culture=neutral, PublicKeyToken=801662d3f2b71412</Assembly>
-    <Class>Collabware.SharePoint.RecordsManagement.ItemProcessingContentTypeReceiver</Class>
-    <Data/>
-    <Filter/>
-  </Receiver>
-  <Receiver>
-    <Name>Collabware CLM Item Processing</Name>
-    <Synchronization>Asynchronous</Synchronization>
-    <Type>10002</Type>
-    <SequenceNumber>12001</SequenceNumber>
-    <Url/>
-    <Assembly>Collabware.SharePoint.RecordsManagement, Version=1.0.0.0, Culture=neutral, PublicKeyToken=801662d3f2b71412</Assembly>
-    <Class>Collabware.SharePoint.RecordsManagement.ItemProcessingContentTypeReceiver</Class>
-    <Data/>
-    <Filter/>
-  </Receiver>
-  <Receiver>
-    <Name>Collabware CLM Item Processing</Name>
-    <Synchronization>Asynchronous</Synchronization>
-    <Type>10004</Type>
-    <SequenceNumber>12002</SequenceNumber>
-    <Url/>
-    <Assembly>Collabware.SharePoint.RecordsManagement, Version=1.0.0.0, Culture=neutral, PublicKeyToken=801662d3f2b71412</Assembly>
-    <Class>Collabware.SharePoint.RecordsManagement.ItemProcessingContentTypeReceiver</Class>
-    <Data/>
-    <Filter/>
-  </Receiver>
-  <Receiver>
-    <Name>Collabware CLM Item Audit</Name>
-    <Synchronization>Asynchronous</Synchronization>
-    <Type>10001</Type>
-    <SequenceNumber>11000</SequenceNumber>
-    <Url/>
-    <Assembly>Collabware.SharePoint.RecordsManagement, Version=1.0.0.0, Culture=neutral, PublicKeyToken=801662d3f2b71412</Assembly>
-    <Class>Collabware.SharePoint.RecordsManagement.ItemAuditContentTypeReceiver</Class>
-    <Data/>
-    <Filter/>
-  </Receiver>
-  <Receiver>
-    <Name>Collabware CLM Item Audit</Name>
-    <Synchronization>Asynchronous</Synchronization>
-    <Type>10002</Type>
-    <SequenceNumber>11001</SequenceNumber>
-    <Url/>
-    <Assembly>Collabware.SharePoint.RecordsManagement, Version=1.0.0.0, Culture=neutral, PublicKeyToken=801662d3f2b71412</Assembly>
-    <Class>Collabware.SharePoint.RecordsManagement.ItemAuditContentTypeReceiver</Class>
-    <Data/>
-    <Filter/>
-  </Receiver>
-  <Receiver>
-    <Name>Collabware CLM Item Audit</Name>
-    <Synchronization>Asynchronous</Synchronization>
-    <Type>10005</Type>
-    <SequenceNumber>11002</SequenceNumber>
-    <Url/>
-    <Assembly>Collabware.SharePoint.RecordsManagement, Version=1.0.0.0, Culture=neutral, PublicKeyToken=801662d3f2b71412</Assembly>
-    <Class>Collabware.SharePoint.RecordsManagement.ItemAuditContentTypeReceiver</Class>
-    <Data/>
-    <Filter/>
-  </Receiver>
-  <Receiver>
-    <Name>Collabware CLM Item Audit</Name>
-    <Synchronization>Asynchronous</Synchronization>
-    <Type>10006</Type>
-    <SequenceNumber>11003</SequenceNumber>
-    <Url/>
-    <Assembly>Collabware.SharePoint.RecordsManagement, Version=1.0.0.0, Culture=neutral, PublicKeyToken=801662d3f2b71412</Assembly>
-    <Class>Collabware.SharePoint.RecordsManagement.ItemAuditContentTypeReceiver</Class>
-    <Data/>
-    <Filter/>
-  </Receiver>
-  <Receiver>
-    <Name>Collabware CLM Item Audit</Name>
-    <Synchronization>Asynchronous</Synchronization>
-    <Type>10004</Type>
-    <SequenceNumber>11004</SequenceNumber>
-    <Url/>
-    <Assembly>Collabware.SharePoint.RecordsManagement, Version=1.0.0.0, Culture=neutral, PublicKeyToken=801662d3f2b71412</Assembly>
-    <Class>Collabware.SharePoint.RecordsManagement.ItemAuditContentTypeReceiver</Class>
-    <Data/>
-    <Filter/>
-  </Receiver>
-  <Receiver>
-    <Name>Collabware CLM Item Audit</Name>
-    <Synchronization>Synchronous</Synchronization>
-    <Type>3</Type>
-    <SequenceNumber>11005</SequenceNumber>
-    <Url/>
-    <Assembly>Collabware.SharePoint.RecordsManagement, Version=1.0.0.0, Culture=neutral, PublicKeyToken=801662d3f2b71412</Assembly>
-    <Class>Collabware.SharePoint.RecordsManagement.ItemAuditContentTypeReceiver</Class>
-    <Data/>
-    <Filter/>
-  </Receiver>
-  <Receiver>
-    <Name>Collabware CLM Item Security</Name>
-    <Synchronization>Asynchronous</Synchronization>
-    <Type>10002</Type>
-    <SequenceNumber>13000</SequenceNumber>
-    <Url/>
-    <Assembly>Collabware.SharePoint.RecordsManagement, Version=1.0.0.0, Culture=neutral, PublicKeyToken=801662d3f2b71412</Assembly>
-    <Class>Collabware.SharePoint.RecordsManagement.ItemSecurityContentTypeReceiver</Class>
-    <Data/>
-    <Filter/>
-  </Receiver>
-</spe:Receivers>
+<file path=customXml/itemProps1.xml><?xml version="1.0" encoding="utf-8"?>
+<ds:datastoreItem xmlns:ds="http://schemas.openxmlformats.org/officeDocument/2006/customXml" ds:itemID="{3C827018-15B6-448B-8E73-40D14598FD58}">
+  <ds:schemaRefs>
+    <ds:schemaRef ds:uri="Microsoft.SharePoint.Taxonomy.ContentTypeSync"/>
+  </ds:schemaRefs>
+</ds:datastoreItem>
 </file>
 
-<file path=customXml/item5.xml><?xml version="1.0" encoding="utf-8"?>
-<?mso-contentType ?>
-<FormTemplates xmlns="http://schemas.microsoft.com/sharepoint/v3/contenttype/forms">
-  <Display>DocumentLibraryForm</Display>
-  <Edit>DocumentLibraryForm</Edit>
-  <New>DocumentLibraryForm</New>
-</FormTemplates>
-</file>
-
-<file path=customXml/itemProps1.xml><?xml version="1.0" encoding="utf-8"?>
+<file path=customXml/itemProps2.xml><?xml version="1.0" encoding="utf-8"?>
 <ds:datastoreItem xmlns:ds="http://schemas.openxmlformats.org/officeDocument/2006/customXml" ds:itemID="{C95693D1-F03F-4789-9F12-027C033A206F}">
   <ds:schemaRefs>
     <ds:schemaRef ds:uri="c5b5009f-843b-44ad-8459-261282077631"/>
@@ -14632,15 +13467,23 @@
 </ds:datastoreItem>
 </file>
 
-<file path=customXml/itemProps2.xml><?xml version="1.0" encoding="utf-8"?>
-<ds:datastoreItem xmlns:ds="http://schemas.openxmlformats.org/officeDocument/2006/customXml" ds:itemID="{3C827018-15B6-448B-8E73-40D14598FD58}">
+<file path=customXml/itemProps3.xml><?xml version="1.0" encoding="utf-8"?>
+<ds:datastoreItem xmlns:ds="http://schemas.openxmlformats.org/officeDocument/2006/customXml" ds:itemID="{53EDEEC5-5442-436B-BCD5-33ABA81AFC3A}">
   <ds:schemaRefs>
-    <ds:schemaRef ds:uri="Microsoft.SharePoint.Taxonomy.ContentTypeSync"/>
+    <ds:schemaRef ds:uri="http://schemas.microsoft.com/sharepoint/v3/contenttype/forms"/>
   </ds:schemaRefs>
 </ds:datastoreItem>
 </file>
 
-<file path=customXml/itemProps3.xml><?xml version="1.0" encoding="utf-8"?>
+<file path=customXml/itemProps4.xml><?xml version="1.0" encoding="utf-8"?>
+<ds:datastoreItem xmlns:ds="http://schemas.openxmlformats.org/officeDocument/2006/customXml" ds:itemID="{A225C9B5-277C-4BE6-865F-2854BE518FF5}">
+  <ds:schemaRefs>
+    <ds:schemaRef ds:uri="http://schemas.microsoft.com/sharepoint/events"/>
+  </ds:schemaRefs>
+</ds:datastoreItem>
+</file>
+
+<file path=customXml/itemProps5.xml><?xml version="1.0" encoding="utf-8"?>
 <ds:datastoreItem xmlns:ds="http://schemas.openxmlformats.org/officeDocument/2006/customXml" ds:itemID="{F02646D5-6636-48BC-8E22-F8B6C83B9AD3}">
   <ds:schemaRefs>
     <ds:schemaRef ds:uri="http://schemas.microsoft.com/office/2006/metadata/contentType"/>
@@ -14657,20 +13500,4 @@
     <ds:schemaRef ds:uri="http://schemas.microsoft.com/internal/obd"/>
   </ds:schemaRefs>
 </ds:datastoreItem>
-</file>
-
-<file path=customXml/itemProps4.xml><?xml version="1.0" encoding="utf-8"?>
-<ds:datastoreItem xmlns:ds="http://schemas.openxmlformats.org/officeDocument/2006/customXml" ds:itemID="{A225C9B5-277C-4BE6-865F-2854BE518FF5}">
-  <ds:schemaRefs>
-    <ds:schemaRef ds:uri="http://schemas.microsoft.com/sharepoint/events"/>
-  </ds:schemaRefs>
-</ds:datastoreItem>
-</file>
-
-<file path=customXml/itemProps5.xml><?xml version="1.0" encoding="utf-8"?>
-<ds:datastoreItem xmlns:ds="http://schemas.openxmlformats.org/officeDocument/2006/customXml" ds:itemID="{53EDEEC5-5442-436B-BCD5-33ABA81AFC3A}">
-  <ds:schemaRefs>
-    <ds:schemaRef ds:uri="http://schemas.microsoft.com/sharepoint/v3/contenttype/forms"/>
-  </ds:schemaRefs>
-</ds:datastoreItem>
 </file>